--- a/trunk/J2_Forum.pptx
+++ b/trunk/J2_Forum.pptx
@@ -10,8 +10,8 @@
     <p:sldId id="258" r:id="rId4"/>
     <p:sldId id="259" r:id="rId5"/>
     <p:sldId id="260" r:id="rId6"/>
-    <p:sldId id="261" r:id="rId7"/>
-    <p:sldId id="262" r:id="rId8"/>
+    <p:sldId id="266" r:id="rId7"/>
+    <p:sldId id="261" r:id="rId8"/>
     <p:sldId id="263" r:id="rId9"/>
     <p:sldId id="264" r:id="rId10"/>
   </p:sldIdLst>
@@ -296,6 +296,7 @@
           <a:p>
             <a:fld id="{65147187-FD92-4E97-8F7C-BDE6B023CBF3}" type="datetimeFigureOut">
               <a:rPr lang="en-US" smtClean="0"/>
+              <a:pPr/>
               <a:t>4/21/2011</a:t>
             </a:fld>
             <a:endParaRPr lang="en-US"/>
@@ -338,6 +339,7 @@
           <a:p>
             <a:fld id="{8D97150B-1CC9-4903-9D67-BCE2A002E29B}" type="slidenum">
               <a:rPr lang="en-US" smtClean="0"/>
+              <a:pPr/>
               <a:t>‹#›</a:t>
             </a:fld>
             <a:endParaRPr lang="en-US"/>
@@ -461,6 +463,7 @@
           <a:p>
             <a:fld id="{65147187-FD92-4E97-8F7C-BDE6B023CBF3}" type="datetimeFigureOut">
               <a:rPr lang="en-US" smtClean="0"/>
+              <a:pPr/>
               <a:t>4/21/2011</a:t>
             </a:fld>
             <a:endParaRPr lang="en-US"/>
@@ -503,6 +506,7 @@
           <a:p>
             <a:fld id="{8D97150B-1CC9-4903-9D67-BCE2A002E29B}" type="slidenum">
               <a:rPr lang="en-US" smtClean="0"/>
+              <a:pPr/>
               <a:t>‹#›</a:t>
             </a:fld>
             <a:endParaRPr lang="en-US"/>
@@ -636,6 +640,7 @@
           <a:p>
             <a:fld id="{65147187-FD92-4E97-8F7C-BDE6B023CBF3}" type="datetimeFigureOut">
               <a:rPr lang="en-US" smtClean="0"/>
+              <a:pPr/>
               <a:t>4/21/2011</a:t>
             </a:fld>
             <a:endParaRPr lang="en-US"/>
@@ -678,6 +683,7 @@
           <a:p>
             <a:fld id="{8D97150B-1CC9-4903-9D67-BCE2A002E29B}" type="slidenum">
               <a:rPr lang="en-US" smtClean="0"/>
+              <a:pPr/>
               <a:t>‹#›</a:t>
             </a:fld>
             <a:endParaRPr lang="en-US"/>
@@ -801,6 +807,7 @@
           <a:p>
             <a:fld id="{65147187-FD92-4E97-8F7C-BDE6B023CBF3}" type="datetimeFigureOut">
               <a:rPr lang="en-US" smtClean="0"/>
+              <a:pPr/>
               <a:t>4/21/2011</a:t>
             </a:fld>
             <a:endParaRPr lang="en-US"/>
@@ -843,6 +850,7 @@
           <a:p>
             <a:fld id="{8D97150B-1CC9-4903-9D67-BCE2A002E29B}" type="slidenum">
               <a:rPr lang="en-US" smtClean="0"/>
+              <a:pPr/>
               <a:t>‹#›</a:t>
             </a:fld>
             <a:endParaRPr lang="en-US"/>
@@ -1042,6 +1050,7 @@
           <a:p>
             <a:fld id="{65147187-FD92-4E97-8F7C-BDE6B023CBF3}" type="datetimeFigureOut">
               <a:rPr lang="en-US" smtClean="0"/>
+              <a:pPr/>
               <a:t>4/21/2011</a:t>
             </a:fld>
             <a:endParaRPr lang="en-US"/>
@@ -1084,6 +1093,7 @@
           <a:p>
             <a:fld id="{8D97150B-1CC9-4903-9D67-BCE2A002E29B}" type="slidenum">
               <a:rPr lang="en-US" smtClean="0"/>
+              <a:pPr/>
               <a:t>‹#›</a:t>
             </a:fld>
             <a:endParaRPr lang="en-US"/>
@@ -1325,6 +1335,7 @@
           <a:p>
             <a:fld id="{65147187-FD92-4E97-8F7C-BDE6B023CBF3}" type="datetimeFigureOut">
               <a:rPr lang="en-US" smtClean="0"/>
+              <a:pPr/>
               <a:t>4/21/2011</a:t>
             </a:fld>
             <a:endParaRPr lang="en-US"/>
@@ -1367,6 +1378,7 @@
           <a:p>
             <a:fld id="{8D97150B-1CC9-4903-9D67-BCE2A002E29B}" type="slidenum">
               <a:rPr lang="en-US" smtClean="0"/>
+              <a:pPr/>
               <a:t>‹#›</a:t>
             </a:fld>
             <a:endParaRPr lang="en-US"/>
@@ -1742,6 +1754,7 @@
           <a:p>
             <a:fld id="{65147187-FD92-4E97-8F7C-BDE6B023CBF3}" type="datetimeFigureOut">
               <a:rPr lang="en-US" smtClean="0"/>
+              <a:pPr/>
               <a:t>4/21/2011</a:t>
             </a:fld>
             <a:endParaRPr lang="en-US"/>
@@ -1784,6 +1797,7 @@
           <a:p>
             <a:fld id="{8D97150B-1CC9-4903-9D67-BCE2A002E29B}" type="slidenum">
               <a:rPr lang="en-US" smtClean="0"/>
+              <a:pPr/>
               <a:t>‹#›</a:t>
             </a:fld>
             <a:endParaRPr lang="en-US"/>
@@ -1855,6 +1869,7 @@
           <a:p>
             <a:fld id="{65147187-FD92-4E97-8F7C-BDE6B023CBF3}" type="datetimeFigureOut">
               <a:rPr lang="en-US" smtClean="0"/>
+              <a:pPr/>
               <a:t>4/21/2011</a:t>
             </a:fld>
             <a:endParaRPr lang="en-US"/>
@@ -1897,6 +1912,7 @@
           <a:p>
             <a:fld id="{8D97150B-1CC9-4903-9D67-BCE2A002E29B}" type="slidenum">
               <a:rPr lang="en-US" smtClean="0"/>
+              <a:pPr/>
               <a:t>‹#›</a:t>
             </a:fld>
             <a:endParaRPr lang="en-US"/>
@@ -1945,6 +1961,7 @@
           <a:p>
             <a:fld id="{65147187-FD92-4E97-8F7C-BDE6B023CBF3}" type="datetimeFigureOut">
               <a:rPr lang="en-US" smtClean="0"/>
+              <a:pPr/>
               <a:t>4/21/2011</a:t>
             </a:fld>
             <a:endParaRPr lang="en-US"/>
@@ -1987,6 +2004,7 @@
           <a:p>
             <a:fld id="{8D97150B-1CC9-4903-9D67-BCE2A002E29B}" type="slidenum">
               <a:rPr lang="en-US" smtClean="0"/>
+              <a:pPr/>
               <a:t>‹#›</a:t>
             </a:fld>
             <a:endParaRPr lang="en-US"/>
@@ -2217,6 +2235,7 @@
           <a:p>
             <a:fld id="{65147187-FD92-4E97-8F7C-BDE6B023CBF3}" type="datetimeFigureOut">
               <a:rPr lang="en-US" smtClean="0"/>
+              <a:pPr/>
               <a:t>4/21/2011</a:t>
             </a:fld>
             <a:endParaRPr lang="en-US"/>
@@ -2259,6 +2278,7 @@
           <a:p>
             <a:fld id="{8D97150B-1CC9-4903-9D67-BCE2A002E29B}" type="slidenum">
               <a:rPr lang="en-US" smtClean="0"/>
+              <a:pPr/>
               <a:t>‹#›</a:t>
             </a:fld>
             <a:endParaRPr lang="en-US"/>
@@ -2465,6 +2485,7 @@
           <a:p>
             <a:fld id="{65147187-FD92-4E97-8F7C-BDE6B023CBF3}" type="datetimeFigureOut">
               <a:rPr lang="en-US" smtClean="0"/>
+              <a:pPr/>
               <a:t>4/21/2011</a:t>
             </a:fld>
             <a:endParaRPr lang="en-US"/>
@@ -2507,6 +2528,7 @@
           <a:p>
             <a:fld id="{8D97150B-1CC9-4903-9D67-BCE2A002E29B}" type="slidenum">
               <a:rPr lang="en-US" smtClean="0"/>
+              <a:pPr/>
               <a:t>‹#›</a:t>
             </a:fld>
             <a:endParaRPr lang="en-US"/>
@@ -2673,6 +2695,7 @@
           <a:p>
             <a:fld id="{65147187-FD92-4E97-8F7C-BDE6B023CBF3}" type="datetimeFigureOut">
               <a:rPr lang="en-US" smtClean="0"/>
+              <a:pPr/>
               <a:t>4/21/2011</a:t>
             </a:fld>
             <a:endParaRPr lang="en-US"/>
@@ -2751,6 +2774,7 @@
           <a:p>
             <a:fld id="{8D97150B-1CC9-4903-9D67-BCE2A002E29B}" type="slidenum">
               <a:rPr lang="en-US" smtClean="0"/>
+              <a:pPr/>
               <a:t>‹#›</a:t>
             </a:fld>
             <a:endParaRPr lang="en-US"/>
@@ -3102,6 +3126,13 @@
   <p:clrMapOvr>
     <a:masterClrMapping/>
   </p:clrMapOvr>
+  <p:timing>
+    <p:tnLst>
+      <p:par>
+        <p:cTn id="1" dur="indefinite" restart="never" nodeType="tmRoot"/>
+      </p:par>
+    </p:tnLst>
+  </p:timing>
 </p:sld>
 </file>
 
@@ -3209,6 +3240,13 @@
   <p:clrMapOvr>
     <a:masterClrMapping/>
   </p:clrMapOvr>
+  <p:timing>
+    <p:tnLst>
+      <p:par>
+        <p:cTn id="1" dur="indefinite" restart="never" nodeType="tmRoot"/>
+      </p:par>
+    </p:tnLst>
+  </p:timing>
 </p:sld>
 </file>
 
@@ -3276,15 +3314,43 @@
             <a:pPr lvl="1"/>
             <a:r>
               <a:rPr lang="en-US" dirty="0" smtClean="0"/>
-              <a:t>BECAUSE?</a:t>
+              <a:t>Web 2.0 – user created content is the trend</a:t>
+            </a:r>
+          </a:p>
+          <a:p>
+            <a:pPr lvl="1"/>
+            <a:r>
+              <a:rPr lang="en-US" dirty="0" smtClean="0"/>
+              <a:t>Liked idea of open discussion topics</a:t>
+            </a:r>
+          </a:p>
+          <a:p>
+            <a:r>
+              <a:rPr lang="en-US" dirty="0" smtClean="0"/>
+              <a:t>Potential for business concept:</a:t>
+            </a:r>
+          </a:p>
+          <a:p>
+            <a:pPr lvl="1"/>
+            <a:r>
+              <a:rPr lang="en-US" dirty="0" smtClean="0"/>
+              <a:t>Advertising</a:t>
+            </a:r>
+          </a:p>
+          <a:p>
+            <a:pPr lvl="1"/>
+            <a:r>
+              <a:rPr lang="en-US" dirty="0" smtClean="0"/>
+              <a:t>Email subscriptions</a:t>
+            </a:r>
+          </a:p>
+          <a:p>
+            <a:pPr lvl="1"/>
+            <a:r>
+              <a:rPr lang="en-US" dirty="0" smtClean="0"/>
+              <a:t>Etc.</a:t>
             </a:r>
             <a:endParaRPr lang="en-US" dirty="0" smtClean="0"/>
-          </a:p>
-          <a:p>
-            <a:r>
-              <a:rPr lang="en-US" dirty="0" smtClean="0"/>
-              <a:t>INSERT “BUSINESS” REASON</a:t>
-            </a:r>
           </a:p>
         </p:txBody>
       </p:sp>
@@ -3293,6 +3359,13 @@
   <p:clrMapOvr>
     <a:masterClrMapping/>
   </p:clrMapOvr>
+  <p:timing>
+    <p:tnLst>
+      <p:par>
+        <p:cTn id="1" dur="indefinite" restart="never" nodeType="tmRoot"/>
+      </p:par>
+    </p:tnLst>
+  </p:timing>
 </p:sld>
 </file>
 
@@ -3348,13 +3421,37 @@
         </p:nvSpPr>
         <p:spPr/>
         <p:txBody>
-          <a:bodyPr/>
-          <a:lstStyle/>
-          <a:p>
-            <a:r>
-              <a:rPr lang="en-US" dirty="0" smtClean="0"/>
-              <a:t>Forum, of course</a:t>
-            </a:r>
+          <a:bodyPr>
+            <a:normAutofit fontScale="92500" lnSpcReduction="20000"/>
+          </a:bodyPr>
+          <a:lstStyle/>
+          <a:p>
+            <a:r>
+              <a:rPr lang="en-US" dirty="0" smtClean="0"/>
+              <a:t>Forum</a:t>
+            </a:r>
+          </a:p>
+          <a:p>
+            <a:pPr lvl="1"/>
+            <a:r>
+              <a:rPr lang="en-US" dirty="0" smtClean="0"/>
+              <a:t>User accounts – login/logout</a:t>
+            </a:r>
+          </a:p>
+          <a:p>
+            <a:pPr lvl="1"/>
+            <a:r>
+              <a:rPr lang="en-US" dirty="0" smtClean="0"/>
+              <a:t>View and reply to threads</a:t>
+            </a:r>
+          </a:p>
+          <a:p>
+            <a:pPr lvl="1"/>
+            <a:r>
+              <a:rPr lang="en-US" dirty="0" smtClean="0"/>
+              <a:t>Start new threads</a:t>
+            </a:r>
+            <a:endParaRPr lang="en-US" dirty="0" smtClean="0"/>
           </a:p>
           <a:p>
             <a:r>
@@ -3402,6 +3499,13 @@
   <p:clrMapOvr>
     <a:masterClrMapping/>
   </p:clrMapOvr>
+  <p:timing>
+    <p:tnLst>
+      <p:par>
+        <p:cTn id="1" dur="indefinite" restart="never" nodeType="tmRoot"/>
+      </p:par>
+    </p:tnLst>
+  </p:timing>
 </p:sld>
 </file>
 
@@ -3462,13 +3566,23 @@
           <a:p>
             <a:r>
               <a:rPr lang="en-US" dirty="0" smtClean="0"/>
-              <a:t>Typical of a forum</a:t>
-            </a:r>
-          </a:p>
-          <a:p>
-            <a:r>
-              <a:rPr lang="en-US" dirty="0" smtClean="0"/>
-              <a:t>Standard thread starting and replying</a:t>
+              <a:t>Typical </a:t>
+            </a:r>
+            <a:r>
+              <a:rPr lang="en-US" dirty="0" smtClean="0"/>
+              <a:t>forum actions</a:t>
+            </a:r>
+            <a:endParaRPr lang="en-US" dirty="0" smtClean="0"/>
+          </a:p>
+          <a:p>
+            <a:pPr lvl="1"/>
+            <a:r>
+              <a:rPr lang="en-US" dirty="0" smtClean="0"/>
+              <a:t>Thread </a:t>
+            </a:r>
+            <a:r>
+              <a:rPr lang="en-US" dirty="0" smtClean="0"/>
+              <a:t>starting and replying</a:t>
             </a:r>
           </a:p>
           <a:p>
@@ -3478,13 +3592,43 @@
             </a:r>
             <a:r>
               <a:rPr lang="en-US" dirty="0" smtClean="0"/>
-              <a:t>uide user as much as possible with on screen messages</a:t>
-            </a:r>
-          </a:p>
-          <a:p>
-            <a:r>
-              <a:rPr lang="en-US" dirty="0" smtClean="0"/>
-              <a:t>Easy to change password and email</a:t>
+              <a:t>uide user as much as possible with on screen </a:t>
+            </a:r>
+            <a:r>
+              <a:rPr lang="en-US" dirty="0" smtClean="0"/>
+              <a:t>messages</a:t>
+            </a:r>
+          </a:p>
+          <a:p>
+            <a:pPr lvl="1"/>
+            <a:r>
+              <a:rPr lang="en-US" dirty="0" smtClean="0"/>
+              <a:t>Password mismatch error messages</a:t>
+            </a:r>
+          </a:p>
+          <a:p>
+            <a:pPr lvl="1"/>
+            <a:r>
+              <a:rPr lang="en-US" dirty="0" smtClean="0"/>
+              <a:t>Link to thread after replying</a:t>
+            </a:r>
+            <a:endParaRPr lang="en-US" dirty="0" smtClean="0"/>
+          </a:p>
+          <a:p>
+            <a:r>
+              <a:rPr lang="en-US" dirty="0" smtClean="0"/>
+              <a:t>Easy to change password and </a:t>
+            </a:r>
+            <a:r>
+              <a:rPr lang="en-US" dirty="0" smtClean="0"/>
+              <a:t>email</a:t>
+            </a:r>
+          </a:p>
+          <a:p>
+            <a:pPr lvl="1"/>
+            <a:r>
+              <a:rPr lang="en-US" dirty="0" smtClean="0"/>
+              <a:t>Requires current password confirmation</a:t>
             </a:r>
             <a:endParaRPr lang="en-US" dirty="0"/>
           </a:p>
@@ -3495,6 +3639,13 @@
   <p:clrMapOvr>
     <a:masterClrMapping/>
   </p:clrMapOvr>
+  <p:timing>
+    <p:tnLst>
+      <p:par>
+        <p:cTn id="1" dur="indefinite" restart="never" nodeType="tmRoot"/>
+      </p:par>
+    </p:tnLst>
+  </p:timing>
 </p:sld>
 </file>
 
@@ -3532,7 +3683,7 @@
           <a:p>
             <a:r>
               <a:rPr lang="en-US" dirty="0" smtClean="0"/>
-              <a:t>Problems Encountered</a:t>
+              <a:t>Problems</a:t>
             </a:r>
             <a:endParaRPr lang="en-US" dirty="0"/>
           </a:p>
@@ -3555,42 +3706,21 @@
           <a:p>
             <a:r>
               <a:rPr lang="en-US" dirty="0" smtClean="0"/>
-              <a:t>Understanding POST and SESSION</a:t>
-            </a:r>
-          </a:p>
-          <a:p>
-            <a:r>
-              <a:rPr lang="en-US" dirty="0" smtClean="0"/>
-              <a:t>Using Google Code and SVN</a:t>
-            </a:r>
-          </a:p>
-          <a:p>
-            <a:r>
-              <a:rPr lang="en-US" dirty="0" smtClean="0"/>
-              <a:t>Updating user info – code logic</a:t>
-            </a:r>
-          </a:p>
-          <a:p>
-            <a:endParaRPr lang="en-US" dirty="0"/>
-          </a:p>
-          <a:p>
-            <a:r>
-              <a:rPr lang="en-US" dirty="0" smtClean="0"/>
-              <a:t>JIN’s ISSUES HERE</a:t>
-            </a:r>
-          </a:p>
-          <a:p>
-            <a:r>
-              <a:rPr lang="en-US" dirty="0" smtClean="0"/>
-              <a:t>Sticky Posts?</a:t>
-            </a:r>
-          </a:p>
-          <a:p>
-            <a:r>
-              <a:rPr lang="en-US" dirty="0" smtClean="0"/>
-              <a:t>Thread ordering?</a:t>
-            </a:r>
-            <a:endParaRPr lang="en-US" dirty="0"/>
+              <a:t>Most problems solved by our group </a:t>
+            </a:r>
+            <a:r>
+              <a:rPr lang="en-US" dirty="0" smtClean="0"/>
+              <a:t>meetings, talking </a:t>
+            </a:r>
+            <a:r>
+              <a:rPr lang="en-US" dirty="0" smtClean="0"/>
+              <a:t>through the </a:t>
+            </a:r>
+            <a:r>
+              <a:rPr lang="en-US" dirty="0" smtClean="0"/>
+              <a:t>issues, and testing for bugs</a:t>
+            </a:r>
+            <a:endParaRPr lang="en-US" dirty="0" smtClean="0"/>
           </a:p>
         </p:txBody>
       </p:sp>
@@ -3599,6 +3729,13 @@
   <p:clrMapOvr>
     <a:masterClrMapping/>
   </p:clrMapOvr>
+  <p:timing>
+    <p:tnLst>
+      <p:par>
+        <p:cTn id="1" dur="indefinite" restart="never" nodeType="tmRoot"/>
+      </p:par>
+    </p:tnLst>
+  </p:timing>
 </p:sld>
 </file>
 
@@ -3636,7 +3773,7 @@
           <a:p>
             <a:r>
               <a:rPr lang="en-US" dirty="0" smtClean="0"/>
-              <a:t>Problems Solved</a:t>
+              <a:t>Problems and Solutions</a:t>
             </a:r>
             <a:endParaRPr lang="en-US" dirty="0"/>
           </a:p>
@@ -3654,33 +3791,93 @@
         </p:nvSpPr>
         <p:spPr/>
         <p:txBody>
-          <a:bodyPr/>
-          <a:lstStyle/>
-          <a:p>
-            <a:r>
-              <a:rPr lang="en-US" dirty="0" smtClean="0"/>
-              <a:t>Most problems solved by our group meetings and talking through the issues</a:t>
-            </a:r>
-          </a:p>
-          <a:p>
-            <a:r>
-              <a:rPr lang="en-US" dirty="0" smtClean="0"/>
-              <a:t>Techniques found on internet</a:t>
+          <a:bodyPr>
+            <a:normAutofit fontScale="85000" lnSpcReduction="20000"/>
+          </a:bodyPr>
+          <a:lstStyle/>
+          <a:p>
+            <a:r>
+              <a:rPr lang="en-US" dirty="0" smtClean="0"/>
+              <a:t>Understanding POST and </a:t>
+            </a:r>
+            <a:r>
+              <a:rPr lang="en-US" dirty="0" smtClean="0"/>
+              <a:t>SESSION</a:t>
             </a:r>
           </a:p>
           <a:p>
             <a:pPr lvl="1"/>
             <a:r>
               <a:rPr lang="en-US" dirty="0" smtClean="0"/>
-              <a:t>Code syntax and samples</a:t>
-            </a:r>
-            <a:endParaRPr lang="en-US" dirty="0"/>
-          </a:p>
-          <a:p>
-            <a:r>
-              <a:rPr lang="en-US" dirty="0" smtClean="0"/>
-              <a:t>Trial and error</a:t>
-            </a:r>
+              <a:t>Reading online and talking to other coders to learn</a:t>
+            </a:r>
+            <a:endParaRPr lang="en-US" dirty="0" smtClean="0"/>
+          </a:p>
+          <a:p>
+            <a:r>
+              <a:rPr lang="en-US" dirty="0" smtClean="0"/>
+              <a:t>Using Google Code and </a:t>
+            </a:r>
+            <a:r>
+              <a:rPr lang="en-US" dirty="0" smtClean="0"/>
+              <a:t>SVN</a:t>
+            </a:r>
+          </a:p>
+          <a:p>
+            <a:pPr lvl="1"/>
+            <a:r>
+              <a:rPr lang="en-US" dirty="0" smtClean="0"/>
+              <a:t>Jin had experience and explained how to use it</a:t>
+            </a:r>
+            <a:endParaRPr lang="en-US" dirty="0" smtClean="0"/>
+          </a:p>
+          <a:p>
+            <a:r>
+              <a:rPr lang="en-US" dirty="0" smtClean="0"/>
+              <a:t>Updating user info – code </a:t>
+            </a:r>
+            <a:r>
+              <a:rPr lang="en-US" dirty="0" smtClean="0"/>
+              <a:t>logic</a:t>
+            </a:r>
+          </a:p>
+          <a:p>
+            <a:pPr lvl="1"/>
+            <a:r>
+              <a:rPr lang="en-US" dirty="0" smtClean="0"/>
+              <a:t>Learned some by trial and error and some by looking up code syntax online</a:t>
+            </a:r>
+            <a:endParaRPr lang="en-US" dirty="0" smtClean="0"/>
+          </a:p>
+          <a:p>
+            <a:r>
+              <a:rPr lang="en-US" dirty="0" smtClean="0"/>
+              <a:t>Thread Ordering</a:t>
+            </a:r>
+          </a:p>
+          <a:p>
+            <a:pPr lvl="1"/>
+            <a:r>
+              <a:rPr lang="en-US" dirty="0" smtClean="0"/>
+              <a:t>Organized the logic of the code to help solve</a:t>
+            </a:r>
+            <a:endParaRPr lang="en-US" dirty="0" smtClean="0"/>
+          </a:p>
+          <a:p>
+            <a:r>
+              <a:rPr lang="en-US" dirty="0" smtClean="0"/>
+              <a:t>Sticky Posts</a:t>
+            </a:r>
+          </a:p>
+          <a:p>
+            <a:pPr lvl="1"/>
+            <a:r>
+              <a:rPr lang="en-US" dirty="0" smtClean="0"/>
+              <a:t>Checking database for sticky bit field and ordering the sticky posts at the top of all other threads</a:t>
+            </a:r>
+            <a:endParaRPr lang="en-US" dirty="0" smtClean="0"/>
+          </a:p>
+          <a:p>
             <a:endParaRPr lang="en-US" dirty="0"/>
           </a:p>
         </p:txBody>
@@ -3690,6 +3887,13 @@
   <p:clrMapOvr>
     <a:masterClrMapping/>
   </p:clrMapOvr>
+  <p:timing>
+    <p:tnLst>
+      <p:par>
+        <p:cTn id="1" dur="indefinite" restart="never" nodeType="tmRoot"/>
+      </p:par>
+    </p:tnLst>
+  </p:timing>
 </p:sld>
 </file>
 
@@ -3758,9 +3962,31 @@
           <a:p>
             <a:r>
               <a:rPr lang="en-US" dirty="0" smtClean="0"/>
-              <a:t>User choices for threads per page and thread ordering (newest first vs. oldest first)</a:t>
+              <a:t>User choices for threads per page and thread ordering (newest first vs. oldest first</a:t>
+            </a:r>
+            <a:r>
+              <a:rPr lang="en-US" dirty="0" smtClean="0"/>
+              <a:t>)</a:t>
+            </a:r>
+          </a:p>
+          <a:p>
+            <a:r>
+              <a:rPr lang="en-US" dirty="0" smtClean="0"/>
+              <a:t>Editing and deleting own posts</a:t>
             </a:r>
             <a:endParaRPr lang="en-US" dirty="0"/>
+          </a:p>
+          <a:p>
+            <a:r>
+              <a:rPr lang="en-US" dirty="0" smtClean="0"/>
+              <a:t>Administration system improvements</a:t>
+            </a:r>
+          </a:p>
+          <a:p>
+            <a:r>
+              <a:rPr lang="en-US" dirty="0" smtClean="0"/>
+              <a:t>User forgot password</a:t>
+            </a:r>
           </a:p>
         </p:txBody>
       </p:sp>
@@ -3769,6 +3995,13 @@
   <p:clrMapOvr>
     <a:masterClrMapping/>
   </p:clrMapOvr>
+  <p:timing>
+    <p:tnLst>
+      <p:par>
+        <p:cTn id="1" dur="indefinite" restart="never" nodeType="tmRoot"/>
+      </p:par>
+    </p:tnLst>
+  </p:timing>
 </p:sld>
 </file>
 
@@ -3827,7 +4060,13 @@
           <a:bodyPr/>
           <a:lstStyle/>
           <a:p>
-            <a:endParaRPr lang="en-US"/>
+            <a:r>
+              <a:rPr lang="en-US" dirty="0" smtClean="0">
+                <a:hlinkClick r:id="rId2"/>
+              </a:rPr>
+              <a:t>Welcome to the J2 Forum!</a:t>
+            </a:r>
+            <a:endParaRPr lang="en-US" dirty="0"/>
           </a:p>
         </p:txBody>
       </p:sp>
@@ -3836,6 +4075,13 @@
   <p:clrMapOvr>
     <a:masterClrMapping/>
   </p:clrMapOvr>
+  <p:timing>
+    <p:tnLst>
+      <p:par>
+        <p:cTn id="1" dur="indefinite" restart="never" nodeType="tmRoot"/>
+      </p:par>
+    </p:tnLst>
+  </p:timing>
 </p:sld>
 </file>
 

--- a/trunk/J2_Forum.pptx
+++ b/trunk/J2_Forum.pptx
@@ -2,7 +2,7 @@
 <file path=ppt/presentation.xml><?xml version="1.0" encoding="utf-8"?>
 <p:presentation xmlns:a="http://schemas.openxmlformats.org/drawingml/2006/main" xmlns:r="http://schemas.openxmlformats.org/officeDocument/2006/relationships" xmlns:p="http://schemas.openxmlformats.org/presentationml/2006/main" saveSubsetFonts="1">
   <p:sldMasterIdLst>
-    <p:sldMasterId id="2147483876" r:id="rId1"/>
+    <p:sldMasterId id="2147483936" r:id="rId1"/>
   </p:sldMasterIdLst>
   <p:sldIdLst>
     <p:sldId id="256" r:id="rId2"/>
@@ -117,7 +117,7 @@
 
 <file path=ppt/slideLayouts/slideLayout1.xml><?xml version="1.0" encoding="utf-8"?>
 <p:sldLayout xmlns:a="http://schemas.openxmlformats.org/drawingml/2006/main" xmlns:r="http://schemas.openxmlformats.org/officeDocument/2006/relationships" xmlns:p="http://schemas.openxmlformats.org/presentationml/2006/main" type="title" preserve="1">
-  <p:cSld name="Title Slide">
+  <p:cSld name="标题幻灯片">
     <p:spTree>
       <p:nvGrpSpPr>
         <p:cNvPr id="1" name=""/>
@@ -134,7 +134,7 @@
       </p:grpSpPr>
       <p:sp>
         <p:nvSpPr>
-          <p:cNvPr id="2" name="Title 1"/>
+          <p:cNvPr id="16" name="Rectangle 20"/>
           <p:cNvSpPr>
             <a:spLocks noGrp="1"/>
           </p:cNvSpPr>
@@ -144,25 +144,63 @@
         </p:nvSpPr>
         <p:spPr>
           <a:xfrm>
-            <a:off x="685800" y="2130425"/>
-            <a:ext cx="7772400" cy="1470025"/>
+            <a:off x="722376" y="2688336"/>
+            <a:ext cx="7772400" cy="3108960"/>
           </a:xfrm>
         </p:spPr>
         <p:txBody>
-          <a:bodyPr/>
-          <a:lstStyle/>
-          <a:p>
-            <a:r>
-              <a:rPr lang="en-US" smtClean="0"/>
-              <a:t>Click to edit Master title style</a:t>
-            </a:r>
-            <a:endParaRPr lang="en-US"/>
-          </a:p>
-        </p:txBody>
-      </p:sp>
-      <p:sp>
-        <p:nvSpPr>
-          <p:cNvPr id="3" name="Subtitle 2"/>
+          <a:bodyPr anchor="t" anchorCtr="0">
+            <a:noAutofit/>
+          </a:bodyPr>
+          <a:lstStyle>
+            <a:lvl1pPr algn="ctr">
+              <a:defRPr lang="en-US" sz="6200" b="1" cap="none" spc="0" dirty="0" smtClean="0">
+                <a:ln w="1905"/>
+                <a:gradFill>
+                  <a:gsLst>
+                    <a:gs pos="0">
+                      <a:schemeClr val="tx2">
+                        <a:shade val="30000"/>
+                        <a:satMod val="255000"/>
+                      </a:schemeClr>
+                    </a:gs>
+                    <a:gs pos="58000">
+                      <a:schemeClr val="tx2">
+                        <a:tint val="90000"/>
+                        <a:satMod val="300000"/>
+                      </a:schemeClr>
+                    </a:gs>
+                    <a:gs pos="100000">
+                      <a:schemeClr val="tx2">
+                        <a:tint val="80000"/>
+                        <a:satMod val="255000"/>
+                      </a:schemeClr>
+                    </a:gs>
+                  </a:gsLst>
+                  <a:lin ang="5400000"/>
+                </a:gradFill>
+                <a:effectLst>
+                  <a:innerShdw blurRad="69850" dist="43180" dir="5400000">
+                    <a:srgbClr val="000000">
+                      <a:alpha val="65000"/>
+                    </a:srgbClr>
+                  </a:innerShdw>
+                </a:effectLst>
+              </a:defRPr>
+            </a:lvl1pPr>
+          </a:lstStyle>
+          <a:p>
+            <a:r>
+              <a:rPr lang="zh-CN" altLang="en-US" smtClean="0"/>
+              <a:t>单击此处编辑母版标题样式</a:t>
+            </a:r>
+            <a:endParaRPr lang="en-US" dirty="0"/>
+          </a:p>
+        </p:txBody>
+      </p:sp>
+      <p:sp>
+        <p:nvSpPr>
+          <p:cNvPr id="24" name="Rectangle 26"/>
           <p:cNvSpPr>
             <a:spLocks noGrp="1"/>
           </p:cNvSpPr>
@@ -172,116 +210,63 @@
         </p:nvSpPr>
         <p:spPr>
           <a:xfrm>
-            <a:off x="1371600" y="3886200"/>
-            <a:ext cx="6400800" cy="1752600"/>
+            <a:off x="722376" y="1133856"/>
+            <a:ext cx="7772400" cy="1508760"/>
           </a:xfrm>
         </p:spPr>
         <p:txBody>
-          <a:bodyPr/>
+          <a:bodyPr anchor="b">
+            <a:normAutofit/>
+          </a:bodyPr>
           <a:lstStyle>
             <a:lvl1pPr marL="0" indent="0" algn="ctr">
               <a:buNone/>
-              <a:defRPr>
+              <a:defRPr lang="en-US" sz="2200" b="0">
                 <a:solidFill>
-                  <a:schemeClr val="tx1">
-                    <a:tint val="75000"/>
+                  <a:schemeClr val="tx2">
+                    <a:shade val="55000"/>
                   </a:schemeClr>
                 </a:solidFill>
+                <a:effectLst/>
               </a:defRPr>
             </a:lvl1pPr>
             <a:lvl2pPr marL="457200" indent="0" algn="ctr">
               <a:buNone/>
-              <a:defRPr>
-                <a:solidFill>
-                  <a:schemeClr val="tx1">
-                    <a:tint val="75000"/>
-                  </a:schemeClr>
-                </a:solidFill>
-              </a:defRPr>
             </a:lvl2pPr>
             <a:lvl3pPr marL="914400" indent="0" algn="ctr">
               <a:buNone/>
-              <a:defRPr>
-                <a:solidFill>
-                  <a:schemeClr val="tx1">
-                    <a:tint val="75000"/>
-                  </a:schemeClr>
-                </a:solidFill>
-              </a:defRPr>
             </a:lvl3pPr>
             <a:lvl4pPr marL="1371600" indent="0" algn="ctr">
               <a:buNone/>
-              <a:defRPr>
-                <a:solidFill>
-                  <a:schemeClr val="tx1">
-                    <a:tint val="75000"/>
-                  </a:schemeClr>
-                </a:solidFill>
-              </a:defRPr>
             </a:lvl4pPr>
             <a:lvl5pPr marL="1828800" indent="0" algn="ctr">
               <a:buNone/>
-              <a:defRPr>
-                <a:solidFill>
-                  <a:schemeClr val="tx1">
-                    <a:tint val="75000"/>
-                  </a:schemeClr>
-                </a:solidFill>
-              </a:defRPr>
             </a:lvl5pPr>
             <a:lvl6pPr marL="2286000" indent="0" algn="ctr">
               <a:buNone/>
-              <a:defRPr>
-                <a:solidFill>
-                  <a:schemeClr val="tx1">
-                    <a:tint val="75000"/>
-                  </a:schemeClr>
-                </a:solidFill>
-              </a:defRPr>
             </a:lvl6pPr>
             <a:lvl7pPr marL="2743200" indent="0" algn="ctr">
               <a:buNone/>
-              <a:defRPr>
-                <a:solidFill>
-                  <a:schemeClr val="tx1">
-                    <a:tint val="75000"/>
-                  </a:schemeClr>
-                </a:solidFill>
-              </a:defRPr>
             </a:lvl7pPr>
             <a:lvl8pPr marL="3200400" indent="0" algn="ctr">
               <a:buNone/>
-              <a:defRPr>
-                <a:solidFill>
-                  <a:schemeClr val="tx1">
-                    <a:tint val="75000"/>
-                  </a:schemeClr>
-                </a:solidFill>
-              </a:defRPr>
             </a:lvl8pPr>
             <a:lvl9pPr marL="3657600" indent="0" algn="ctr">
               <a:buNone/>
-              <a:defRPr>
-                <a:solidFill>
-                  <a:schemeClr val="tx1">
-                    <a:tint val="75000"/>
-                  </a:schemeClr>
-                </a:solidFill>
-              </a:defRPr>
             </a:lvl9pPr>
           </a:lstStyle>
           <a:p>
             <a:r>
-              <a:rPr lang="en-US" smtClean="0"/>
-              <a:t>Click to edit Master subtitle style</a:t>
-            </a:r>
-            <a:endParaRPr lang="en-US"/>
-          </a:p>
-        </p:txBody>
-      </p:sp>
-      <p:sp>
-        <p:nvSpPr>
-          <p:cNvPr id="4" name="Date Placeholder 3"/>
+              <a:rPr lang="zh-CN" altLang="en-US" smtClean="0"/>
+              <a:t>单击此处编辑母版副标题样式</a:t>
+            </a:r>
+            <a:endParaRPr lang="en-US" dirty="0"/>
+          </a:p>
+        </p:txBody>
+      </p:sp>
+      <p:sp>
+        <p:nvSpPr>
+          <p:cNvPr id="18" name="Rectangle 6"/>
           <p:cNvSpPr>
             <a:spLocks noGrp="1"/>
           </p:cNvSpPr>
@@ -292,7 +277,11 @@
         <p:spPr/>
         <p:txBody>
           <a:bodyPr/>
-          <a:lstStyle/>
+          <a:lstStyle>
+            <a:lvl1pPr>
+              <a:defRPr lang="en-US" smtClean="0"/>
+            </a:lvl1pPr>
+          </a:lstStyle>
           <a:p>
             <a:fld id="{65147187-FD92-4E97-8F7C-BDE6B023CBF3}" type="datetimeFigureOut">
               <a:rPr lang="en-US" smtClean="0"/>
@@ -305,43 +294,51 @@
       </p:sp>
       <p:sp>
         <p:nvSpPr>
-          <p:cNvPr id="5" name="Footer Placeholder 4"/>
-          <p:cNvSpPr>
-            <a:spLocks noGrp="1"/>
-          </p:cNvSpPr>
-          <p:nvPr>
-            <p:ph type="ftr" sz="quarter" idx="11"/>
-          </p:nvPr>
-        </p:nvSpPr>
-        <p:spPr/>
-        <p:txBody>
-          <a:bodyPr/>
-          <a:lstStyle/>
-          <a:p>
-            <a:endParaRPr lang="en-US"/>
-          </a:p>
-        </p:txBody>
-      </p:sp>
-      <p:sp>
-        <p:nvSpPr>
-          <p:cNvPr id="6" name="Slide Number Placeholder 5"/>
-          <p:cNvSpPr>
-            <a:spLocks noGrp="1"/>
-          </p:cNvSpPr>
-          <p:nvPr>
-            <p:ph type="sldNum" sz="quarter" idx="12"/>
-          </p:nvPr>
-        </p:nvSpPr>
-        <p:spPr/>
-        <p:txBody>
-          <a:bodyPr/>
-          <a:lstStyle/>
+          <p:cNvPr id="9" name="Rectangle 14"/>
+          <p:cNvSpPr>
+            <a:spLocks noGrp="1"/>
+          </p:cNvSpPr>
+          <p:nvPr>
+            <p:ph type="sldNum" sz="quarter" idx="11"/>
+          </p:nvPr>
+        </p:nvSpPr>
+        <p:spPr/>
+        <p:txBody>
+          <a:bodyPr/>
+          <a:lstStyle>
+            <a:lvl1pPr>
+              <a:defRPr lang="en-US" smtClean="0"/>
+            </a:lvl1pPr>
+          </a:lstStyle>
           <a:p>
             <a:fld id="{8D97150B-1CC9-4903-9D67-BCE2A002E29B}" type="slidenum">
               <a:rPr lang="en-US" smtClean="0"/>
               <a:pPr/>
               <a:t>‹#›</a:t>
             </a:fld>
+            <a:endParaRPr lang="en-US"/>
+          </a:p>
+        </p:txBody>
+      </p:sp>
+      <p:sp>
+        <p:nvSpPr>
+          <p:cNvPr id="25" name="Rectangle 27"/>
+          <p:cNvSpPr>
+            <a:spLocks noGrp="1"/>
+          </p:cNvSpPr>
+          <p:nvPr>
+            <p:ph type="ftr" sz="quarter" idx="12"/>
+          </p:nvPr>
+        </p:nvSpPr>
+        <p:spPr/>
+        <p:txBody>
+          <a:bodyPr/>
+          <a:lstStyle>
+            <a:lvl1pPr>
+              <a:defRPr lang="en-US" smtClean="0"/>
+            </a:lvl1pPr>
+          </a:lstStyle>
+          <a:p>
             <a:endParaRPr lang="en-US"/>
           </a:p>
         </p:txBody>
@@ -356,7 +353,7 @@
 
 <file path=ppt/slideLayouts/slideLayout10.xml><?xml version="1.0" encoding="utf-8"?>
 <p:sldLayout xmlns:a="http://schemas.openxmlformats.org/drawingml/2006/main" xmlns:r="http://schemas.openxmlformats.org/officeDocument/2006/relationships" xmlns:p="http://schemas.openxmlformats.org/presentationml/2006/main" type="vertTx" preserve="1">
-  <p:cSld name="Title and Vertical Text">
+  <p:cSld name="标题和竖排文字">
     <p:spTree>
       <p:nvGrpSpPr>
         <p:cNvPr id="1" name=""/>
@@ -387,8 +384,8 @@
           <a:lstStyle/>
           <a:p>
             <a:r>
-              <a:rPr lang="en-US" smtClean="0"/>
-              <a:t>Click to edit Master title style</a:t>
+              <a:rPr lang="zh-CN" altLang="en-US" smtClean="0"/>
+              <a:t>单击此处编辑母版标题样式</a:t>
             </a:r>
             <a:endParaRPr lang="en-US"/>
           </a:p>
@@ -411,36 +408,36 @@
           <a:p>
             <a:pPr lvl="0"/>
             <a:r>
-              <a:rPr lang="en-US" smtClean="0"/>
-              <a:t>Click to edit Master text styles</a:t>
+              <a:rPr lang="zh-CN" altLang="en-US" smtClean="0"/>
+              <a:t>单击此处编辑母版文本样式</a:t>
             </a:r>
           </a:p>
           <a:p>
             <a:pPr lvl="1"/>
             <a:r>
-              <a:rPr lang="en-US" smtClean="0"/>
-              <a:t>Second level</a:t>
+              <a:rPr lang="zh-CN" altLang="en-US" smtClean="0"/>
+              <a:t>第二级</a:t>
             </a:r>
           </a:p>
           <a:p>
             <a:pPr lvl="2"/>
             <a:r>
-              <a:rPr lang="en-US" smtClean="0"/>
-              <a:t>Third level</a:t>
+              <a:rPr lang="zh-CN" altLang="en-US" smtClean="0"/>
+              <a:t>第三级</a:t>
             </a:r>
           </a:p>
           <a:p>
             <a:pPr lvl="3"/>
             <a:r>
-              <a:rPr lang="en-US" smtClean="0"/>
-              <a:t>Fourth level</a:t>
+              <a:rPr lang="zh-CN" altLang="en-US" smtClean="0"/>
+              <a:t>第四级</a:t>
             </a:r>
           </a:p>
           <a:p>
             <a:pPr lvl="4"/>
             <a:r>
-              <a:rPr lang="en-US" smtClean="0"/>
-              <a:t>Fifth level</a:t>
+              <a:rPr lang="zh-CN" altLang="en-US" smtClean="0"/>
+              <a:t>第五级</a:t>
             </a:r>
             <a:endParaRPr lang="en-US"/>
           </a:p>
@@ -523,7 +520,7 @@
 
 <file path=ppt/slideLayouts/slideLayout11.xml><?xml version="1.0" encoding="utf-8"?>
 <p:sldLayout xmlns:a="http://schemas.openxmlformats.org/drawingml/2006/main" xmlns:r="http://schemas.openxmlformats.org/officeDocument/2006/relationships" xmlns:p="http://schemas.openxmlformats.org/presentationml/2006/main" type="vertTitleAndTx" preserve="1">
-  <p:cSld name="Vertical Title and Text">
+  <p:cSld name="垂直排列标题与文本">
     <p:spTree>
       <p:nvGrpSpPr>
         <p:cNvPr id="1" name=""/>
@@ -559,8 +556,8 @@
           <a:lstStyle/>
           <a:p>
             <a:r>
-              <a:rPr lang="en-US" smtClean="0"/>
-              <a:t>Click to edit Master title style</a:t>
+              <a:rPr lang="zh-CN" altLang="en-US" smtClean="0"/>
+              <a:t>单击此处编辑母版标题样式</a:t>
             </a:r>
             <a:endParaRPr lang="en-US"/>
           </a:p>
@@ -588,36 +585,36 @@
           <a:p>
             <a:pPr lvl="0"/>
             <a:r>
-              <a:rPr lang="en-US" smtClean="0"/>
-              <a:t>Click to edit Master text styles</a:t>
+              <a:rPr lang="zh-CN" altLang="en-US" smtClean="0"/>
+              <a:t>单击此处编辑母版文本样式</a:t>
             </a:r>
           </a:p>
           <a:p>
             <a:pPr lvl="1"/>
             <a:r>
-              <a:rPr lang="en-US" smtClean="0"/>
-              <a:t>Second level</a:t>
+              <a:rPr lang="zh-CN" altLang="en-US" smtClean="0"/>
+              <a:t>第二级</a:t>
             </a:r>
           </a:p>
           <a:p>
             <a:pPr lvl="2"/>
             <a:r>
-              <a:rPr lang="en-US" smtClean="0"/>
-              <a:t>Third level</a:t>
+              <a:rPr lang="zh-CN" altLang="en-US" smtClean="0"/>
+              <a:t>第三级</a:t>
             </a:r>
           </a:p>
           <a:p>
             <a:pPr lvl="3"/>
             <a:r>
-              <a:rPr lang="en-US" smtClean="0"/>
-              <a:t>Fourth level</a:t>
+              <a:rPr lang="zh-CN" altLang="en-US" smtClean="0"/>
+              <a:t>第四级</a:t>
             </a:r>
           </a:p>
           <a:p>
             <a:pPr lvl="4"/>
             <a:r>
-              <a:rPr lang="en-US" smtClean="0"/>
-              <a:t>Fifth level</a:t>
+              <a:rPr lang="zh-CN" altLang="en-US" smtClean="0"/>
+              <a:t>第五级</a:t>
             </a:r>
             <a:endParaRPr lang="en-US"/>
           </a:p>
@@ -700,7 +697,7 @@
 
 <file path=ppt/slideLayouts/slideLayout2.xml><?xml version="1.0" encoding="utf-8"?>
 <p:sldLayout xmlns:a="http://schemas.openxmlformats.org/drawingml/2006/main" xmlns:r="http://schemas.openxmlformats.org/officeDocument/2006/relationships" xmlns:p="http://schemas.openxmlformats.org/presentationml/2006/main" type="obj" preserve="1">
-  <p:cSld name="Title and Content">
+  <p:cSld name="标题和内容">
     <p:spTree>
       <p:nvGrpSpPr>
         <p:cNvPr id="1" name=""/>
@@ -717,7 +714,7 @@
       </p:grpSpPr>
       <p:sp>
         <p:nvSpPr>
-          <p:cNvPr id="2" name="Title 1"/>
+          <p:cNvPr id="2" name="Rectangle 2"/>
           <p:cNvSpPr>
             <a:spLocks noGrp="1"/>
           </p:cNvSpPr>
@@ -731,8 +728,8 @@
           <a:lstStyle/>
           <a:p>
             <a:r>
-              <a:rPr lang="en-US" smtClean="0"/>
-              <a:t>Click to edit Master title style</a:t>
+              <a:rPr lang="zh-CN" altLang="en-US" smtClean="0"/>
+              <a:t>单击此处编辑母版标题样式</a:t>
             </a:r>
             <a:endParaRPr lang="en-US"/>
           </a:p>
@@ -740,7 +737,7 @@
       </p:sp>
       <p:sp>
         <p:nvSpPr>
-          <p:cNvPr id="3" name="Content Placeholder 2"/>
+          <p:cNvPr id="3" name="Rectangle 3"/>
           <p:cNvSpPr>
             <a:spLocks noGrp="1"/>
           </p:cNvSpPr>
@@ -755,44 +752,44 @@
           <a:p>
             <a:pPr lvl="0"/>
             <a:r>
-              <a:rPr lang="en-US" smtClean="0"/>
-              <a:t>Click to edit Master text styles</a:t>
+              <a:rPr lang="zh-CN" altLang="en-US" smtClean="0"/>
+              <a:t>单击此处编辑母版文本样式</a:t>
             </a:r>
           </a:p>
           <a:p>
             <a:pPr lvl="1"/>
             <a:r>
-              <a:rPr lang="en-US" smtClean="0"/>
-              <a:t>Second level</a:t>
+              <a:rPr lang="zh-CN" altLang="en-US" smtClean="0"/>
+              <a:t>第二级</a:t>
             </a:r>
           </a:p>
           <a:p>
             <a:pPr lvl="2"/>
             <a:r>
-              <a:rPr lang="en-US" smtClean="0"/>
-              <a:t>Third level</a:t>
+              <a:rPr lang="zh-CN" altLang="en-US" smtClean="0"/>
+              <a:t>第三级</a:t>
             </a:r>
           </a:p>
           <a:p>
             <a:pPr lvl="3"/>
             <a:r>
-              <a:rPr lang="en-US" smtClean="0"/>
-              <a:t>Fourth level</a:t>
+              <a:rPr lang="zh-CN" altLang="en-US" smtClean="0"/>
+              <a:t>第四级</a:t>
             </a:r>
           </a:p>
           <a:p>
             <a:pPr lvl="4"/>
             <a:r>
-              <a:rPr lang="en-US" smtClean="0"/>
-              <a:t>Fifth level</a:t>
-            </a:r>
-            <a:endParaRPr lang="en-US"/>
-          </a:p>
-        </p:txBody>
-      </p:sp>
-      <p:sp>
-        <p:nvSpPr>
-          <p:cNvPr id="4" name="Date Placeholder 3"/>
+              <a:rPr lang="zh-CN" altLang="en-US" smtClean="0"/>
+              <a:t>第五级</a:t>
+            </a:r>
+            <a:endParaRPr lang="en-US" dirty="0"/>
+          </a:p>
+        </p:txBody>
+      </p:sp>
+      <p:sp>
+        <p:nvSpPr>
+          <p:cNvPr id="4" name="Rectangle 4"/>
           <p:cNvSpPr>
             <a:spLocks noGrp="1"/>
           </p:cNvSpPr>
@@ -816,7 +813,7 @@
       </p:sp>
       <p:sp>
         <p:nvSpPr>
-          <p:cNvPr id="5" name="Footer Placeholder 4"/>
+          <p:cNvPr id="5" name="Rectangle 5"/>
           <p:cNvSpPr>
             <a:spLocks noGrp="1"/>
           </p:cNvSpPr>
@@ -835,7 +832,7 @@
       </p:sp>
       <p:sp>
         <p:nvSpPr>
-          <p:cNvPr id="6" name="Slide Number Placeholder 5"/>
+          <p:cNvPr id="6" name="Rectangle 6"/>
           <p:cNvSpPr>
             <a:spLocks noGrp="1"/>
           </p:cNvSpPr>
@@ -866,8 +863,13 @@
 </file>
 
 <file path=ppt/slideLayouts/slideLayout3.xml><?xml version="1.0" encoding="utf-8"?>
-<p:sldLayout xmlns:a="http://schemas.openxmlformats.org/drawingml/2006/main" xmlns:r="http://schemas.openxmlformats.org/officeDocument/2006/relationships" xmlns:p="http://schemas.openxmlformats.org/presentationml/2006/main" type="secHead" preserve="1">
-  <p:cSld name="Section Header">
+<p:sldLayout xmlns:a="http://schemas.openxmlformats.org/drawingml/2006/main" xmlns:r="http://schemas.openxmlformats.org/officeDocument/2006/relationships" xmlns:p="http://schemas.openxmlformats.org/presentationml/2006/main" showMasterSp="0" type="secHead" preserve="1">
+  <p:cSld name="节标题">
+    <p:bg>
+      <p:bgRef idx="1002">
+        <a:schemeClr val="bg2"/>
+      </p:bgRef>
+    </p:bg>
     <p:spTree>
       <p:nvGrpSpPr>
         <p:cNvPr id="1" name=""/>
@@ -884,39 +886,193 @@
       </p:grpSpPr>
       <p:sp>
         <p:nvSpPr>
-          <p:cNvPr id="2" name="Title 1"/>
-          <p:cNvSpPr>
-            <a:spLocks noGrp="1"/>
-          </p:cNvSpPr>
-          <p:nvPr>
-            <p:ph type="title"/>
-          </p:nvPr>
+          <p:cNvPr id="8" name="Rounded Rectangle 7"/>
+          <p:cNvSpPr/>
+          <p:nvPr/>
         </p:nvSpPr>
         <p:spPr>
           <a:xfrm>
-            <a:off x="722313" y="4406900"/>
-            <a:ext cx="7772400" cy="1362075"/>
+            <a:off x="690563" y="491696"/>
+            <a:ext cx="7762875" cy="5874608"/>
+          </a:xfrm>
+          <a:prstGeom prst="roundRect">
+            <a:avLst>
+              <a:gd name="adj" fmla="val 2238"/>
+            </a:avLst>
+          </a:prstGeom>
+          <a:gradFill rotWithShape="1">
+            <a:gsLst>
+              <a:gs pos="0">
+                <a:schemeClr val="bg1">
+                  <a:satMod val="300000"/>
+                  <a:alpha val="50000"/>
+                </a:schemeClr>
+              </a:gs>
+              <a:gs pos="35000">
+                <a:schemeClr val="bg1">
+                  <a:satMod val="300000"/>
+                  <a:alpha val="87000"/>
+                </a:schemeClr>
+              </a:gs>
+              <a:gs pos="50000">
+                <a:schemeClr val="bg1">
+                  <a:satMod val="300000"/>
+                  <a:alpha val="92000"/>
+                </a:schemeClr>
+              </a:gs>
+              <a:gs pos="60000">
+                <a:schemeClr val="bg1">
+                  <a:satMod val="300000"/>
+                  <a:alpha val="89000"/>
+                </a:schemeClr>
+              </a:gs>
+              <a:gs pos="100000">
+                <a:schemeClr val="bg1">
+                  <a:satMod val="300000"/>
+                  <a:alpha val="55000"/>
+                </a:schemeClr>
+              </a:gs>
+            </a:gsLst>
+            <a:lin ang="5400000" scaled="1"/>
+          </a:gradFill>
+          <a:ln>
+            <a:noFill/>
+          </a:ln>
+          <a:effectLst>
+            <a:outerShdw blurRad="63500" dist="45720" dir="5400000" algn="t" rotWithShape="0">
+              <a:schemeClr val="bg2">
+                <a:shade val="30000"/>
+                <a:satMod val="250000"/>
+                <a:alpha val="90000"/>
+              </a:schemeClr>
+            </a:outerShdw>
+          </a:effectLst>
+          <a:scene3d>
+            <a:camera prst="orthographicFront">
+              <a:rot lat="0" lon="0" rev="0"/>
+            </a:camera>
+            <a:lightRig rig="contrasting" dir="t">
+              <a:rot lat="0" lon="0" rev="7500000"/>
+            </a:lightRig>
+          </a:scene3d>
+          <a:sp3d contourW="6350" prstMaterial="powder">
+            <a:bevelT w="50800" h="63500"/>
+            <a:contourClr>
+              <a:schemeClr val="bg2">
+                <a:shade val="90000"/>
+                <a:lumMod val="55000"/>
+              </a:schemeClr>
+            </a:contourClr>
+          </a:sp3d>
+        </p:spPr>
+        <p:txBody>
+          <a:bodyPr rtlCol="0" anchor="ctr"/>
+          <a:lstStyle/>
+          <a:p>
+            <a:pPr marL="0" marR="0" lvl="0" indent="0" algn="ctr" defTabSz="914400" eaLnBrk="1" fontAlgn="auto" latinLnBrk="0" hangingPunct="1">
+              <a:lnSpc>
+                <a:spcPct val="100000"/>
+              </a:lnSpc>
+              <a:spcBef>
+                <a:spcPts val="0"/>
+              </a:spcBef>
+              <a:spcAft>
+                <a:spcPts val="0"/>
+              </a:spcAft>
+              <a:buClrTx/>
+              <a:buSzTx/>
+              <a:buFontTx/>
+              <a:buNone/>
+              <a:tabLst/>
+              <a:defRPr/>
+            </a:pPr>
+            <a:endParaRPr kumimoji="0" lang="en-US" sz="1800" b="0" i="0" u="none" strike="noStrike" kern="0" cap="none" spc="0" normalizeH="0" baseline="0" noProof="0">
+              <a:ln>
+                <a:noFill/>
+              </a:ln>
+              <a:solidFill>
+                <a:sysClr val="window" lastClr="FFFFFF"/>
+              </a:solidFill>
+              <a:effectLst/>
+              <a:uLnTx/>
+              <a:uFillTx/>
+              <a:latin typeface="Corbel"/>
+              <a:ea typeface="+mn-ea"/>
+              <a:cs typeface="+mn-cs"/>
+            </a:endParaRPr>
+          </a:p>
+        </p:txBody>
+      </p:sp>
+      <p:sp>
+        <p:nvSpPr>
+          <p:cNvPr id="2" name="Rectangle 2"/>
+          <p:cNvSpPr>
+            <a:spLocks noGrp="1"/>
+          </p:cNvSpPr>
+          <p:nvPr>
+            <p:ph type="title"/>
+          </p:nvPr>
+        </p:nvSpPr>
+        <p:spPr>
+          <a:xfrm>
+            <a:off x="777240" y="795996"/>
+            <a:ext cx="7589520" cy="3112843"/>
           </a:xfrm>
         </p:spPr>
         <p:txBody>
-          <a:bodyPr anchor="t"/>
+          <a:bodyPr anchor="b">
+            <a:normAutofit/>
+          </a:bodyPr>
           <a:lstStyle>
-            <a:lvl1pPr algn="l">
-              <a:defRPr sz="4000" b="1" cap="all"/>
+            <a:lvl1pPr algn="ctr">
+              <a:buNone/>
+              <a:defRPr lang="en-US" sz="6200" b="1" cap="none" spc="0" dirty="0">
+                <a:ln w="1905"/>
+                <a:gradFill>
+                  <a:gsLst>
+                    <a:gs pos="0">
+                      <a:schemeClr val="tx2">
+                        <a:shade val="30000"/>
+                        <a:satMod val="255000"/>
+                      </a:schemeClr>
+                    </a:gs>
+                    <a:gs pos="58000">
+                      <a:schemeClr val="tx2">
+                        <a:tint val="90000"/>
+                        <a:satMod val="300000"/>
+                      </a:schemeClr>
+                    </a:gs>
+                    <a:gs pos="100000">
+                      <a:schemeClr val="tx2">
+                        <a:tint val="80000"/>
+                        <a:satMod val="255000"/>
+                      </a:schemeClr>
+                    </a:gs>
+                  </a:gsLst>
+                  <a:lin ang="5400000"/>
+                </a:gradFill>
+                <a:effectLst>
+                  <a:innerShdw blurRad="69850" dist="43180" dir="5400000">
+                    <a:srgbClr val="000000">
+                      <a:alpha val="65000"/>
+                    </a:srgbClr>
+                  </a:innerShdw>
+                </a:effectLst>
+              </a:defRPr>
             </a:lvl1pPr>
           </a:lstStyle>
           <a:p>
             <a:r>
-              <a:rPr lang="en-US" smtClean="0"/>
-              <a:t>Click to edit Master title style</a:t>
-            </a:r>
-            <a:endParaRPr lang="en-US"/>
-          </a:p>
-        </p:txBody>
-      </p:sp>
-      <p:sp>
-        <p:nvSpPr>
-          <p:cNvPr id="3" name="Text Placeholder 2"/>
+              <a:rPr lang="zh-CN" altLang="en-US" smtClean="0"/>
+              <a:t>单击此处编辑母版标题样式</a:t>
+            </a:r>
+            <a:endParaRPr lang="en-US" dirty="0"/>
+          </a:p>
+        </p:txBody>
+      </p:sp>
+      <p:sp>
+        <p:nvSpPr>
+          <p:cNvPr id="3" name="Rectangle 3"/>
           <p:cNvSpPr>
             <a:spLocks noGrp="1"/>
           </p:cNvSpPr>
@@ -926,24 +1082,24 @@
         </p:nvSpPr>
         <p:spPr>
           <a:xfrm>
-            <a:off x="722313" y="2906713"/>
-            <a:ext cx="7772400" cy="1500187"/>
+            <a:off x="777240" y="3948552"/>
+            <a:ext cx="7589520" cy="1509712"/>
           </a:xfrm>
         </p:spPr>
         <p:txBody>
-          <a:bodyPr anchor="b"/>
+          <a:bodyPr anchor="t">
+            <a:normAutofit/>
+          </a:bodyPr>
           <a:lstStyle>
-            <a:lvl1pPr marL="0" indent="0">
-              <a:buNone/>
-              <a:defRPr sz="2000">
+            <a:lvl1pPr indent="0" algn="ctr">
+              <a:buNone/>
+              <a:defRPr lang="en-US" sz="2200" b="0" smtClean="0">
                 <a:solidFill>
-                  <a:schemeClr val="tx1">
-                    <a:tint val="75000"/>
-                  </a:schemeClr>
+                  <a:schemeClr val="tx2"/>
                 </a:solidFill>
               </a:defRPr>
             </a:lvl1pPr>
-            <a:lvl2pPr marL="457200" indent="0">
+            <a:lvl2pPr>
               <a:buNone/>
               <a:defRPr sz="1800">
                 <a:solidFill>
@@ -953,7 +1109,7 @@
                 </a:solidFill>
               </a:defRPr>
             </a:lvl2pPr>
-            <a:lvl3pPr marL="914400" indent="0">
+            <a:lvl3pPr>
               <a:buNone/>
               <a:defRPr sz="1600">
                 <a:solidFill>
@@ -963,7 +1119,7 @@
                 </a:solidFill>
               </a:defRPr>
             </a:lvl3pPr>
-            <a:lvl4pPr marL="1371600" indent="0">
+            <a:lvl4pPr>
               <a:buNone/>
               <a:defRPr sz="1400">
                 <a:solidFill>
@@ -973,7 +1129,7 @@
                 </a:solidFill>
               </a:defRPr>
             </a:lvl4pPr>
-            <a:lvl5pPr marL="1828800" indent="0">
+            <a:lvl5pPr>
               <a:buNone/>
               <a:defRPr sz="1400">
                 <a:solidFill>
@@ -983,59 +1139,19 @@
                 </a:solidFill>
               </a:defRPr>
             </a:lvl5pPr>
-            <a:lvl6pPr marL="2286000" indent="0">
-              <a:buNone/>
-              <a:defRPr sz="1400">
-                <a:solidFill>
-                  <a:schemeClr val="tx1">
-                    <a:tint val="75000"/>
-                  </a:schemeClr>
-                </a:solidFill>
-              </a:defRPr>
-            </a:lvl6pPr>
-            <a:lvl7pPr marL="2743200" indent="0">
-              <a:buNone/>
-              <a:defRPr sz="1400">
-                <a:solidFill>
-                  <a:schemeClr val="tx1">
-                    <a:tint val="75000"/>
-                  </a:schemeClr>
-                </a:solidFill>
-              </a:defRPr>
-            </a:lvl7pPr>
-            <a:lvl8pPr marL="3200400" indent="0">
-              <a:buNone/>
-              <a:defRPr sz="1400">
-                <a:solidFill>
-                  <a:schemeClr val="tx1">
-                    <a:tint val="75000"/>
-                  </a:schemeClr>
-                </a:solidFill>
-              </a:defRPr>
-            </a:lvl8pPr>
-            <a:lvl9pPr marL="3657600" indent="0">
-              <a:buNone/>
-              <a:defRPr sz="1400">
-                <a:solidFill>
-                  <a:schemeClr val="tx1">
-                    <a:tint val="75000"/>
-                  </a:schemeClr>
-                </a:solidFill>
-              </a:defRPr>
-            </a:lvl9pPr>
           </a:lstStyle>
           <a:p>
             <a:pPr lvl="0"/>
             <a:r>
-              <a:rPr lang="en-US" smtClean="0"/>
-              <a:t>Click to edit Master text styles</a:t>
-            </a:r>
-          </a:p>
-        </p:txBody>
-      </p:sp>
-      <p:sp>
-        <p:nvSpPr>
-          <p:cNvPr id="4" name="Date Placeholder 3"/>
+              <a:rPr lang="zh-CN" altLang="en-US" smtClean="0"/>
+              <a:t>单击此处编辑母版文本样式</a:t>
+            </a:r>
+          </a:p>
+        </p:txBody>
+      </p:sp>
+      <p:sp>
+        <p:nvSpPr>
+          <p:cNvPr id="4" name="Rectangle 4"/>
           <p:cNvSpPr>
             <a:spLocks noGrp="1"/>
           </p:cNvSpPr>
@@ -1043,7 +1159,12 @@
             <p:ph type="dt" sz="half" idx="10"/>
           </p:nvPr>
         </p:nvSpPr>
-        <p:spPr/>
+        <p:spPr>
+          <a:xfrm>
+            <a:off x="762000" y="5958840"/>
+            <a:ext cx="2133600" cy="365760"/>
+          </a:xfrm>
+        </p:spPr>
         <p:txBody>
           <a:bodyPr/>
           <a:lstStyle/>
@@ -1059,7 +1180,7 @@
       </p:sp>
       <p:sp>
         <p:nvSpPr>
-          <p:cNvPr id="5" name="Footer Placeholder 4"/>
+          <p:cNvPr id="5" name="Rectangle 5"/>
           <p:cNvSpPr>
             <a:spLocks noGrp="1"/>
           </p:cNvSpPr>
@@ -1067,7 +1188,12 @@
             <p:ph type="ftr" sz="quarter" idx="11"/>
           </p:nvPr>
         </p:nvSpPr>
-        <p:spPr/>
+        <p:spPr>
+          <a:xfrm>
+            <a:off x="3124200" y="5958840"/>
+            <a:ext cx="2895600" cy="365760"/>
+          </a:xfrm>
+        </p:spPr>
         <p:txBody>
           <a:bodyPr/>
           <a:lstStyle/>
@@ -1078,7 +1204,7 @@
       </p:sp>
       <p:sp>
         <p:nvSpPr>
-          <p:cNvPr id="6" name="Slide Number Placeholder 5"/>
+          <p:cNvPr id="6" name="Rectangle 6"/>
           <p:cNvSpPr>
             <a:spLocks noGrp="1"/>
           </p:cNvSpPr>
@@ -1086,7 +1212,12 @@
             <p:ph type="sldNum" sz="quarter" idx="12"/>
           </p:nvPr>
         </p:nvSpPr>
-        <p:spPr/>
+        <p:spPr>
+          <a:xfrm>
+            <a:off x="6248400" y="5958840"/>
+            <a:ext cx="2133600" cy="365760"/>
+          </a:xfrm>
+        </p:spPr>
         <p:txBody>
           <a:bodyPr/>
           <a:lstStyle/>
@@ -1103,14 +1234,14 @@
     </p:spTree>
   </p:cSld>
   <p:clrMapOvr>
-    <a:masterClrMapping/>
+    <a:overrideClrMapping bg1="lt1" tx1="dk1" bg2="lt2" tx2="dk2" accent1="accent1" accent2="accent2" accent3="accent3" accent4="accent4" accent5="accent5" accent6="accent6" hlink="hlink" folHlink="folHlink"/>
   </p:clrMapOvr>
 </p:sldLayout>
 </file>
 
 <file path=ppt/slideLayouts/slideLayout4.xml><?xml version="1.0" encoding="utf-8"?>
 <p:sldLayout xmlns:a="http://schemas.openxmlformats.org/drawingml/2006/main" xmlns:r="http://schemas.openxmlformats.org/officeDocument/2006/relationships" xmlns:p="http://schemas.openxmlformats.org/presentationml/2006/main" type="twoObj" preserve="1">
-  <p:cSld name="Two Content">
+  <p:cSld name="两栏内容">
     <p:spTree>
       <p:nvGrpSpPr>
         <p:cNvPr id="1" name=""/>
@@ -1127,7 +1258,7 @@
       </p:grpSpPr>
       <p:sp>
         <p:nvSpPr>
-          <p:cNvPr id="2" name="Title 1"/>
+          <p:cNvPr id="2" name="Rectangle 1"/>
           <p:cNvSpPr>
             <a:spLocks noGrp="1"/>
           </p:cNvSpPr>
@@ -1141,8 +1272,8 @@
           <a:lstStyle/>
           <a:p>
             <a:r>
-              <a:rPr lang="en-US" smtClean="0"/>
-              <a:t>Click to edit Master title style</a:t>
+              <a:rPr lang="zh-CN" altLang="en-US" smtClean="0"/>
+              <a:t>单击此处编辑母版标题样式</a:t>
             </a:r>
             <a:endParaRPr lang="en-US"/>
           </a:p>
@@ -1150,7 +1281,7 @@
       </p:sp>
       <p:sp>
         <p:nvSpPr>
-          <p:cNvPr id="3" name="Content Placeholder 2"/>
+          <p:cNvPr id="3" name="Rectangle 2"/>
           <p:cNvSpPr>
             <a:spLocks noGrp="1"/>
           </p:cNvSpPr>
@@ -1168,19 +1299,19 @@
           <a:bodyPr/>
           <a:lstStyle>
             <a:lvl1pPr>
-              <a:defRPr sz="2800"/>
+              <a:defRPr sz="2400"/>
             </a:lvl1pPr>
             <a:lvl2pPr>
-              <a:defRPr sz="2400"/>
+              <a:defRPr sz="2000"/>
             </a:lvl2pPr>
             <a:lvl3pPr>
-              <a:defRPr sz="2000"/>
+              <a:defRPr sz="1800"/>
             </a:lvl3pPr>
             <a:lvl4pPr>
-              <a:defRPr sz="1800"/>
+              <a:defRPr sz="1600"/>
             </a:lvl4pPr>
             <a:lvl5pPr>
-              <a:defRPr sz="1800"/>
+              <a:defRPr sz="1600"/>
             </a:lvl5pPr>
             <a:lvl6pPr>
               <a:defRPr sz="1800"/>
@@ -1198,44 +1329,44 @@
           <a:p>
             <a:pPr lvl="0"/>
             <a:r>
-              <a:rPr lang="en-US" smtClean="0"/>
-              <a:t>Click to edit Master text styles</a:t>
+              <a:rPr lang="zh-CN" altLang="en-US" smtClean="0"/>
+              <a:t>单击此处编辑母版文本样式</a:t>
             </a:r>
           </a:p>
           <a:p>
             <a:pPr lvl="1"/>
             <a:r>
-              <a:rPr lang="en-US" smtClean="0"/>
-              <a:t>Second level</a:t>
+              <a:rPr lang="zh-CN" altLang="en-US" smtClean="0"/>
+              <a:t>第二级</a:t>
             </a:r>
           </a:p>
           <a:p>
             <a:pPr lvl="2"/>
             <a:r>
-              <a:rPr lang="en-US" smtClean="0"/>
-              <a:t>Third level</a:t>
+              <a:rPr lang="zh-CN" altLang="en-US" smtClean="0"/>
+              <a:t>第三级</a:t>
             </a:r>
           </a:p>
           <a:p>
             <a:pPr lvl="3"/>
             <a:r>
-              <a:rPr lang="en-US" smtClean="0"/>
-              <a:t>Fourth level</a:t>
+              <a:rPr lang="zh-CN" altLang="en-US" smtClean="0"/>
+              <a:t>第四级</a:t>
             </a:r>
           </a:p>
           <a:p>
             <a:pPr lvl="4"/>
             <a:r>
-              <a:rPr lang="en-US" smtClean="0"/>
-              <a:t>Fifth level</a:t>
-            </a:r>
-            <a:endParaRPr lang="en-US"/>
-          </a:p>
-        </p:txBody>
-      </p:sp>
-      <p:sp>
-        <p:nvSpPr>
-          <p:cNvPr id="4" name="Content Placeholder 3"/>
+              <a:rPr lang="zh-CN" altLang="en-US" smtClean="0"/>
+              <a:t>第五级</a:t>
+            </a:r>
+            <a:endParaRPr lang="en-US" dirty="0"/>
+          </a:p>
+        </p:txBody>
+      </p:sp>
+      <p:sp>
+        <p:nvSpPr>
+          <p:cNvPr id="4" name="Rectangle 3"/>
           <p:cNvSpPr>
             <a:spLocks noGrp="1"/>
           </p:cNvSpPr>
@@ -1253,19 +1384,19 @@
           <a:bodyPr/>
           <a:lstStyle>
             <a:lvl1pPr>
-              <a:defRPr sz="2800"/>
+              <a:defRPr sz="2400"/>
             </a:lvl1pPr>
             <a:lvl2pPr>
-              <a:defRPr sz="2400"/>
+              <a:defRPr sz="2000"/>
             </a:lvl2pPr>
             <a:lvl3pPr>
-              <a:defRPr sz="2000"/>
+              <a:defRPr sz="1800"/>
             </a:lvl3pPr>
             <a:lvl4pPr>
-              <a:defRPr sz="1800"/>
+              <a:defRPr sz="1600"/>
             </a:lvl4pPr>
             <a:lvl5pPr>
-              <a:defRPr sz="1800"/>
+              <a:defRPr sz="1600"/>
             </a:lvl5pPr>
             <a:lvl6pPr>
               <a:defRPr sz="1800"/>
@@ -1283,44 +1414,44 @@
           <a:p>
             <a:pPr lvl="0"/>
             <a:r>
-              <a:rPr lang="en-US" smtClean="0"/>
-              <a:t>Click to edit Master text styles</a:t>
+              <a:rPr lang="zh-CN" altLang="en-US" smtClean="0"/>
+              <a:t>单击此处编辑母版文本样式</a:t>
             </a:r>
           </a:p>
           <a:p>
             <a:pPr lvl="1"/>
             <a:r>
-              <a:rPr lang="en-US" smtClean="0"/>
-              <a:t>Second level</a:t>
+              <a:rPr lang="zh-CN" altLang="en-US" smtClean="0"/>
+              <a:t>第二级</a:t>
             </a:r>
           </a:p>
           <a:p>
             <a:pPr lvl="2"/>
             <a:r>
-              <a:rPr lang="en-US" smtClean="0"/>
-              <a:t>Third level</a:t>
+              <a:rPr lang="zh-CN" altLang="en-US" smtClean="0"/>
+              <a:t>第三级</a:t>
             </a:r>
           </a:p>
           <a:p>
             <a:pPr lvl="3"/>
             <a:r>
-              <a:rPr lang="en-US" smtClean="0"/>
-              <a:t>Fourth level</a:t>
+              <a:rPr lang="zh-CN" altLang="en-US" smtClean="0"/>
+              <a:t>第四级</a:t>
             </a:r>
           </a:p>
           <a:p>
             <a:pPr lvl="4"/>
             <a:r>
-              <a:rPr lang="en-US" smtClean="0"/>
-              <a:t>Fifth level</a:t>
-            </a:r>
-            <a:endParaRPr lang="en-US"/>
-          </a:p>
-        </p:txBody>
-      </p:sp>
-      <p:sp>
-        <p:nvSpPr>
-          <p:cNvPr id="5" name="Date Placeholder 4"/>
+              <a:rPr lang="zh-CN" altLang="en-US" smtClean="0"/>
+              <a:t>第五级</a:t>
+            </a:r>
+            <a:endParaRPr lang="en-US" dirty="0"/>
+          </a:p>
+        </p:txBody>
+      </p:sp>
+      <p:sp>
+        <p:nvSpPr>
+          <p:cNvPr id="5" name="Rectangle 4"/>
           <p:cNvSpPr>
             <a:spLocks noGrp="1"/>
           </p:cNvSpPr>
@@ -1344,7 +1475,7 @@
       </p:sp>
       <p:sp>
         <p:nvSpPr>
-          <p:cNvPr id="6" name="Footer Placeholder 5"/>
+          <p:cNvPr id="6" name="Rectangle 5"/>
           <p:cNvSpPr>
             <a:spLocks noGrp="1"/>
           </p:cNvSpPr>
@@ -1363,7 +1494,7 @@
       </p:sp>
       <p:sp>
         <p:nvSpPr>
-          <p:cNvPr id="7" name="Slide Number Placeholder 6"/>
+          <p:cNvPr id="7" name="Rectangle 6"/>
           <p:cNvSpPr>
             <a:spLocks noGrp="1"/>
           </p:cNvSpPr>
@@ -1395,7 +1526,7 @@
 
 <file path=ppt/slideLayouts/slideLayout5.xml><?xml version="1.0" encoding="utf-8"?>
 <p:sldLayout xmlns:a="http://schemas.openxmlformats.org/drawingml/2006/main" xmlns:r="http://schemas.openxmlformats.org/officeDocument/2006/relationships" xmlns:p="http://schemas.openxmlformats.org/presentationml/2006/main" type="twoTxTwoObj" preserve="1">
-  <p:cSld name="Comparison">
+  <p:cSld name="比较">
     <p:spTree>
       <p:nvGrpSpPr>
         <p:cNvPr id="1" name=""/>
@@ -1412,7 +1543,7 @@
       </p:grpSpPr>
       <p:sp>
         <p:nvSpPr>
-          <p:cNvPr id="2" name="Title 1"/>
+          <p:cNvPr id="2" name="Rectangle 1"/>
           <p:cNvSpPr>
             <a:spLocks noGrp="1"/>
           </p:cNvSpPr>
@@ -1420,26 +1551,33 @@
             <p:ph type="title"/>
           </p:nvPr>
         </p:nvSpPr>
-        <p:spPr/>
-        <p:txBody>
-          <a:bodyPr/>
+        <p:spPr>
+          <a:xfrm rot="16200000">
+            <a:off x="-1965960" y="2785402"/>
+            <a:ext cx="5760720" cy="914400"/>
+          </a:xfrm>
+        </p:spPr>
+        <p:txBody>
+          <a:bodyPr lIns="91440" rIns="91440" anchor="ctr">
+            <a:noAutofit/>
+          </a:bodyPr>
           <a:lstStyle>
-            <a:lvl1pPr>
-              <a:defRPr/>
+            <a:lvl1pPr algn="ctr">
+              <a:defRPr sz="3500"/>
             </a:lvl1pPr>
           </a:lstStyle>
           <a:p>
             <a:r>
-              <a:rPr lang="en-US" smtClean="0"/>
-              <a:t>Click to edit Master title style</a:t>
-            </a:r>
-            <a:endParaRPr lang="en-US"/>
-          </a:p>
-        </p:txBody>
-      </p:sp>
-      <p:sp>
-        <p:nvSpPr>
-          <p:cNvPr id="3" name="Text Placeholder 2"/>
+              <a:rPr lang="zh-CN" altLang="en-US" smtClean="0"/>
+              <a:t>单击此处编辑母版标题样式</a:t>
+            </a:r>
+            <a:endParaRPr lang="en-US" dirty="0"/>
+          </a:p>
+        </p:txBody>
+      </p:sp>
+      <p:sp>
+        <p:nvSpPr>
+          <p:cNvPr id="3" name="Rectangle 2"/>
           <p:cNvSpPr>
             <a:spLocks noGrp="1"/>
           </p:cNvSpPr>
@@ -1449,16 +1587,37 @@
         </p:nvSpPr>
         <p:spPr>
           <a:xfrm>
-            <a:off x="457200" y="1535113"/>
-            <a:ext cx="4040188" cy="639762"/>
+            <a:off x="1600200" y="547468"/>
+            <a:ext cx="3383280" cy="639762"/>
           </a:xfrm>
+          <a:prstGeom prst="roundRect">
+            <a:avLst>
+              <a:gd name="adj" fmla="val 6772"/>
+            </a:avLst>
+          </a:prstGeom>
+          <a:solidFill>
+            <a:schemeClr val="bg1">
+              <a:alpha val="55000"/>
+            </a:schemeClr>
+          </a:solidFill>
+          <a:ln w="12700">
+            <a:solidFill>
+              <a:schemeClr val="bg1"/>
+            </a:solidFill>
+          </a:ln>
         </p:spPr>
         <p:txBody>
-          <a:bodyPr anchor="b"/>
+          <a:bodyPr lIns="91440" tIns="91440" rIns="91440" bIns="91440" anchor="ctr">
+            <a:noAutofit/>
+          </a:bodyPr>
           <a:lstStyle>
-            <a:lvl1pPr marL="0" indent="0">
-              <a:buNone/>
-              <a:defRPr sz="2400" b="1"/>
+            <a:lvl1pPr marL="0" indent="0" algn="l">
+              <a:buNone/>
+              <a:defRPr sz="1600" b="1" cap="all" baseline="0">
+                <a:solidFill>
+                  <a:schemeClr val="tx1"/>
+                </a:solidFill>
+              </a:defRPr>
             </a:lvl1pPr>
             <a:lvl2pPr marL="457200" indent="0">
               <a:buNone/>
@@ -1496,15 +1655,15 @@
           <a:p>
             <a:pPr lvl="0"/>
             <a:r>
-              <a:rPr lang="en-US" smtClean="0"/>
-              <a:t>Click to edit Master text styles</a:t>
-            </a:r>
-          </a:p>
-        </p:txBody>
-      </p:sp>
-      <p:sp>
-        <p:nvSpPr>
-          <p:cNvPr id="4" name="Content Placeholder 3"/>
+              <a:rPr lang="zh-CN" altLang="en-US" smtClean="0"/>
+              <a:t>单击此处编辑母版文本样式</a:t>
+            </a:r>
+          </a:p>
+        </p:txBody>
+      </p:sp>
+      <p:sp>
+        <p:nvSpPr>
+          <p:cNvPr id="4" name="Rectangle 3"/>
           <p:cNvSpPr>
             <a:spLocks noGrp="1"/>
           </p:cNvSpPr>
@@ -1514,18 +1673,18 @@
         </p:nvSpPr>
         <p:spPr>
           <a:xfrm>
-            <a:off x="457200" y="2174875"/>
-            <a:ext cx="4040188" cy="3951288"/>
+            <a:off x="1600200" y="1322362"/>
+            <a:ext cx="3383280" cy="4800600"/>
           </a:xfrm>
         </p:spPr>
         <p:txBody>
           <a:bodyPr/>
           <a:lstStyle>
             <a:lvl1pPr>
-              <a:defRPr sz="2400"/>
+              <a:defRPr sz="2000"/>
             </a:lvl1pPr>
             <a:lvl2pPr>
-              <a:defRPr sz="2000"/>
+              <a:defRPr sz="1900"/>
             </a:lvl2pPr>
             <a:lvl3pPr>
               <a:defRPr sz="1800"/>
@@ -1552,44 +1711,44 @@
           <a:p>
             <a:pPr lvl="0"/>
             <a:r>
-              <a:rPr lang="en-US" smtClean="0"/>
-              <a:t>Click to edit Master text styles</a:t>
+              <a:rPr lang="zh-CN" altLang="en-US" smtClean="0"/>
+              <a:t>单击此处编辑母版文本样式</a:t>
             </a:r>
           </a:p>
           <a:p>
             <a:pPr lvl="1"/>
             <a:r>
-              <a:rPr lang="en-US" smtClean="0"/>
-              <a:t>Second level</a:t>
+              <a:rPr lang="zh-CN" altLang="en-US" smtClean="0"/>
+              <a:t>第二级</a:t>
             </a:r>
           </a:p>
           <a:p>
             <a:pPr lvl="2"/>
             <a:r>
-              <a:rPr lang="en-US" smtClean="0"/>
-              <a:t>Third level</a:t>
+              <a:rPr lang="zh-CN" altLang="en-US" smtClean="0"/>
+              <a:t>第三级</a:t>
             </a:r>
           </a:p>
           <a:p>
             <a:pPr lvl="3"/>
             <a:r>
-              <a:rPr lang="en-US" smtClean="0"/>
-              <a:t>Fourth level</a:t>
+              <a:rPr lang="zh-CN" altLang="en-US" smtClean="0"/>
+              <a:t>第四级</a:t>
             </a:r>
           </a:p>
           <a:p>
             <a:pPr lvl="4"/>
             <a:r>
-              <a:rPr lang="en-US" smtClean="0"/>
-              <a:t>Fifth level</a:t>
-            </a:r>
-            <a:endParaRPr lang="en-US"/>
-          </a:p>
-        </p:txBody>
-      </p:sp>
-      <p:sp>
-        <p:nvSpPr>
-          <p:cNvPr id="5" name="Text Placeholder 4"/>
+              <a:rPr lang="zh-CN" altLang="en-US" smtClean="0"/>
+              <a:t>第五级</a:t>
+            </a:r>
+            <a:endParaRPr lang="en-US" dirty="0"/>
+          </a:p>
+        </p:txBody>
+      </p:sp>
+      <p:sp>
+        <p:nvSpPr>
+          <p:cNvPr id="5" name="Rectangle 4"/>
           <p:cNvSpPr>
             <a:spLocks noGrp="1"/>
           </p:cNvSpPr>
@@ -1599,16 +1758,37 @@
         </p:nvSpPr>
         <p:spPr>
           <a:xfrm>
-            <a:off x="4645025" y="1535113"/>
-            <a:ext cx="4041775" cy="639762"/>
+            <a:off x="5128846" y="547468"/>
+            <a:ext cx="3383280" cy="639762"/>
           </a:xfrm>
+          <a:prstGeom prst="roundRect">
+            <a:avLst>
+              <a:gd name="adj" fmla="val 5673"/>
+            </a:avLst>
+          </a:prstGeom>
+          <a:solidFill>
+            <a:schemeClr val="bg1">
+              <a:alpha val="55000"/>
+            </a:schemeClr>
+          </a:solidFill>
+          <a:ln w="12700">
+            <a:solidFill>
+              <a:schemeClr val="bg1"/>
+            </a:solidFill>
+          </a:ln>
         </p:spPr>
         <p:txBody>
-          <a:bodyPr anchor="b"/>
+          <a:bodyPr lIns="91440" tIns="91440" rIns="91440" bIns="91440" anchor="ctr">
+            <a:noAutofit/>
+          </a:bodyPr>
           <a:lstStyle>
-            <a:lvl1pPr marL="0" indent="0">
-              <a:buNone/>
-              <a:defRPr sz="2400" b="1"/>
+            <a:lvl1pPr marL="0" indent="0" algn="l">
+              <a:buNone/>
+              <a:defRPr sz="1600" b="1" cap="all" baseline="0">
+                <a:solidFill>
+                  <a:schemeClr val="tx1"/>
+                </a:solidFill>
+              </a:defRPr>
             </a:lvl1pPr>
             <a:lvl2pPr marL="457200" indent="0">
               <a:buNone/>
@@ -1646,15 +1826,15 @@
           <a:p>
             <a:pPr lvl="0"/>
             <a:r>
-              <a:rPr lang="en-US" smtClean="0"/>
-              <a:t>Click to edit Master text styles</a:t>
-            </a:r>
-          </a:p>
-        </p:txBody>
-      </p:sp>
-      <p:sp>
-        <p:nvSpPr>
-          <p:cNvPr id="6" name="Content Placeholder 5"/>
+              <a:rPr lang="zh-CN" altLang="en-US" smtClean="0"/>
+              <a:t>单击此处编辑母版文本样式</a:t>
+            </a:r>
+          </a:p>
+        </p:txBody>
+      </p:sp>
+      <p:sp>
+        <p:nvSpPr>
+          <p:cNvPr id="6" name="Rectangle 5"/>
           <p:cNvSpPr>
             <a:spLocks noGrp="1"/>
           </p:cNvSpPr>
@@ -1664,18 +1844,18 @@
         </p:nvSpPr>
         <p:spPr>
           <a:xfrm>
-            <a:off x="4645025" y="2174875"/>
-            <a:ext cx="4041775" cy="3951288"/>
+            <a:off x="5128846" y="1322362"/>
+            <a:ext cx="3383280" cy="4800600"/>
           </a:xfrm>
         </p:spPr>
         <p:txBody>
           <a:bodyPr/>
           <a:lstStyle>
             <a:lvl1pPr>
-              <a:defRPr sz="2400"/>
+              <a:defRPr sz="2000"/>
             </a:lvl1pPr>
             <a:lvl2pPr>
-              <a:defRPr sz="2000"/>
+              <a:defRPr sz="1900"/>
             </a:lvl2pPr>
             <a:lvl3pPr>
               <a:defRPr sz="1800"/>
@@ -1702,44 +1882,44 @@
           <a:p>
             <a:pPr lvl="0"/>
             <a:r>
-              <a:rPr lang="en-US" smtClean="0"/>
-              <a:t>Click to edit Master text styles</a:t>
+              <a:rPr lang="zh-CN" altLang="en-US" smtClean="0"/>
+              <a:t>单击此处编辑母版文本样式</a:t>
             </a:r>
           </a:p>
           <a:p>
             <a:pPr lvl="1"/>
             <a:r>
-              <a:rPr lang="en-US" smtClean="0"/>
-              <a:t>Second level</a:t>
+              <a:rPr lang="zh-CN" altLang="en-US" smtClean="0"/>
+              <a:t>第二级</a:t>
             </a:r>
           </a:p>
           <a:p>
             <a:pPr lvl="2"/>
             <a:r>
-              <a:rPr lang="en-US" smtClean="0"/>
-              <a:t>Third level</a:t>
+              <a:rPr lang="zh-CN" altLang="en-US" smtClean="0"/>
+              <a:t>第三级</a:t>
             </a:r>
           </a:p>
           <a:p>
             <a:pPr lvl="3"/>
             <a:r>
-              <a:rPr lang="en-US" smtClean="0"/>
-              <a:t>Fourth level</a:t>
+              <a:rPr lang="zh-CN" altLang="en-US" smtClean="0"/>
+              <a:t>第四级</a:t>
             </a:r>
           </a:p>
           <a:p>
             <a:pPr lvl="4"/>
             <a:r>
-              <a:rPr lang="en-US" smtClean="0"/>
-              <a:t>Fifth level</a:t>
-            </a:r>
-            <a:endParaRPr lang="en-US"/>
-          </a:p>
-        </p:txBody>
-      </p:sp>
-      <p:sp>
-        <p:nvSpPr>
-          <p:cNvPr id="7" name="Date Placeholder 6"/>
+              <a:rPr lang="zh-CN" altLang="en-US" smtClean="0"/>
+              <a:t>第五级</a:t>
+            </a:r>
+            <a:endParaRPr lang="en-US" dirty="0"/>
+          </a:p>
+        </p:txBody>
+      </p:sp>
+      <p:sp>
+        <p:nvSpPr>
+          <p:cNvPr id="7" name="Rectangle 6"/>
           <p:cNvSpPr>
             <a:spLocks noGrp="1"/>
           </p:cNvSpPr>
@@ -1763,7 +1943,7 @@
       </p:sp>
       <p:sp>
         <p:nvSpPr>
-          <p:cNvPr id="8" name="Footer Placeholder 7"/>
+          <p:cNvPr id="8" name="Rectangle 7"/>
           <p:cNvSpPr>
             <a:spLocks noGrp="1"/>
           </p:cNvSpPr>
@@ -1782,7 +1962,7 @@
       </p:sp>
       <p:sp>
         <p:nvSpPr>
-          <p:cNvPr id="9" name="Slide Number Placeholder 8"/>
+          <p:cNvPr id="9" name="Rectangle 8"/>
           <p:cNvSpPr>
             <a:spLocks noGrp="1"/>
           </p:cNvSpPr>
@@ -1790,7 +1970,12 @@
             <p:ph type="sldNum" sz="quarter" idx="12"/>
           </p:nvPr>
         </p:nvSpPr>
-        <p:spPr/>
+        <p:spPr>
+          <a:xfrm>
+            <a:off x="6553200" y="6214404"/>
+            <a:ext cx="2133600" cy="365760"/>
+          </a:xfrm>
+        </p:spPr>
         <p:txBody>
           <a:bodyPr/>
           <a:lstStyle/>
@@ -1814,7 +1999,7 @@
 
 <file path=ppt/slideLayouts/slideLayout6.xml><?xml version="1.0" encoding="utf-8"?>
 <p:sldLayout xmlns:a="http://schemas.openxmlformats.org/drawingml/2006/main" xmlns:r="http://schemas.openxmlformats.org/officeDocument/2006/relationships" xmlns:p="http://schemas.openxmlformats.org/presentationml/2006/main" type="titleOnly" preserve="1">
-  <p:cSld name="Title Only">
+  <p:cSld name="仅标题">
     <p:spTree>
       <p:nvGrpSpPr>
         <p:cNvPr id="1" name=""/>
@@ -1831,7 +2016,7 @@
       </p:grpSpPr>
       <p:sp>
         <p:nvSpPr>
-          <p:cNvPr id="2" name="Title 1"/>
+          <p:cNvPr id="2" name="Rectangle 2"/>
           <p:cNvSpPr>
             <a:spLocks noGrp="1"/>
           </p:cNvSpPr>
@@ -1842,11 +2027,15 @@
         <p:spPr/>
         <p:txBody>
           <a:bodyPr/>
-          <a:lstStyle/>
-          <a:p>
-            <a:r>
-              <a:rPr lang="en-US" smtClean="0"/>
-              <a:t>Click to edit Master title style</a:t>
+          <a:lstStyle>
+            <a:lvl1pPr>
+              <a:defRPr lang="en-US"/>
+            </a:lvl1pPr>
+          </a:lstStyle>
+          <a:p>
+            <a:r>
+              <a:rPr lang="zh-CN" altLang="en-US" smtClean="0"/>
+              <a:t>单击此处编辑母版标题样式</a:t>
             </a:r>
             <a:endParaRPr lang="en-US"/>
           </a:p>
@@ -1854,7 +2043,7 @@
       </p:sp>
       <p:sp>
         <p:nvSpPr>
-          <p:cNvPr id="3" name="Date Placeholder 2"/>
+          <p:cNvPr id="3" name="Rectangle 3"/>
           <p:cNvSpPr>
             <a:spLocks noGrp="1"/>
           </p:cNvSpPr>
@@ -1878,7 +2067,7 @@
       </p:sp>
       <p:sp>
         <p:nvSpPr>
-          <p:cNvPr id="4" name="Footer Placeholder 3"/>
+          <p:cNvPr id="4" name="Rectangle 4"/>
           <p:cNvSpPr>
             <a:spLocks noGrp="1"/>
           </p:cNvSpPr>
@@ -1897,7 +2086,7 @@
       </p:sp>
       <p:sp>
         <p:nvSpPr>
-          <p:cNvPr id="5" name="Slide Number Placeholder 4"/>
+          <p:cNvPr id="5" name="Rectangle 5"/>
           <p:cNvSpPr>
             <a:spLocks noGrp="1"/>
           </p:cNvSpPr>
@@ -1929,7 +2118,7 @@
 
 <file path=ppt/slideLayouts/slideLayout7.xml><?xml version="1.0" encoding="utf-8"?>
 <p:sldLayout xmlns:a="http://schemas.openxmlformats.org/drawingml/2006/main" xmlns:r="http://schemas.openxmlformats.org/officeDocument/2006/relationships" xmlns:p="http://schemas.openxmlformats.org/presentationml/2006/main" type="blank" preserve="1">
-  <p:cSld name="Blank">
+  <p:cSld name="空白">
     <p:spTree>
       <p:nvGrpSpPr>
         <p:cNvPr id="1" name=""/>
@@ -1946,7 +2135,7 @@
       </p:grpSpPr>
       <p:sp>
         <p:nvSpPr>
-          <p:cNvPr id="2" name="Date Placeholder 1"/>
+          <p:cNvPr id="2" name="Rectangle 2"/>
           <p:cNvSpPr>
             <a:spLocks noGrp="1"/>
           </p:cNvSpPr>
@@ -1970,7 +2159,7 @@
       </p:sp>
       <p:sp>
         <p:nvSpPr>
-          <p:cNvPr id="3" name="Footer Placeholder 2"/>
+          <p:cNvPr id="3" name="Rectangle 3"/>
           <p:cNvSpPr>
             <a:spLocks noGrp="1"/>
           </p:cNvSpPr>
@@ -1989,7 +2178,7 @@
       </p:sp>
       <p:sp>
         <p:nvSpPr>
-          <p:cNvPr id="4" name="Slide Number Placeholder 3"/>
+          <p:cNvPr id="4" name="Rectangle 4"/>
           <p:cNvSpPr>
             <a:spLocks noGrp="1"/>
           </p:cNvSpPr>
@@ -2021,7 +2210,7 @@
 
 <file path=ppt/slideLayouts/slideLayout8.xml><?xml version="1.0" encoding="utf-8"?>
 <p:sldLayout xmlns:a="http://schemas.openxmlformats.org/drawingml/2006/main" xmlns:r="http://schemas.openxmlformats.org/officeDocument/2006/relationships" xmlns:p="http://schemas.openxmlformats.org/presentationml/2006/main" type="objTx" preserve="1">
-  <p:cSld name="Content with Caption">
+  <p:cSld name="内容与标题">
     <p:spTree>
       <p:nvGrpSpPr>
         <p:cNvPr id="1" name=""/>
@@ -2038,50 +2227,64 @@
       </p:grpSpPr>
       <p:sp>
         <p:nvSpPr>
-          <p:cNvPr id="2" name="Title 1"/>
+          <p:cNvPr id="2" name="Rectangle 1"/>
           <p:cNvSpPr>
             <a:spLocks noGrp="1"/>
           </p:cNvSpPr>
           <p:nvPr>
             <p:ph type="title"/>
+          </p:nvPr>
+        </p:nvSpPr>
+        <p:spPr>
+          <a:xfrm rot="16200000">
+            <a:off x="-1828801" y="2888565"/>
+            <a:ext cx="5486400" cy="914400"/>
+          </a:xfrm>
+        </p:spPr>
+        <p:txBody>
+          <a:bodyPr anchor="b">
+            <a:normAutofit/>
+            <a:scene3d>
+              <a:camera prst="orthographicFront"/>
+              <a:lightRig rig="soft" dir="t">
+                <a:rot lat="0" lon="0" rev="2100000"/>
+              </a:lightRig>
+            </a:scene3d>
+            <a:sp3d prstMaterial="matte"/>
+          </a:bodyPr>
+          <a:lstStyle>
+            <a:lvl1pPr algn="l">
+              <a:defRPr sz="2800" b="1">
+                <a:solidFill>
+                  <a:schemeClr val="tx2"/>
+                </a:solidFill>
+                <a:effectLst/>
+              </a:defRPr>
+            </a:lvl1pPr>
+          </a:lstStyle>
+          <a:p>
+            <a:r>
+              <a:rPr lang="zh-CN" altLang="en-US" smtClean="0"/>
+              <a:t>单击此处编辑母版标题样式</a:t>
+            </a:r>
+            <a:endParaRPr lang="en-US" dirty="0"/>
+          </a:p>
+        </p:txBody>
+      </p:sp>
+      <p:sp>
+        <p:nvSpPr>
+          <p:cNvPr id="3" name="Rectangle 2"/>
+          <p:cNvSpPr>
+            <a:spLocks noGrp="1"/>
+          </p:cNvSpPr>
+          <p:nvPr>
+            <p:ph idx="1"/>
           </p:nvPr>
         </p:nvSpPr>
         <p:spPr>
           <a:xfrm>
-            <a:off x="457200" y="273050"/>
-            <a:ext cx="3008313" cy="1162050"/>
-          </a:xfrm>
-        </p:spPr>
-        <p:txBody>
-          <a:bodyPr anchor="b"/>
-          <a:lstStyle>
-            <a:lvl1pPr algn="l">
-              <a:defRPr sz="2000" b="1"/>
-            </a:lvl1pPr>
-          </a:lstStyle>
-          <a:p>
-            <a:r>
-              <a:rPr lang="en-US" smtClean="0"/>
-              <a:t>Click to edit Master title style</a:t>
-            </a:r>
-            <a:endParaRPr lang="en-US"/>
-          </a:p>
-        </p:txBody>
-      </p:sp>
-      <p:sp>
-        <p:nvSpPr>
-          <p:cNvPr id="3" name="Content Placeholder 2"/>
-          <p:cNvSpPr>
-            <a:spLocks noGrp="1"/>
-          </p:cNvSpPr>
-          <p:nvPr>
-            <p:ph idx="1"/>
-          </p:nvPr>
-        </p:nvSpPr>
-        <p:spPr>
-          <a:xfrm>
-            <a:off x="3575050" y="273050"/>
-            <a:ext cx="5111750" cy="5853113"/>
+            <a:off x="2590800" y="602566"/>
+            <a:ext cx="5943600" cy="5486400"/>
           </a:xfrm>
         </p:spPr>
         <p:txBody>
@@ -2118,44 +2321,44 @@
           <a:p>
             <a:pPr lvl="0"/>
             <a:r>
-              <a:rPr lang="en-US" smtClean="0"/>
-              <a:t>Click to edit Master text styles</a:t>
+              <a:rPr lang="zh-CN" altLang="en-US" smtClean="0"/>
+              <a:t>单击此处编辑母版文本样式</a:t>
             </a:r>
           </a:p>
           <a:p>
             <a:pPr lvl="1"/>
             <a:r>
-              <a:rPr lang="en-US" smtClean="0"/>
-              <a:t>Second level</a:t>
+              <a:rPr lang="zh-CN" altLang="en-US" smtClean="0"/>
+              <a:t>第二级</a:t>
             </a:r>
           </a:p>
           <a:p>
             <a:pPr lvl="2"/>
             <a:r>
-              <a:rPr lang="en-US" smtClean="0"/>
-              <a:t>Third level</a:t>
+              <a:rPr lang="zh-CN" altLang="en-US" smtClean="0"/>
+              <a:t>第三级</a:t>
             </a:r>
           </a:p>
           <a:p>
             <a:pPr lvl="3"/>
             <a:r>
-              <a:rPr lang="en-US" smtClean="0"/>
-              <a:t>Fourth level</a:t>
+              <a:rPr lang="zh-CN" altLang="en-US" smtClean="0"/>
+              <a:t>第四级</a:t>
             </a:r>
           </a:p>
           <a:p>
             <a:pPr lvl="4"/>
             <a:r>
-              <a:rPr lang="en-US" smtClean="0"/>
-              <a:t>Fifth level</a:t>
-            </a:r>
-            <a:endParaRPr lang="en-US"/>
-          </a:p>
-        </p:txBody>
-      </p:sp>
-      <p:sp>
-        <p:nvSpPr>
-          <p:cNvPr id="4" name="Text Placeholder 3"/>
+              <a:rPr lang="zh-CN" altLang="en-US" smtClean="0"/>
+              <a:t>第五级</a:t>
+            </a:r>
+            <a:endParaRPr lang="en-US" dirty="0"/>
+          </a:p>
+        </p:txBody>
+      </p:sp>
+      <p:sp>
+        <p:nvSpPr>
+          <p:cNvPr id="4" name="Rectangle 3"/>
           <p:cNvSpPr>
             <a:spLocks noGrp="1"/>
           </p:cNvSpPr>
@@ -2164,17 +2367,21 @@
           </p:nvPr>
         </p:nvSpPr>
         <p:spPr>
-          <a:xfrm>
-            <a:off x="457200" y="1435100"/>
-            <a:ext cx="3008313" cy="4691063"/>
+          <a:xfrm rot="16200000">
+            <a:off x="-859303" y="2888566"/>
+            <a:ext cx="5486400" cy="914400"/>
           </a:xfrm>
         </p:spPr>
         <p:txBody>
-          <a:bodyPr/>
+          <a:bodyPr lIns="91440" rIns="91440"/>
           <a:lstStyle>
-            <a:lvl1pPr marL="0" indent="0">
-              <a:buNone/>
-              <a:defRPr sz="1400"/>
+            <a:lvl1pPr marL="0" indent="0" algn="l">
+              <a:buNone/>
+              <a:defRPr sz="1400">
+                <a:solidFill>
+                  <a:schemeClr val="tx1"/>
+                </a:solidFill>
+              </a:defRPr>
             </a:lvl1pPr>
             <a:lvl2pPr marL="457200" indent="0">
               <a:buNone/>
@@ -2212,15 +2419,15 @@
           <a:p>
             <a:pPr lvl="0"/>
             <a:r>
-              <a:rPr lang="en-US" smtClean="0"/>
-              <a:t>Click to edit Master text styles</a:t>
-            </a:r>
-          </a:p>
-        </p:txBody>
-      </p:sp>
-      <p:sp>
-        <p:nvSpPr>
-          <p:cNvPr id="5" name="Date Placeholder 4"/>
+              <a:rPr lang="zh-CN" altLang="en-US" smtClean="0"/>
+              <a:t>单击此处编辑母版文本样式</a:t>
+            </a:r>
+          </a:p>
+        </p:txBody>
+      </p:sp>
+      <p:sp>
+        <p:nvSpPr>
+          <p:cNvPr id="5" name="Rectangle 4"/>
           <p:cNvSpPr>
             <a:spLocks noGrp="1"/>
           </p:cNvSpPr>
@@ -2244,7 +2451,7 @@
       </p:sp>
       <p:sp>
         <p:nvSpPr>
-          <p:cNvPr id="6" name="Footer Placeholder 5"/>
+          <p:cNvPr id="6" name="Rectangle 5"/>
           <p:cNvSpPr>
             <a:spLocks noGrp="1"/>
           </p:cNvSpPr>
@@ -2263,7 +2470,7 @@
       </p:sp>
       <p:sp>
         <p:nvSpPr>
-          <p:cNvPr id="7" name="Slide Number Placeholder 6"/>
+          <p:cNvPr id="7" name="Rectangle 6"/>
           <p:cNvSpPr>
             <a:spLocks noGrp="1"/>
           </p:cNvSpPr>
@@ -2271,7 +2478,12 @@
             <p:ph type="sldNum" sz="quarter" idx="12"/>
           </p:nvPr>
         </p:nvSpPr>
-        <p:spPr/>
+        <p:spPr>
+          <a:xfrm>
+            <a:off x="6553200" y="6214404"/>
+            <a:ext cx="2133600" cy="365760"/>
+          </a:xfrm>
+        </p:spPr>
         <p:txBody>
           <a:bodyPr/>
           <a:lstStyle/>
@@ -2294,8 +2506,8 @@
 </file>
 
 <file path=ppt/slideLayouts/slideLayout9.xml><?xml version="1.0" encoding="utf-8"?>
-<p:sldLayout xmlns:a="http://schemas.openxmlformats.org/drawingml/2006/main" xmlns:r="http://schemas.openxmlformats.org/officeDocument/2006/relationships" xmlns:p="http://schemas.openxmlformats.org/presentationml/2006/main" type="picTx" preserve="1">
-  <p:cSld name="Picture with Caption">
+<p:sldLayout xmlns:a="http://schemas.openxmlformats.org/drawingml/2006/main" xmlns:r="http://schemas.openxmlformats.org/officeDocument/2006/relationships" xmlns:p="http://schemas.openxmlformats.org/presentationml/2006/main" showMasterSp="0" type="picTx" preserve="1">
+  <p:cSld name="图片与标题">
     <p:spTree>
       <p:nvGrpSpPr>
         <p:cNvPr id="1" name=""/>
@@ -2312,39 +2524,105 @@
       </p:grpSpPr>
       <p:sp>
         <p:nvSpPr>
-          <p:cNvPr id="2" name="Title 1"/>
-          <p:cNvSpPr>
-            <a:spLocks noGrp="1"/>
-          </p:cNvSpPr>
-          <p:nvPr>
-            <p:ph type="title"/>
-          </p:nvPr>
+          <p:cNvPr id="8" name="Rounded Rectangle 7"/>
+          <p:cNvSpPr/>
+          <p:nvPr/>
         </p:nvSpPr>
         <p:spPr>
           <a:xfrm>
-            <a:off x="1792288" y="4800600"/>
-            <a:ext cx="5486400" cy="566738"/>
+            <a:off x="4740812" y="794822"/>
+            <a:ext cx="3960051" cy="5294376"/>
+          </a:xfrm>
+          <a:prstGeom prst="roundRect">
+            <a:avLst>
+              <a:gd name="adj" fmla="val 3541"/>
+            </a:avLst>
+          </a:prstGeom>
+          <a:solidFill>
+            <a:srgbClr val="FFFFFF">
+              <a:alpha val="40000"/>
+            </a:srgbClr>
+          </a:solidFill>
+          <a:ln w="9525">
+            <a:noFill/>
+          </a:ln>
+          <a:effectLst/>
+        </p:spPr>
+        <p:style>
+          <a:lnRef idx="2">
+            <a:schemeClr val="accent1">
+              <a:shade val="50000"/>
+            </a:schemeClr>
+          </a:lnRef>
+          <a:fillRef idx="1">
+            <a:schemeClr val="accent1"/>
+          </a:fillRef>
+          <a:effectRef idx="0">
+            <a:schemeClr val="accent1"/>
+          </a:effectRef>
+          <a:fontRef idx="minor">
+            <a:schemeClr val="lt1"/>
+          </a:fontRef>
+        </p:style>
+        <p:txBody>
+          <a:bodyPr rtlCol="0" anchor="ctr"/>
+          <a:lstStyle/>
+          <a:p>
+            <a:pPr algn="ctr"/>
+            <a:endParaRPr lang="en-US"/>
+          </a:p>
+        </p:txBody>
+      </p:sp>
+      <p:sp>
+        <p:nvSpPr>
+          <p:cNvPr id="2" name="Rectangle 2"/>
+          <p:cNvSpPr>
+            <a:spLocks noGrp="1"/>
+          </p:cNvSpPr>
+          <p:nvPr>
+            <p:ph type="title"/>
+          </p:nvPr>
+        </p:nvSpPr>
+        <p:spPr>
+          <a:xfrm>
+            <a:off x="5277728" y="3501743"/>
+            <a:ext cx="3200400" cy="1143000"/>
           </a:xfrm>
         </p:spPr>
         <p:txBody>
-          <a:bodyPr anchor="b"/>
+          <a:bodyPr anchor="t">
+            <a:noAutofit/>
+            <a:scene3d>
+              <a:camera prst="orthographicFront"/>
+              <a:lightRig rig="soft" dir="t">
+                <a:rot lat="0" lon="0" rev="2100000"/>
+              </a:lightRig>
+            </a:scene3d>
+            <a:sp3d prstMaterial="matte"/>
+          </a:bodyPr>
           <a:lstStyle>
-            <a:lvl1pPr algn="l">
-              <a:defRPr sz="2000" b="1"/>
+            <a:lvl1pPr algn="ctr">
+              <a:buNone/>
+              <a:defRPr sz="2600" b="1">
+                <a:solidFill>
+                  <a:schemeClr val="tx2"/>
+                </a:solidFill>
+                <a:effectLst/>
+              </a:defRPr>
             </a:lvl1pPr>
           </a:lstStyle>
           <a:p>
             <a:r>
-              <a:rPr lang="en-US" smtClean="0"/>
-              <a:t>Click to edit Master title style</a:t>
-            </a:r>
-            <a:endParaRPr lang="en-US"/>
-          </a:p>
-        </p:txBody>
-      </p:sp>
-      <p:sp>
-        <p:nvSpPr>
-          <p:cNvPr id="3" name="Picture Placeholder 2"/>
+              <a:rPr lang="zh-CN" altLang="en-US" smtClean="0"/>
+              <a:t>单击此处编辑母版标题样式</a:t>
+            </a:r>
+            <a:endParaRPr lang="en-US" dirty="0"/>
+          </a:p>
+        </p:txBody>
+      </p:sp>
+      <p:sp>
+        <p:nvSpPr>
+          <p:cNvPr id="3" name="Rectangle 3"/>
           <p:cNvSpPr>
             <a:spLocks noGrp="1"/>
           </p:cNvSpPr>
@@ -2354,123 +2632,150 @@
         </p:nvSpPr>
         <p:spPr>
           <a:xfrm>
-            <a:off x="1792288" y="612775"/>
-            <a:ext cx="5486400" cy="4114800"/>
+            <a:off x="527537" y="821202"/>
+            <a:ext cx="4550899" cy="5215597"/>
+          </a:xfrm>
+          <a:prstGeom prst="roundRect">
+            <a:avLst>
+              <a:gd name="adj" fmla="val 622"/>
+            </a:avLst>
+          </a:prstGeom>
+          <a:solidFill>
+            <a:schemeClr val="bg1">
+              <a:lumMod val="85000"/>
+            </a:schemeClr>
+          </a:solidFill>
+          <a:ln w="101600">
+            <a:solidFill>
+              <a:srgbClr val="FFFFFF"/>
+            </a:solidFill>
+            <a:miter lim="800000"/>
+          </a:ln>
+          <a:effectLst>
+            <a:outerShdw blurRad="65000" dist="25000" dir="5400000" algn="t" rotWithShape="0">
+              <a:schemeClr val="bg2">
+                <a:shade val="30000"/>
+                <a:satMod val="250000"/>
+                <a:alpha val="85000"/>
+              </a:schemeClr>
+            </a:outerShdw>
+          </a:effectLst>
+          <a:scene3d>
+            <a:camera prst="orthographicFront"/>
+            <a:lightRig rig="soft" dir="t">
+              <a:rot lat="0" lon="0" rev="20100000"/>
+            </a:lightRig>
+          </a:scene3d>
+          <a:sp3d contourW="3810">
+            <a:bevelT w="95250" h="25400"/>
+            <a:contourClr>
+              <a:schemeClr val="bg2">
+                <a:shade val="45000"/>
+                <a:satMod val="145000"/>
+              </a:schemeClr>
+            </a:contourClr>
+          </a:sp3d>
+        </p:spPr>
+        <p:style>
+          <a:lnRef idx="3">
+            <a:schemeClr val="lt1"/>
+          </a:lnRef>
+          <a:fillRef idx="1">
+            <a:schemeClr val="accent6"/>
+          </a:fillRef>
+          <a:effectRef idx="1">
+            <a:schemeClr val="accent6"/>
+          </a:effectRef>
+          <a:fontRef idx="minor">
+            <a:schemeClr val="lt1"/>
+          </a:fontRef>
+        </p:style>
+        <p:txBody>
+          <a:bodyPr/>
+          <a:lstStyle>
+            <a:lvl1pPr>
+              <a:buNone/>
+              <a:defRPr sz="3200">
+                <a:solidFill>
+                  <a:schemeClr val="tx1"/>
+                </a:solidFill>
+              </a:defRPr>
+            </a:lvl1pPr>
+          </a:lstStyle>
+          <a:p>
+            <a:r>
+              <a:rPr lang="zh-CN" altLang="en-US" sz="2000" smtClean="0"/>
+              <a:t>单击图标添加图片</a:t>
+            </a:r>
+            <a:endParaRPr lang="en-US" sz="2000" dirty="0"/>
+          </a:p>
+        </p:txBody>
+      </p:sp>
+      <p:sp>
+        <p:nvSpPr>
+          <p:cNvPr id="4" name="Rectangle 4"/>
+          <p:cNvSpPr>
+            <a:spLocks noGrp="1"/>
+          </p:cNvSpPr>
+          <p:nvPr>
+            <p:ph type="body" sz="half" idx="2"/>
+          </p:nvPr>
+        </p:nvSpPr>
+        <p:spPr>
+          <a:xfrm>
+            <a:off x="5277728" y="1600200"/>
+            <a:ext cx="3200400" cy="1825343"/>
           </a:xfrm>
         </p:spPr>
         <p:txBody>
-          <a:bodyPr/>
+          <a:bodyPr bIns="0" anchor="b">
+            <a:normAutofit/>
+          </a:bodyPr>
           <a:lstStyle>
-            <a:lvl1pPr marL="0" indent="0">
-              <a:buNone/>
-              <a:defRPr sz="3200"/>
+            <a:lvl1pPr marL="0" marR="0" indent="0" algn="ctr">
+              <a:buFontTx/>
+              <a:buNone/>
+              <a:defRPr sz="1300">
+                <a:solidFill>
+                  <a:schemeClr val="tx1">
+                    <a:tint val="95000"/>
+                  </a:schemeClr>
+                </a:solidFill>
+              </a:defRPr>
             </a:lvl1pPr>
-            <a:lvl2pPr marL="457200" indent="0">
-              <a:buNone/>
-              <a:defRPr sz="2800"/>
-            </a:lvl2pPr>
-            <a:lvl3pPr marL="914400" indent="0">
-              <a:buNone/>
-              <a:defRPr sz="2400"/>
-            </a:lvl3pPr>
-            <a:lvl4pPr marL="1371600" indent="0">
-              <a:buNone/>
-              <a:defRPr sz="2000"/>
-            </a:lvl4pPr>
-            <a:lvl5pPr marL="1828800" indent="0">
-              <a:buNone/>
-              <a:defRPr sz="2000"/>
-            </a:lvl5pPr>
-            <a:lvl6pPr marL="2286000" indent="0">
-              <a:buNone/>
-              <a:defRPr sz="2000"/>
-            </a:lvl6pPr>
-            <a:lvl7pPr marL="2743200" indent="0">
-              <a:buNone/>
-              <a:defRPr sz="2000"/>
-            </a:lvl7pPr>
-            <a:lvl8pPr marL="3200400" indent="0">
-              <a:buNone/>
-              <a:defRPr sz="2000"/>
-            </a:lvl8pPr>
-            <a:lvl9pPr marL="3657600" indent="0">
-              <a:buNone/>
-              <a:defRPr sz="2000"/>
-            </a:lvl9pPr>
-          </a:lstStyle>
-          <a:p>
-            <a:endParaRPr lang="en-US"/>
-          </a:p>
-        </p:txBody>
-      </p:sp>
-      <p:sp>
-        <p:nvSpPr>
-          <p:cNvPr id="4" name="Text Placeholder 3"/>
-          <p:cNvSpPr>
-            <a:spLocks noGrp="1"/>
-          </p:cNvSpPr>
-          <p:nvPr>
-            <p:ph type="body" sz="half" idx="2"/>
-          </p:nvPr>
-        </p:nvSpPr>
-        <p:spPr>
-          <a:xfrm>
-            <a:off x="1792288" y="5367338"/>
-            <a:ext cx="5486400" cy="804862"/>
-          </a:xfrm>
-        </p:spPr>
-        <p:txBody>
-          <a:bodyPr/>
-          <a:lstStyle>
-            <a:lvl1pPr marL="0" indent="0">
-              <a:buNone/>
-              <a:defRPr sz="1400"/>
-            </a:lvl1pPr>
-            <a:lvl2pPr marL="457200" indent="0">
+            <a:lvl2pPr marL="460375" marR="0" indent="-112713">
+              <a:buFontTx/>
               <a:buNone/>
               <a:defRPr sz="1200"/>
             </a:lvl2pPr>
-            <a:lvl3pPr marL="914400" indent="0">
+            <a:lvl3pPr marL="914400" marR="0" indent="-117475">
+              <a:buFontTx/>
               <a:buNone/>
               <a:defRPr sz="1000"/>
             </a:lvl3pPr>
-            <a:lvl4pPr marL="1371600" indent="0">
+            <a:lvl4pPr marL="1316038" marR="0" indent="-112713">
+              <a:buFontTx/>
               <a:buNone/>
               <a:defRPr sz="900"/>
             </a:lvl4pPr>
-            <a:lvl5pPr marL="1828800" indent="0">
+            <a:lvl5pPr marL="1711325" marR="0" indent="-117475">
+              <a:buFontTx/>
               <a:buNone/>
               <a:defRPr sz="900"/>
             </a:lvl5pPr>
-            <a:lvl6pPr marL="2286000" indent="0">
-              <a:buNone/>
-              <a:defRPr sz="900"/>
-            </a:lvl6pPr>
-            <a:lvl7pPr marL="2743200" indent="0">
-              <a:buNone/>
-              <a:defRPr sz="900"/>
-            </a:lvl7pPr>
-            <a:lvl8pPr marL="3200400" indent="0">
-              <a:buNone/>
-              <a:defRPr sz="900"/>
-            </a:lvl8pPr>
-            <a:lvl9pPr marL="3657600" indent="0">
-              <a:buNone/>
-              <a:defRPr sz="900"/>
-            </a:lvl9pPr>
           </a:lstStyle>
           <a:p>
             <a:pPr lvl="0"/>
             <a:r>
-              <a:rPr lang="en-US" smtClean="0"/>
-              <a:t>Click to edit Master text styles</a:t>
-            </a:r>
-          </a:p>
-        </p:txBody>
-      </p:sp>
-      <p:sp>
-        <p:nvSpPr>
-          <p:cNvPr id="5" name="Date Placeholder 4"/>
+              <a:rPr lang="zh-CN" altLang="en-US" smtClean="0"/>
+              <a:t>单击此处编辑母版文本样式</a:t>
+            </a:r>
+          </a:p>
+        </p:txBody>
+      </p:sp>
+      <p:sp>
+        <p:nvSpPr>
+          <p:cNvPr id="5" name="Rectangle 5"/>
           <p:cNvSpPr>
             <a:spLocks noGrp="1"/>
           </p:cNvSpPr>
@@ -2494,7 +2799,7 @@
       </p:sp>
       <p:sp>
         <p:nvSpPr>
-          <p:cNvPr id="6" name="Footer Placeholder 5"/>
+          <p:cNvPr id="6" name="Rectangle 6"/>
           <p:cNvSpPr>
             <a:spLocks noGrp="1"/>
           </p:cNvSpPr>
@@ -2513,7 +2818,7 @@
       </p:sp>
       <p:sp>
         <p:nvSpPr>
-          <p:cNvPr id="7" name="Slide Number Placeholder 6"/>
+          <p:cNvPr id="7" name="Rectangle 7"/>
           <p:cNvSpPr>
             <a:spLocks noGrp="1"/>
           </p:cNvSpPr>
@@ -2547,8 +2852,8 @@
 <p:sldMaster xmlns:a="http://schemas.openxmlformats.org/drawingml/2006/main" xmlns:r="http://schemas.openxmlformats.org/officeDocument/2006/relationships" xmlns:p="http://schemas.openxmlformats.org/presentationml/2006/main">
   <p:cSld>
     <p:bg>
-      <p:bgRef idx="1001">
-        <a:schemeClr val="bg1"/>
+      <p:bgRef idx="1003">
+        <a:schemeClr val="bg2"/>
       </p:bgRef>
     </p:bg>
     <p:spTree>
@@ -2567,17 +2872,136 @@
       </p:grpSpPr>
       <p:sp>
         <p:nvSpPr>
-          <p:cNvPr id="2" name="Title Placeholder 1"/>
-          <p:cNvSpPr>
-            <a:spLocks noGrp="1"/>
-          </p:cNvSpPr>
-          <p:nvPr>
-            <p:ph type="title"/>
-          </p:nvPr>
+          <p:cNvPr id="9" name="Rounded Rectangle 8"/>
+          <p:cNvSpPr/>
+          <p:nvPr/>
         </p:nvSpPr>
         <p:spPr>
           <a:xfrm>
-            <a:off x="457200" y="274638"/>
+            <a:off x="342900" y="228600"/>
+            <a:ext cx="8458200" cy="6400800"/>
+          </a:xfrm>
+          <a:prstGeom prst="roundRect">
+            <a:avLst>
+              <a:gd name="adj" fmla="val 2238"/>
+            </a:avLst>
+          </a:prstGeom>
+          <a:gradFill rotWithShape="1">
+            <a:gsLst>
+              <a:gs pos="0">
+                <a:schemeClr val="bg1">
+                  <a:satMod val="300000"/>
+                  <a:alpha val="50000"/>
+                </a:schemeClr>
+              </a:gs>
+              <a:gs pos="35000">
+                <a:schemeClr val="bg1">
+                  <a:satMod val="300000"/>
+                  <a:alpha val="87000"/>
+                </a:schemeClr>
+              </a:gs>
+              <a:gs pos="50000">
+                <a:schemeClr val="bg1">
+                  <a:satMod val="300000"/>
+                  <a:alpha val="92000"/>
+                </a:schemeClr>
+              </a:gs>
+              <a:gs pos="60000">
+                <a:schemeClr val="bg1">
+                  <a:satMod val="300000"/>
+                  <a:alpha val="89000"/>
+                </a:schemeClr>
+              </a:gs>
+              <a:gs pos="100000">
+                <a:schemeClr val="bg1">
+                  <a:satMod val="300000"/>
+                  <a:alpha val="55000"/>
+                </a:schemeClr>
+              </a:gs>
+            </a:gsLst>
+            <a:lin ang="5400000" scaled="1"/>
+          </a:gradFill>
+          <a:ln>
+            <a:noFill/>
+          </a:ln>
+          <a:effectLst>
+            <a:outerShdw blurRad="63500" dist="45720" dir="5400000" algn="t" rotWithShape="0">
+              <a:schemeClr val="bg2">
+                <a:shade val="30000"/>
+                <a:satMod val="250000"/>
+                <a:alpha val="90000"/>
+              </a:schemeClr>
+            </a:outerShdw>
+          </a:effectLst>
+          <a:scene3d>
+            <a:camera prst="orthographicFront">
+              <a:rot lat="0" lon="0" rev="0"/>
+            </a:camera>
+            <a:lightRig rig="contrasting" dir="t">
+              <a:rot lat="0" lon="0" rev="7500000"/>
+            </a:lightRig>
+          </a:scene3d>
+          <a:sp3d contourW="6350" prstMaterial="powder">
+            <a:bevelT w="50800" h="63500"/>
+            <a:contourClr>
+              <a:schemeClr val="bg2">
+                <a:shade val="90000"/>
+                <a:lumMod val="55000"/>
+              </a:schemeClr>
+            </a:contourClr>
+          </a:sp3d>
+        </p:spPr>
+        <p:txBody>
+          <a:bodyPr rtlCol="0" anchor="ctr"/>
+          <a:lstStyle/>
+          <a:p>
+            <a:pPr marL="0" marR="0" lvl="0" indent="0" algn="ctr" defTabSz="914400" eaLnBrk="1" fontAlgn="auto" latinLnBrk="0" hangingPunct="1">
+              <a:lnSpc>
+                <a:spcPct val="100000"/>
+              </a:lnSpc>
+              <a:spcBef>
+                <a:spcPts val="0"/>
+              </a:spcBef>
+              <a:spcAft>
+                <a:spcPts val="0"/>
+              </a:spcAft>
+              <a:buClrTx/>
+              <a:buSzTx/>
+              <a:buFontTx/>
+              <a:buNone/>
+              <a:tabLst/>
+              <a:defRPr/>
+            </a:pPr>
+            <a:endParaRPr kumimoji="0" lang="en-US" sz="1800" b="0" i="0" u="none" strike="noStrike" kern="0" cap="none" spc="0" normalizeH="0" baseline="0" noProof="0">
+              <a:ln>
+                <a:noFill/>
+              </a:ln>
+              <a:solidFill>
+                <a:sysClr val="window" lastClr="FFFFFF"/>
+              </a:solidFill>
+              <a:effectLst/>
+              <a:uLnTx/>
+              <a:uFillTx/>
+              <a:latin typeface="Corbel"/>
+              <a:ea typeface="+mn-ea"/>
+              <a:cs typeface="+mn-cs"/>
+            </a:endParaRPr>
+          </a:p>
+        </p:txBody>
+      </p:sp>
+      <p:sp>
+        <p:nvSpPr>
+          <p:cNvPr id="2" name="Rectangle 10"/>
+          <p:cNvSpPr>
+            <a:spLocks noGrp="1"/>
+          </p:cNvSpPr>
+          <p:nvPr>
+            <p:ph type="title"/>
+          </p:nvPr>
+        </p:nvSpPr>
+        <p:spPr>
+          <a:xfrm>
+            <a:off x="457200" y="304800"/>
             <a:ext cx="8229600" cy="1143000"/>
           </a:xfrm>
           <a:prstGeom prst="rect">
@@ -2585,22 +3009,29 @@
           </a:prstGeom>
         </p:spPr>
         <p:txBody>
-          <a:bodyPr vert="horz" lIns="91440" tIns="45720" rIns="91440" bIns="45720" rtlCol="0" anchor="ctr">
+          <a:bodyPr anchor="b" anchorCtr="0">
             <a:normAutofit/>
+            <a:scene3d>
+              <a:camera prst="orthographicFront"/>
+              <a:lightRig rig="soft" dir="t">
+                <a:rot lat="0" lon="0" rev="2100000"/>
+              </a:lightRig>
+            </a:scene3d>
+            <a:sp3d prstMaterial="matte"/>
           </a:bodyPr>
           <a:lstStyle/>
           <a:p>
             <a:r>
-              <a:rPr lang="en-US" smtClean="0"/>
-              <a:t>Click to edit Master title style</a:t>
-            </a:r>
-            <a:endParaRPr lang="en-US"/>
-          </a:p>
-        </p:txBody>
-      </p:sp>
-      <p:sp>
-        <p:nvSpPr>
-          <p:cNvPr id="3" name="Text Placeholder 2"/>
+              <a:rPr lang="zh-CN" altLang="en-US" smtClean="0"/>
+              <a:t>单击此处编辑母版标题样式</a:t>
+            </a:r>
+            <a:endParaRPr lang="en-US" dirty="0"/>
+          </a:p>
+        </p:txBody>
+      </p:sp>
+      <p:sp>
+        <p:nvSpPr>
+          <p:cNvPr id="5" name="Rectangle 11"/>
           <p:cNvSpPr>
             <a:spLocks noGrp="1"/>
           </p:cNvSpPr>
@@ -2618,51 +3049,51 @@
           </a:prstGeom>
         </p:spPr>
         <p:txBody>
-          <a:bodyPr vert="horz" lIns="91440" tIns="45720" rIns="91440" bIns="45720" rtlCol="0">
+          <a:bodyPr lIns="45720" rIns="45720" anchor="t">
             <a:normAutofit/>
           </a:bodyPr>
           <a:lstStyle/>
           <a:p>
             <a:pPr lvl="0"/>
             <a:r>
-              <a:rPr lang="en-US" smtClean="0"/>
-              <a:t>Click to edit Master text styles</a:t>
+              <a:rPr lang="zh-CN" altLang="en-US" smtClean="0"/>
+              <a:t>单击此处编辑母版文本样式</a:t>
             </a:r>
           </a:p>
           <a:p>
             <a:pPr lvl="1"/>
             <a:r>
-              <a:rPr lang="en-US" smtClean="0"/>
-              <a:t>Second level</a:t>
+              <a:rPr lang="zh-CN" altLang="en-US" smtClean="0"/>
+              <a:t>第二级</a:t>
             </a:r>
           </a:p>
           <a:p>
             <a:pPr lvl="2"/>
             <a:r>
-              <a:rPr lang="en-US" smtClean="0"/>
-              <a:t>Third level</a:t>
+              <a:rPr lang="zh-CN" altLang="en-US" smtClean="0"/>
+              <a:t>第三级</a:t>
             </a:r>
           </a:p>
           <a:p>
             <a:pPr lvl="3"/>
             <a:r>
-              <a:rPr lang="en-US" smtClean="0"/>
-              <a:t>Fourth level</a:t>
+              <a:rPr lang="zh-CN" altLang="en-US" smtClean="0"/>
+              <a:t>第四级</a:t>
             </a:r>
           </a:p>
           <a:p>
             <a:pPr lvl="4"/>
             <a:r>
-              <a:rPr lang="en-US" smtClean="0"/>
-              <a:t>Fifth level</a:t>
-            </a:r>
-            <a:endParaRPr lang="en-US"/>
-          </a:p>
-        </p:txBody>
-      </p:sp>
-      <p:sp>
-        <p:nvSpPr>
-          <p:cNvPr id="4" name="Date Placeholder 3"/>
+              <a:rPr lang="zh-CN" altLang="en-US" smtClean="0"/>
+              <a:t>第五级</a:t>
+            </a:r>
+            <a:endParaRPr lang="en-US" dirty="0" smtClean="0"/>
+          </a:p>
+        </p:txBody>
+      </p:sp>
+      <p:sp>
+        <p:nvSpPr>
+          <p:cNvPr id="27" name="Rectangle 22"/>
           <p:cNvSpPr>
             <a:spLocks noGrp="1"/>
           </p:cNvSpPr>
@@ -2672,23 +3103,27 @@
         </p:nvSpPr>
         <p:spPr>
           <a:xfrm>
-            <a:off x="457200" y="6356350"/>
-            <a:ext cx="2133600" cy="365125"/>
+            <a:off x="457200" y="6214404"/>
+            <a:ext cx="2133600" cy="365760"/>
           </a:xfrm>
           <a:prstGeom prst="rect">
             <a:avLst/>
           </a:prstGeom>
         </p:spPr>
         <p:txBody>
-          <a:bodyPr vert="horz" lIns="91440" tIns="45720" rIns="91440" bIns="45720" rtlCol="0" anchor="ctr"/>
+          <a:bodyPr anchor="b" anchorCtr="0"/>
           <a:lstStyle>
-            <a:lvl1pPr algn="l">
-              <a:defRPr sz="1200">
+            <a:lvl1pPr>
+              <a:defRPr lang="en-US" sz="1000" b="0" smtClean="0">
                 <a:solidFill>
-                  <a:schemeClr val="tx1">
+                  <a:schemeClr val="tx2">
                     <a:tint val="75000"/>
+                    <a:satMod val="150000"/>
                   </a:schemeClr>
                 </a:solidFill>
+                <a:latin typeface="+mn-lt"/>
+                <a:ea typeface="+mn-lt"/>
+                <a:cs typeface="+mn-lt"/>
               </a:defRPr>
             </a:lvl1pPr>
           </a:lstStyle>
@@ -2704,7 +3139,7 @@
       </p:sp>
       <p:sp>
         <p:nvSpPr>
-          <p:cNvPr id="5" name="Footer Placeholder 4"/>
+          <p:cNvPr id="18" name="Rectangle 18"/>
           <p:cNvSpPr>
             <a:spLocks noGrp="1"/>
           </p:cNvSpPr>
@@ -2714,23 +3149,27 @@
         </p:nvSpPr>
         <p:spPr>
           <a:xfrm>
-            <a:off x="3124200" y="6356350"/>
-            <a:ext cx="2895600" cy="365125"/>
+            <a:off x="3124200" y="6214404"/>
+            <a:ext cx="2895600" cy="365760"/>
           </a:xfrm>
           <a:prstGeom prst="rect">
             <a:avLst/>
           </a:prstGeom>
         </p:spPr>
         <p:txBody>
-          <a:bodyPr vert="horz" lIns="91440" tIns="45720" rIns="91440" bIns="45720" rtlCol="0" anchor="ctr"/>
+          <a:bodyPr anchor="b" anchorCtr="0"/>
           <a:lstStyle>
             <a:lvl1pPr algn="ctr">
-              <a:defRPr sz="1200">
+              <a:defRPr lang="en-US" sz="1000" b="0" smtClean="0">
                 <a:solidFill>
-                  <a:schemeClr val="tx1">
+                  <a:schemeClr val="tx2">
                     <a:tint val="75000"/>
+                    <a:satMod val="150000"/>
                   </a:schemeClr>
                 </a:solidFill>
+                <a:latin typeface="+mn-lt"/>
+                <a:ea typeface="+mn-lt"/>
+                <a:cs typeface="+mn-lt"/>
               </a:defRPr>
             </a:lvl1pPr>
           </a:lstStyle>
@@ -2741,7 +3180,7 @@
       </p:sp>
       <p:sp>
         <p:nvSpPr>
-          <p:cNvPr id="6" name="Slide Number Placeholder 5"/>
+          <p:cNvPr id="13" name="Rectangle 15"/>
           <p:cNvSpPr>
             <a:spLocks noGrp="1"/>
           </p:cNvSpPr>
@@ -2751,23 +3190,27 @@
         </p:nvSpPr>
         <p:spPr>
           <a:xfrm>
-            <a:off x="6553200" y="6356350"/>
-            <a:ext cx="2133600" cy="365125"/>
+            <a:off x="6553200" y="6214404"/>
+            <a:ext cx="2133600" cy="365760"/>
           </a:xfrm>
           <a:prstGeom prst="rect">
             <a:avLst/>
           </a:prstGeom>
         </p:spPr>
         <p:txBody>
-          <a:bodyPr vert="horz" lIns="91440" tIns="45720" rIns="91440" bIns="45720" rtlCol="0" anchor="ctr"/>
+          <a:bodyPr anchor="b" anchorCtr="0"/>
           <a:lstStyle>
             <a:lvl1pPr algn="r">
-              <a:defRPr sz="1200">
+              <a:defRPr lang="en-US" sz="1000" b="0" smtClean="0">
                 <a:solidFill>
-                  <a:schemeClr val="tx1">
+                  <a:schemeClr val="tx2">
                     <a:tint val="75000"/>
+                    <a:satMod val="150000"/>
                   </a:schemeClr>
                 </a:solidFill>
+                <a:latin typeface="+mn-lt"/>
+                <a:ea typeface="+mn-lt"/>
+                <a:cs typeface="+mn-lt"/>
               </a:defRPr>
             </a:lvl1pPr>
           </a:lstStyle>
@@ -2785,43 +3228,52 @@
   </p:cSld>
   <p:clrMap bg1="lt1" tx1="dk1" bg2="lt2" tx2="dk2" accent1="accent1" accent2="accent2" accent3="accent3" accent4="accent4" accent5="accent5" accent6="accent6" hlink="hlink" folHlink="folHlink"/>
   <p:sldLayoutIdLst>
-    <p:sldLayoutId id="2147483877" r:id="rId1"/>
-    <p:sldLayoutId id="2147483878" r:id="rId2"/>
-    <p:sldLayoutId id="2147483879" r:id="rId3"/>
-    <p:sldLayoutId id="2147483880" r:id="rId4"/>
-    <p:sldLayoutId id="2147483881" r:id="rId5"/>
-    <p:sldLayoutId id="2147483882" r:id="rId6"/>
-    <p:sldLayoutId id="2147483883" r:id="rId7"/>
-    <p:sldLayoutId id="2147483884" r:id="rId8"/>
-    <p:sldLayoutId id="2147483885" r:id="rId9"/>
-    <p:sldLayoutId id="2147483886" r:id="rId10"/>
-    <p:sldLayoutId id="2147483887" r:id="rId11"/>
+    <p:sldLayoutId id="2147483937" r:id="rId1"/>
+    <p:sldLayoutId id="2147483938" r:id="rId2"/>
+    <p:sldLayoutId id="2147483939" r:id="rId3"/>
+    <p:sldLayoutId id="2147483940" r:id="rId4"/>
+    <p:sldLayoutId id="2147483941" r:id="rId5"/>
+    <p:sldLayoutId id="2147483942" r:id="rId6"/>
+    <p:sldLayoutId id="2147483943" r:id="rId7"/>
+    <p:sldLayoutId id="2147483944" r:id="rId8"/>
+    <p:sldLayoutId id="2147483945" r:id="rId9"/>
+    <p:sldLayoutId id="2147483946" r:id="rId10"/>
+    <p:sldLayoutId id="2147483947" r:id="rId11"/>
   </p:sldLayoutIdLst>
   <p:txStyles>
     <p:titleStyle>
-      <a:lvl1pPr algn="ctr" defTabSz="914400" rtl="0" eaLnBrk="1" latinLnBrk="0" hangingPunct="1">
-        <a:spcBef>
-          <a:spcPct val="0"/>
-        </a:spcBef>
-        <a:buNone/>
-        <a:defRPr sz="4400" kern="1200">
+      <a:defPPr>
+        <a:defRPr sz="4400">
           <a:solidFill>
-            <a:schemeClr val="tx1"/>
+            <a:schemeClr val="tx2">
+              <a:shade val="80000"/>
+              <a:satMod val="150000"/>
+            </a:schemeClr>
           </a:solidFill>
           <a:latin typeface="+mj-lt"/>
           <a:ea typeface="+mj-ea"/>
           <a:cs typeface="+mj-cs"/>
         </a:defRPr>
+      </a:defPPr>
+      <a:lvl1pPr algn="ctr" eaLnBrk="1" hangingPunct="1">
+        <a:buNone/>
+        <a:defRPr lang="en-US" sz="5300" b="1" strike="noStrike" kern="1200" baseline="0" dirty="0" smtClean="0">
+          <a:solidFill>
+            <a:schemeClr val="tx2">
+              <a:shade val="85000"/>
+              <a:satMod val="150000"/>
+            </a:schemeClr>
+          </a:solidFill>
+          <a:effectLst/>
+          <a:latin typeface="+mj-lt"/>
+          <a:ea typeface="+mj-lt"/>
+          <a:cs typeface="+mj-lt"/>
+        </a:defRPr>
       </a:lvl1pPr>
     </p:titleStyle>
     <p:bodyStyle>
-      <a:lvl1pPr marL="342900" indent="-342900" algn="l" defTabSz="914400" rtl="0" eaLnBrk="1" latinLnBrk="0" hangingPunct="1">
-        <a:spcBef>
-          <a:spcPct val="20000"/>
-        </a:spcBef>
-        <a:buFont typeface="Arial" pitchFamily="34" charset="0"/>
-        <a:buChar char="•"/>
-        <a:defRPr sz="3200" kern="1200">
+      <a:defPPr>
+        <a:defRPr>
           <a:solidFill>
             <a:schemeClr val="tx1"/>
           </a:solidFill>
@@ -2829,14 +3281,127 @@
           <a:ea typeface="+mn-ea"/>
           <a:cs typeface="+mn-cs"/>
         </a:defRPr>
+      </a:defPPr>
+      <a:lvl1pPr marL="457200" indent="-274320" algn="l" eaLnBrk="1" hangingPunct="1">
+        <a:buClr>
+          <a:schemeClr val="accent1"/>
+        </a:buClr>
+        <a:buSzPct val="80000"/>
+        <a:buFont typeface="Wingdings 2" pitchFamily="18" charset="2"/>
+        <a:buChar char=""/>
+        <a:defRPr sz="2800">
+          <a:solidFill>
+            <a:schemeClr val="tx1"/>
+          </a:solidFill>
+          <a:latin typeface="+mn-lt"/>
+          <a:ea typeface="+mn-lt"/>
+          <a:cs typeface="+mn-lt"/>
+        </a:defRPr>
       </a:lvl1pPr>
-      <a:lvl2pPr marL="742950" indent="-285750" algn="l" defTabSz="914400" rtl="0" eaLnBrk="1" latinLnBrk="0" hangingPunct="1">
-        <a:spcBef>
-          <a:spcPct val="20000"/>
-        </a:spcBef>
-        <a:buFont typeface="Arial" pitchFamily="34" charset="0"/>
-        <a:buChar char="–"/>
-        <a:defRPr sz="2800" kern="1200">
+      <a:lvl2pPr marL="758952" indent="-228600" algn="l" eaLnBrk="1" hangingPunct="1">
+        <a:buClr>
+          <a:schemeClr val="accent2"/>
+        </a:buClr>
+        <a:buFont typeface="Wingdings 2" pitchFamily="18" charset="2"/>
+        <a:buChar char=""/>
+        <a:defRPr sz="2200">
+          <a:solidFill>
+            <a:schemeClr val="tx1"/>
+          </a:solidFill>
+          <a:latin typeface="+mn-lt"/>
+          <a:ea typeface="+mn-lt"/>
+          <a:cs typeface="+mn-lt"/>
+        </a:defRPr>
+      </a:lvl2pPr>
+      <a:lvl3pPr marL="1033272" indent="-228600" algn="l" eaLnBrk="1" hangingPunct="1">
+        <a:buClr>
+          <a:schemeClr val="accent3"/>
+        </a:buClr>
+        <a:buFont typeface="Wingdings 2" pitchFamily="18" charset="2"/>
+        <a:buChar char=""/>
+        <a:defRPr sz="2000">
+          <a:solidFill>
+            <a:schemeClr val="tx1"/>
+          </a:solidFill>
+          <a:latin typeface="+mn-lt"/>
+          <a:ea typeface="+mn-lt"/>
+          <a:cs typeface="+mn-lt"/>
+        </a:defRPr>
+      </a:lvl3pPr>
+      <a:lvl4pPr marL="1298448" indent="-228600" algn="l" eaLnBrk="1" hangingPunct="1">
+        <a:buClr>
+          <a:schemeClr val="accent4"/>
+        </a:buClr>
+        <a:buFont typeface="Wingdings 2" pitchFamily="18" charset="2"/>
+        <a:buChar char=""/>
+        <a:defRPr sz="1800">
+          <a:solidFill>
+            <a:schemeClr val="tx1"/>
+          </a:solidFill>
+          <a:latin typeface="+mn-lt"/>
+          <a:ea typeface="+mn-lt"/>
+          <a:cs typeface="+mn-lt"/>
+        </a:defRPr>
+      </a:lvl4pPr>
+      <a:lvl5pPr marL="1554480" indent="-228600" algn="l" eaLnBrk="1" hangingPunct="1">
+        <a:buClr>
+          <a:schemeClr val="accent5"/>
+        </a:buClr>
+        <a:buFont typeface="Wingdings 2" pitchFamily="18" charset="2"/>
+        <a:buChar char=""/>
+        <a:defRPr sz="1800">
+          <a:solidFill>
+            <a:schemeClr val="tx1"/>
+          </a:solidFill>
+          <a:latin typeface="+mn-lt"/>
+          <a:ea typeface="+mn-lt"/>
+          <a:cs typeface="+mn-lt"/>
+        </a:defRPr>
+      </a:lvl5pPr>
+      <a:lvl6pPr marL="1810512" indent="-228600" algn="l" eaLnBrk="1" hangingPunct="1">
+        <a:buClr>
+          <a:schemeClr val="accent6"/>
+        </a:buClr>
+        <a:buFont typeface="Wingdings 2" pitchFamily="18" charset="2"/>
+        <a:buChar char=""/>
+        <a:defRPr lang="en-US" sz="1600" baseline="0" smtClean="0">
+          <a:latin typeface="+mn-lt"/>
+        </a:defRPr>
+      </a:lvl6pPr>
+      <a:lvl7pPr marL="2075688" indent="-228600" algn="l" eaLnBrk="1" hangingPunct="1">
+        <a:buClr>
+          <a:schemeClr val="tx2"/>
+        </a:buClr>
+        <a:buFont typeface="Wingdings 2" pitchFamily="18" charset="2"/>
+        <a:buChar char=""/>
+        <a:defRPr lang="en-US" sz="1600" baseline="0" smtClean="0">
+          <a:latin typeface="+mn-lt"/>
+        </a:defRPr>
+      </a:lvl7pPr>
+      <a:lvl8pPr marL="2340864" indent="-228600" algn="l" eaLnBrk="1" hangingPunct="1">
+        <a:buClr>
+          <a:schemeClr val="accent2"/>
+        </a:buClr>
+        <a:buFont typeface="Wingdings 2" pitchFamily="18" charset="2"/>
+        <a:buChar char=""/>
+        <a:defRPr sz="1600" baseline="0">
+          <a:latin typeface="+mn-lt"/>
+        </a:defRPr>
+      </a:lvl8pPr>
+      <a:lvl9pPr marL="2596896" indent="-228600" algn="l" eaLnBrk="1" hangingPunct="1">
+        <a:buClr>
+          <a:schemeClr val="accent1"/>
+        </a:buClr>
+        <a:buFont typeface="Wingdings 2" pitchFamily="18" charset="2"/>
+        <a:buChar char=""/>
+        <a:defRPr sz="1400" baseline="0">
+          <a:latin typeface="+mn-lt"/>
+        </a:defRPr>
+      </a:lvl9pPr>
+    </p:bodyStyle>
+    <p:otherStyle>
+      <a:defPPr>
+        <a:defRPr>
           <a:solidFill>
             <a:schemeClr val="tx1"/>
           </a:solidFill>
@@ -2844,207 +3409,16 @@
           <a:ea typeface="+mn-ea"/>
           <a:cs typeface="+mn-cs"/>
         </a:defRPr>
-      </a:lvl2pPr>
-      <a:lvl3pPr marL="1143000" indent="-228600" algn="l" defTabSz="914400" rtl="0" eaLnBrk="1" latinLnBrk="0" hangingPunct="1">
-        <a:spcBef>
-          <a:spcPct val="20000"/>
-        </a:spcBef>
-        <a:buFont typeface="Arial" pitchFamily="34" charset="0"/>
-        <a:buChar char="•"/>
-        <a:defRPr sz="2400" kern="1200">
-          <a:solidFill>
-            <a:schemeClr val="tx1"/>
-          </a:solidFill>
-          <a:latin typeface="+mn-lt"/>
-          <a:ea typeface="+mn-ea"/>
-          <a:cs typeface="+mn-cs"/>
-        </a:defRPr>
-      </a:lvl3pPr>
-      <a:lvl4pPr marL="1600200" indent="-228600" algn="l" defTabSz="914400" rtl="0" eaLnBrk="1" latinLnBrk="0" hangingPunct="1">
-        <a:spcBef>
-          <a:spcPct val="20000"/>
-        </a:spcBef>
-        <a:buFont typeface="Arial" pitchFamily="34" charset="0"/>
-        <a:buChar char="–"/>
-        <a:defRPr sz="2000" kern="1200">
-          <a:solidFill>
-            <a:schemeClr val="tx1"/>
-          </a:solidFill>
-          <a:latin typeface="+mn-lt"/>
-          <a:ea typeface="+mn-ea"/>
-          <a:cs typeface="+mn-cs"/>
-        </a:defRPr>
-      </a:lvl4pPr>
-      <a:lvl5pPr marL="2057400" indent="-228600" algn="l" defTabSz="914400" rtl="0" eaLnBrk="1" latinLnBrk="0" hangingPunct="1">
-        <a:spcBef>
-          <a:spcPct val="20000"/>
-        </a:spcBef>
-        <a:buFont typeface="Arial" pitchFamily="34" charset="0"/>
-        <a:buChar char="»"/>
-        <a:defRPr sz="2000" kern="1200">
-          <a:solidFill>
-            <a:schemeClr val="tx1"/>
-          </a:solidFill>
-          <a:latin typeface="+mn-lt"/>
-          <a:ea typeface="+mn-ea"/>
-          <a:cs typeface="+mn-cs"/>
-        </a:defRPr>
-      </a:lvl5pPr>
-      <a:lvl6pPr marL="2514600" indent="-228600" algn="l" defTabSz="914400" rtl="0" eaLnBrk="1" latinLnBrk="0" hangingPunct="1">
-        <a:spcBef>
-          <a:spcPct val="20000"/>
-        </a:spcBef>
-        <a:buFont typeface="Arial" pitchFamily="34" charset="0"/>
-        <a:buChar char="•"/>
-        <a:defRPr sz="2000" kern="1200">
-          <a:solidFill>
-            <a:schemeClr val="tx1"/>
-          </a:solidFill>
-          <a:latin typeface="+mn-lt"/>
-          <a:ea typeface="+mn-ea"/>
-          <a:cs typeface="+mn-cs"/>
-        </a:defRPr>
-      </a:lvl6pPr>
-      <a:lvl7pPr marL="2971800" indent="-228600" algn="l" defTabSz="914400" rtl="0" eaLnBrk="1" latinLnBrk="0" hangingPunct="1">
-        <a:spcBef>
-          <a:spcPct val="20000"/>
-        </a:spcBef>
-        <a:buFont typeface="Arial" pitchFamily="34" charset="0"/>
-        <a:buChar char="•"/>
-        <a:defRPr sz="2000" kern="1200">
-          <a:solidFill>
-            <a:schemeClr val="tx1"/>
-          </a:solidFill>
-          <a:latin typeface="+mn-lt"/>
-          <a:ea typeface="+mn-ea"/>
-          <a:cs typeface="+mn-cs"/>
-        </a:defRPr>
-      </a:lvl7pPr>
-      <a:lvl8pPr marL="3429000" indent="-228600" algn="l" defTabSz="914400" rtl="0" eaLnBrk="1" latinLnBrk="0" hangingPunct="1">
-        <a:spcBef>
-          <a:spcPct val="20000"/>
-        </a:spcBef>
-        <a:buFont typeface="Arial" pitchFamily="34" charset="0"/>
-        <a:buChar char="•"/>
-        <a:defRPr sz="2000" kern="1200">
-          <a:solidFill>
-            <a:schemeClr val="tx1"/>
-          </a:solidFill>
-          <a:latin typeface="+mn-lt"/>
-          <a:ea typeface="+mn-ea"/>
-          <a:cs typeface="+mn-cs"/>
-        </a:defRPr>
-      </a:lvl8pPr>
-      <a:lvl9pPr marL="3886200" indent="-228600" algn="l" defTabSz="914400" rtl="0" eaLnBrk="1" latinLnBrk="0" hangingPunct="1">
-        <a:spcBef>
-          <a:spcPct val="20000"/>
-        </a:spcBef>
-        <a:buFont typeface="Arial" pitchFamily="34" charset="0"/>
-        <a:buChar char="•"/>
-        <a:defRPr sz="2000" kern="1200">
-          <a:solidFill>
-            <a:schemeClr val="tx1"/>
-          </a:solidFill>
-          <a:latin typeface="+mn-lt"/>
-          <a:ea typeface="+mn-ea"/>
-          <a:cs typeface="+mn-cs"/>
-        </a:defRPr>
-      </a:lvl9pPr>
-    </p:bodyStyle>
-    <p:otherStyle>
-      <a:defPPr>
-        <a:defRPr lang="en-US"/>
       </a:defPPr>
-      <a:lvl1pPr marL="0" algn="l" defTabSz="914400" rtl="0" eaLnBrk="1" latinLnBrk="0" hangingPunct="1">
-        <a:defRPr sz="1800" kern="1200">
-          <a:solidFill>
-            <a:schemeClr val="tx1"/>
-          </a:solidFill>
-          <a:latin typeface="+mn-lt"/>
-          <a:ea typeface="+mn-ea"/>
-          <a:cs typeface="+mn-cs"/>
-        </a:defRPr>
-      </a:lvl1pPr>
-      <a:lvl2pPr marL="457200" algn="l" defTabSz="914400" rtl="0" eaLnBrk="1" latinLnBrk="0" hangingPunct="1">
-        <a:defRPr sz="1800" kern="1200">
-          <a:solidFill>
-            <a:schemeClr val="tx1"/>
-          </a:solidFill>
-          <a:latin typeface="+mn-lt"/>
-          <a:ea typeface="+mn-ea"/>
-          <a:cs typeface="+mn-cs"/>
-        </a:defRPr>
-      </a:lvl2pPr>
-      <a:lvl3pPr marL="914400" algn="l" defTabSz="914400" rtl="0" eaLnBrk="1" latinLnBrk="0" hangingPunct="1">
-        <a:defRPr sz="1800" kern="1200">
-          <a:solidFill>
-            <a:schemeClr val="tx1"/>
-          </a:solidFill>
-          <a:latin typeface="+mn-lt"/>
-          <a:ea typeface="+mn-ea"/>
-          <a:cs typeface="+mn-cs"/>
-        </a:defRPr>
-      </a:lvl3pPr>
-      <a:lvl4pPr marL="1371600" algn="l" defTabSz="914400" rtl="0" eaLnBrk="1" latinLnBrk="0" hangingPunct="1">
-        <a:defRPr sz="1800" kern="1200">
-          <a:solidFill>
-            <a:schemeClr val="tx1"/>
-          </a:solidFill>
-          <a:latin typeface="+mn-lt"/>
-          <a:ea typeface="+mn-ea"/>
-          <a:cs typeface="+mn-cs"/>
-        </a:defRPr>
-      </a:lvl4pPr>
-      <a:lvl5pPr marL="1828800" algn="l" defTabSz="914400" rtl="0" eaLnBrk="1" latinLnBrk="0" hangingPunct="1">
-        <a:defRPr sz="1800" kern="1200">
-          <a:solidFill>
-            <a:schemeClr val="tx1"/>
-          </a:solidFill>
-          <a:latin typeface="+mn-lt"/>
-          <a:ea typeface="+mn-ea"/>
-          <a:cs typeface="+mn-cs"/>
-        </a:defRPr>
-      </a:lvl5pPr>
-      <a:lvl6pPr marL="2286000" algn="l" defTabSz="914400" rtl="0" eaLnBrk="1" latinLnBrk="0" hangingPunct="1">
-        <a:defRPr sz="1800" kern="1200">
-          <a:solidFill>
-            <a:schemeClr val="tx1"/>
-          </a:solidFill>
-          <a:latin typeface="+mn-lt"/>
-          <a:ea typeface="+mn-ea"/>
-          <a:cs typeface="+mn-cs"/>
-        </a:defRPr>
-      </a:lvl6pPr>
-      <a:lvl7pPr marL="2743200" algn="l" defTabSz="914400" rtl="0" eaLnBrk="1" latinLnBrk="0" hangingPunct="1">
-        <a:defRPr sz="1800" kern="1200">
-          <a:solidFill>
-            <a:schemeClr val="tx1"/>
-          </a:solidFill>
-          <a:latin typeface="+mn-lt"/>
-          <a:ea typeface="+mn-ea"/>
-          <a:cs typeface="+mn-cs"/>
-        </a:defRPr>
-      </a:lvl7pPr>
-      <a:lvl8pPr marL="3200400" algn="l" defTabSz="914400" rtl="0" eaLnBrk="1" latinLnBrk="0" hangingPunct="1">
-        <a:defRPr sz="1800" kern="1200">
-          <a:solidFill>
-            <a:schemeClr val="tx1"/>
-          </a:solidFill>
-          <a:latin typeface="+mn-lt"/>
-          <a:ea typeface="+mn-ea"/>
-          <a:cs typeface="+mn-cs"/>
-        </a:defRPr>
-      </a:lvl8pPr>
-      <a:lvl9pPr marL="3657600" algn="l" defTabSz="914400" rtl="0" eaLnBrk="1" latinLnBrk="0" hangingPunct="1">
-        <a:defRPr sz="1800" kern="1200">
-          <a:solidFill>
-            <a:schemeClr val="tx1"/>
-          </a:solidFill>
-          <a:latin typeface="+mn-lt"/>
-          <a:ea typeface="+mn-ea"/>
-          <a:cs typeface="+mn-cs"/>
-        </a:defRPr>
-      </a:lvl9pPr>
+      <a:lvl1pPr marL="0" eaLnBrk="1" hangingPunct="1"/>
+      <a:lvl2pPr marL="457200" eaLnBrk="1" hangingPunct="1"/>
+      <a:lvl3pPr marL="914400" eaLnBrk="1" hangingPunct="1"/>
+      <a:lvl4pPr marL="1371600" eaLnBrk="1" hangingPunct="1"/>
+      <a:lvl5pPr marL="1828800" eaLnBrk="1" hangingPunct="1"/>
+      <a:lvl6pPr marL="2286000" eaLnBrk="1" hangingPunct="1"/>
+      <a:lvl7pPr marL="2743200" eaLnBrk="1" hangingPunct="1"/>
+      <a:lvl8pPr marL="3200400" eaLnBrk="1" hangingPunct="1"/>
+      <a:lvl9pPr marL="3657600" eaLnBrk="1" hangingPunct="1"/>
     </p:otherStyle>
   </p:txStyles>
 </p:sldMaster>
@@ -3067,29 +3441,36 @@
           <a:chExt cx="0" cy="0"/>
         </a:xfrm>
       </p:grpSpPr>
-      <p:sp>
-        <p:nvSpPr>
-          <p:cNvPr id="2" name="Title 1"/>
-          <p:cNvSpPr>
-            <a:spLocks noGrp="1"/>
-          </p:cNvSpPr>
-          <p:nvPr>
-            <p:ph type="ctrTitle"/>
-          </p:nvPr>
-        </p:nvSpPr>
-        <p:spPr/>
-        <p:txBody>
-          <a:bodyPr/>
-          <a:lstStyle/>
-          <a:p>
-            <a:r>
-              <a:rPr lang="en-US" dirty="0" smtClean="0"/>
-              <a:t>J2 Forum</a:t>
-            </a:r>
-            <a:endParaRPr lang="en-US" dirty="0"/>
-          </a:p>
-        </p:txBody>
-      </p:sp>
+      <p:pic>
+        <p:nvPicPr>
+          <p:cNvPr id="4" name="图片 3"/>
+          <p:cNvPicPr>
+            <a:picLocks noChangeAspect="1"/>
+          </p:cNvPicPr>
+          <p:nvPr/>
+        </p:nvPicPr>
+        <p:blipFill>
+          <a:blip r:embed="rId2">
+            <a:extLst>
+              <a:ext uri="{28A0092B-C50C-407E-A947-70E740481C1C}">
+                <a14:useLocalDpi xmlns:a14="http://schemas.microsoft.com/office/drawing/2010/main" val="0"/>
+              </a:ext>
+            </a:extLst>
+          </a:blip>
+          <a:stretch>
+            <a:fillRect/>
+          </a:stretch>
+        </p:blipFill>
+        <p:spPr>
+          <a:xfrm>
+            <a:off x="1375410" y="1524000"/>
+            <a:ext cx="6092190" cy="3124200"/>
+          </a:xfrm>
+          <a:prstGeom prst="rect">
+            <a:avLst/>
+          </a:prstGeom>
+        </p:spPr>
+      </p:pic>
       <p:sp>
         <p:nvSpPr>
           <p:cNvPr id="3" name="Subtitle 2"/>
@@ -3100,7 +3481,12 @@
             <p:ph type="subTitle" idx="1"/>
           </p:nvPr>
         </p:nvSpPr>
-        <p:spPr/>
+        <p:spPr>
+          <a:xfrm>
+            <a:off x="990600" y="3733800"/>
+            <a:ext cx="7772400" cy="1524000"/>
+          </a:xfrm>
+        </p:spPr>
         <p:txBody>
           <a:bodyPr>
             <a:normAutofit/>
@@ -3108,16 +3494,34 @@
           <a:lstStyle/>
           <a:p>
             <a:r>
-              <a:rPr lang="en-US" dirty="0" smtClean="0"/>
+              <a:rPr lang="en-US" sz="3200" dirty="0" smtClean="0"/>
               <a:t>Jin Wang</a:t>
             </a:r>
           </a:p>
           <a:p>
             <a:r>
-              <a:rPr lang="en-US" dirty="0" smtClean="0"/>
-              <a:t>Jason Campbell</a:t>
-            </a:r>
-            <a:endParaRPr lang="en-US" dirty="0"/>
+              <a:rPr lang="en-US" sz="3200" dirty="0" smtClean="0"/>
+              <a:t>Jason </a:t>
+            </a:r>
+            <a:r>
+              <a:rPr lang="en-US" sz="3200" dirty="0" smtClean="0"/>
+              <a:t>Campbell</a:t>
+            </a:r>
+          </a:p>
+          <a:p>
+            <a:r>
+              <a:rPr lang="en-US" sz="2400" dirty="0" smtClean="0"/>
+              <a:t>April 25</a:t>
+            </a:r>
+            <a:r>
+              <a:rPr lang="en-US" sz="2400" baseline="30000" dirty="0" smtClean="0"/>
+              <a:t>th</a:t>
+            </a:r>
+            <a:r>
+              <a:rPr lang="en-US" sz="2400" dirty="0" smtClean="0"/>
+              <a:t>, 2011</a:t>
+            </a:r>
+            <a:endParaRPr lang="en-US" sz="2400" dirty="0"/>
           </a:p>
         </p:txBody>
       </p:sp>
@@ -3350,7 +3754,6 @@
               <a:rPr lang="en-US" dirty="0" smtClean="0"/>
               <a:t>Etc.</a:t>
             </a:r>
-            <a:endParaRPr lang="en-US" dirty="0" smtClean="0"/>
           </a:p>
         </p:txBody>
       </p:sp>
@@ -3422,7 +3825,7 @@
         <p:spPr/>
         <p:txBody>
           <a:bodyPr>
-            <a:normAutofit fontScale="92500" lnSpcReduction="20000"/>
+            <a:normAutofit/>
           </a:bodyPr>
           <a:lstStyle/>
           <a:p>
@@ -3451,7 +3854,6 @@
               <a:rPr lang="en-US" dirty="0" smtClean="0"/>
               <a:t>Start new threads</a:t>
             </a:r>
-            <a:endParaRPr lang="en-US" dirty="0" smtClean="0"/>
           </a:p>
           <a:p>
             <a:r>
@@ -3561,28 +3963,21 @@
         </p:nvSpPr>
         <p:spPr/>
         <p:txBody>
-          <a:bodyPr/>
-          <a:lstStyle/>
-          <a:p>
-            <a:r>
-              <a:rPr lang="en-US" dirty="0" smtClean="0"/>
-              <a:t>Typical </a:t>
-            </a:r>
-            <a:r>
-              <a:rPr lang="en-US" dirty="0" smtClean="0"/>
-              <a:t>forum actions</a:t>
-            </a:r>
-            <a:endParaRPr lang="en-US" dirty="0" smtClean="0"/>
+          <a:bodyPr>
+            <a:normAutofit/>
+          </a:bodyPr>
+          <a:lstStyle/>
+          <a:p>
+            <a:r>
+              <a:rPr lang="en-US" dirty="0" smtClean="0"/>
+              <a:t>Typical forum actions</a:t>
+            </a:r>
           </a:p>
           <a:p>
             <a:pPr lvl="1"/>
             <a:r>
               <a:rPr lang="en-US" dirty="0" smtClean="0"/>
-              <a:t>Thread </a:t>
-            </a:r>
-            <a:r>
-              <a:rPr lang="en-US" dirty="0" smtClean="0"/>
-              <a:t>starting and replying</a:t>
+              <a:t>Thread starting and replying</a:t>
             </a:r>
           </a:p>
           <a:p>
@@ -3592,11 +3987,7 @@
             </a:r>
             <a:r>
               <a:rPr lang="en-US" dirty="0" smtClean="0"/>
-              <a:t>uide user as much as possible with on screen </a:t>
-            </a:r>
-            <a:r>
-              <a:rPr lang="en-US" dirty="0" smtClean="0"/>
-              <a:t>messages</a:t>
+              <a:t>uide user as much as possible with on screen messages</a:t>
             </a:r>
           </a:p>
           <a:p>
@@ -3612,16 +4003,11 @@
               <a:rPr lang="en-US" dirty="0" smtClean="0"/>
               <a:t>Link to thread after replying</a:t>
             </a:r>
-            <a:endParaRPr lang="en-US" dirty="0" smtClean="0"/>
-          </a:p>
-          <a:p>
-            <a:r>
-              <a:rPr lang="en-US" dirty="0" smtClean="0"/>
-              <a:t>Easy to change password and </a:t>
-            </a:r>
-            <a:r>
-              <a:rPr lang="en-US" dirty="0" smtClean="0"/>
-              <a:t>email</a:t>
+          </a:p>
+          <a:p>
+            <a:r>
+              <a:rPr lang="en-US" dirty="0" smtClean="0"/>
+              <a:t>Easy to change password and email</a:t>
             </a:r>
           </a:p>
           <a:p>
@@ -3706,21 +4092,8 @@
           <a:p>
             <a:r>
               <a:rPr lang="en-US" dirty="0" smtClean="0"/>
-              <a:t>Most problems solved by our group </a:t>
-            </a:r>
-            <a:r>
-              <a:rPr lang="en-US" dirty="0" smtClean="0"/>
-              <a:t>meetings, talking </a:t>
-            </a:r>
-            <a:r>
-              <a:rPr lang="en-US" dirty="0" smtClean="0"/>
-              <a:t>through the </a:t>
-            </a:r>
-            <a:r>
-              <a:rPr lang="en-US" dirty="0" smtClean="0"/>
-              <a:t>issues, and testing for bugs</a:t>
-            </a:r>
-            <a:endParaRPr lang="en-US" dirty="0" smtClean="0"/>
+              <a:t>Most problems solved by our group meetings, talking through the issues, and testing for bugs</a:t>
+            </a:r>
           </a:p>
         </p:txBody>
       </p:sp>
@@ -3792,17 +4165,13 @@
         <p:spPr/>
         <p:txBody>
           <a:bodyPr>
-            <a:normAutofit fontScale="85000" lnSpcReduction="20000"/>
+            <a:normAutofit lnSpcReduction="10000"/>
           </a:bodyPr>
           <a:lstStyle/>
           <a:p>
             <a:r>
               <a:rPr lang="en-US" dirty="0" smtClean="0"/>
-              <a:t>Understanding POST and </a:t>
-            </a:r>
-            <a:r>
-              <a:rPr lang="en-US" dirty="0" smtClean="0"/>
-              <a:t>SESSION</a:t>
+              <a:t>Understanding POST and SESSION</a:t>
             </a:r>
           </a:p>
           <a:p>
@@ -3811,16 +4180,11 @@
               <a:rPr lang="en-US" dirty="0" smtClean="0"/>
               <a:t>Reading online and talking to other coders to learn</a:t>
             </a:r>
-            <a:endParaRPr lang="en-US" dirty="0" smtClean="0"/>
-          </a:p>
-          <a:p>
-            <a:r>
-              <a:rPr lang="en-US" dirty="0" smtClean="0"/>
-              <a:t>Using Google Code and </a:t>
-            </a:r>
-            <a:r>
-              <a:rPr lang="en-US" dirty="0" smtClean="0"/>
-              <a:t>SVN</a:t>
+          </a:p>
+          <a:p>
+            <a:r>
+              <a:rPr lang="en-US" dirty="0" smtClean="0"/>
+              <a:t>Using Google Code and SVN</a:t>
             </a:r>
           </a:p>
           <a:p>
@@ -3829,16 +4193,11 @@
               <a:rPr lang="en-US" dirty="0" smtClean="0"/>
               <a:t>Jin had experience and explained how to use it</a:t>
             </a:r>
-            <a:endParaRPr lang="en-US" dirty="0" smtClean="0"/>
-          </a:p>
-          <a:p>
-            <a:r>
-              <a:rPr lang="en-US" dirty="0" smtClean="0"/>
-              <a:t>Updating user info – code </a:t>
-            </a:r>
-            <a:r>
-              <a:rPr lang="en-US" dirty="0" smtClean="0"/>
-              <a:t>logic</a:t>
+          </a:p>
+          <a:p>
+            <a:r>
+              <a:rPr lang="en-US" dirty="0" smtClean="0"/>
+              <a:t>Updating user info – code logic</a:t>
             </a:r>
           </a:p>
           <a:p>
@@ -3847,7 +4206,6 @@
               <a:rPr lang="en-US" dirty="0" smtClean="0"/>
               <a:t>Learned some by trial and error and some by looking up code syntax online</a:t>
             </a:r>
-            <a:endParaRPr lang="en-US" dirty="0" smtClean="0"/>
           </a:p>
           <a:p>
             <a:r>
@@ -3861,7 +4219,6 @@
               <a:rPr lang="en-US" dirty="0" smtClean="0"/>
               <a:t>Organized the logic of the code to help solve</a:t>
             </a:r>
-            <a:endParaRPr lang="en-US" dirty="0" smtClean="0"/>
           </a:p>
           <a:p>
             <a:r>
@@ -3875,7 +4232,6 @@
               <a:rPr lang="en-US" dirty="0" smtClean="0"/>
               <a:t>Checking database for sticky bit field and ordering the sticky posts at the top of all other threads</a:t>
             </a:r>
-            <a:endParaRPr lang="en-US" dirty="0" smtClean="0"/>
           </a:p>
           <a:p>
             <a:endParaRPr lang="en-US" dirty="0"/>
@@ -3962,11 +4318,7 @@
           <a:p>
             <a:r>
               <a:rPr lang="en-US" dirty="0" smtClean="0"/>
-              <a:t>User choices for threads per page and thread ordering (newest first vs. oldest first</a:t>
-            </a:r>
-            <a:r>
-              <a:rPr lang="en-US" dirty="0" smtClean="0"/>
-              <a:t>)</a:t>
+              <a:t>User choices for threads per page and thread ordering (newest first vs. oldest first)</a:t>
             </a:r>
           </a:p>
           <a:p>
@@ -4086,9 +4438,9 @@
 </file>
 
 <file path=ppt/theme/theme1.xml><?xml version="1.0" encoding="utf-8"?>
-<a:theme xmlns:a="http://schemas.openxmlformats.org/drawingml/2006/main" name="Office Theme">
+<a:theme xmlns:a="http://schemas.openxmlformats.org/drawingml/2006/main" name="Carnival">
   <a:themeElements>
-    <a:clrScheme name="Office">
+    <a:clrScheme name="Carnival">
       <a:dk1>
         <a:sysClr val="windowText" lastClr="000000"/>
       </a:dk1>
@@ -4096,43 +4448,45 @@
         <a:sysClr val="window" lastClr="FFFFFF"/>
       </a:lt1>
       <a:dk2>
-        <a:srgbClr val="1F497D"/>
+        <a:srgbClr val="2A2D6C"/>
       </a:dk2>
       <a:lt2>
-        <a:srgbClr val="EEECE1"/>
+        <a:srgbClr val="FCED90"/>
       </a:lt2>
       <a:accent1>
-        <a:srgbClr val="4F81BD"/>
+        <a:srgbClr val="E0B602"/>
       </a:accent1>
       <a:accent2>
-        <a:srgbClr val="C0504D"/>
+        <a:srgbClr val="C77D00"/>
       </a:accent2>
       <a:accent3>
-        <a:srgbClr val="9BBB59"/>
+        <a:srgbClr val="C43D1F"/>
       </a:accent3>
       <a:accent4>
-        <a:srgbClr val="8064A2"/>
+        <a:srgbClr val="B42469"/>
       </a:accent4>
       <a:accent5>
-        <a:srgbClr val="4BACC6"/>
+        <a:srgbClr val="7B309B"/>
       </a:accent5>
       <a:accent6>
-        <a:srgbClr val="F79646"/>
+        <a:srgbClr val="4560AD"/>
       </a:accent6>
       <a:hlink>
-        <a:srgbClr val="0000FF"/>
+        <a:srgbClr val="118FBF"/>
       </a:hlink>
       <a:folHlink>
-        <a:srgbClr val="800080"/>
+        <a:srgbClr val="0CA15F"/>
       </a:folHlink>
     </a:clrScheme>
-    <a:fontScheme name="Office">
+    <a:fontScheme name="Carnival">
       <a:majorFont>
-        <a:latin typeface="Calibri"/>
+        <a:latin typeface="Bodoni MT"/>
         <a:ea typeface=""/>
         <a:cs typeface=""/>
-        <a:font script="Jpan" typeface="ＭＳ Ｐゴシック"/>
-        <a:font script="Hang" typeface="맑은 고딕"/>
+        <a:font script="Cyrl" typeface="Times New Roman"/>
+        <a:font script="Grek" typeface="Times New Roman"/>
+        <a:font script="Jpan" typeface="HG明朝E"/>
+        <a:font script="Hang" typeface="HY목각파임B"/>
         <a:font script="Hans" typeface="宋体"/>
         <a:font script="Hant" typeface="新細明體"/>
         <a:font script="Arab" typeface="Times New Roman"/>
@@ -4162,12 +4516,12 @@
         <a:font script="Uigh" typeface="Microsoft Uighur"/>
       </a:majorFont>
       <a:minorFont>
-        <a:latin typeface="Calibri"/>
+        <a:latin typeface="Verdana"/>
         <a:ea typeface=""/>
         <a:cs typeface=""/>
         <a:font script="Jpan" typeface="ＭＳ Ｐゴシック"/>
         <a:font script="Hang" typeface="맑은 고딕"/>
-        <a:font script="Hans" typeface="宋体"/>
+        <a:font script="Hans" typeface="华文楷体"/>
         <a:font script="Hant" typeface="新細明體"/>
         <a:font script="Arab" typeface="Arial"/>
         <a:font script="Hebr" typeface="Arial"/>
@@ -4175,7 +4529,7 @@
         <a:font script="Ethi" typeface="Nyala"/>
         <a:font script="Beng" typeface="Vrinda"/>
         <a:font script="Gujr" typeface="Shruti"/>
-        <a:font script="Khmr" typeface="DaunPenh"/>
+        <a:font script="Khmr" typeface="MoolBoran"/>
         <a:font script="Knda" typeface="Tunga"/>
         <a:font script="Guru" typeface="Raavi"/>
         <a:font script="Cans" typeface="Euphemia"/>
@@ -4196,75 +4550,104 @@
         <a:font script="Uigh" typeface="Microsoft Uighur"/>
       </a:minorFont>
     </a:fontScheme>
-    <a:fmtScheme name="Office">
+    <a:fmtScheme name="Carnival">
       <a:fillStyleLst>
         <a:solidFill>
-          <a:schemeClr val="phClr"/>
+          <a:schemeClr val="phClr">
+            <a:tint val="100000"/>
+          </a:schemeClr>
         </a:solidFill>
         <a:gradFill rotWithShape="1">
           <a:gsLst>
             <a:gs pos="0">
               <a:schemeClr val="phClr">
-                <a:tint val="50000"/>
-                <a:satMod val="300000"/>
+                <a:tint val="75000"/>
+                <a:satMod val="170000"/>
               </a:schemeClr>
             </a:gs>
-            <a:gs pos="35000">
+            <a:gs pos="37000">
               <a:schemeClr val="phClr">
-                <a:tint val="37000"/>
-                <a:satMod val="300000"/>
+                <a:tint val="50000"/>
+                <a:satMod val="180000"/>
+              </a:schemeClr>
+            </a:gs>
+            <a:gs pos="50000">
+              <a:schemeClr val="phClr">
+                <a:tint val="46000"/>
+                <a:satMod val="180000"/>
+              </a:schemeClr>
+            </a:gs>
+            <a:gs pos="64000">
+              <a:schemeClr val="phClr">
+                <a:tint val="50000"/>
+                <a:satMod val="180000"/>
               </a:schemeClr>
             </a:gs>
             <a:gs pos="100000">
               <a:schemeClr val="phClr">
-                <a:tint val="15000"/>
-                <a:satMod val="350000"/>
+                <a:tint val="75000"/>
+                <a:satMod val="170000"/>
               </a:schemeClr>
             </a:gs>
           </a:gsLst>
-          <a:lin ang="16200000" scaled="1"/>
+          <a:lin ang="5400000" scaled="0"/>
         </a:gradFill>
         <a:gradFill rotWithShape="1">
           <a:gsLst>
             <a:gs pos="0">
               <a:schemeClr val="phClr">
-                <a:shade val="51000"/>
-                <a:satMod val="130000"/>
+                <a:shade val="35000"/>
+                <a:satMod val="190000"/>
               </a:schemeClr>
             </a:gs>
-            <a:gs pos="80000">
+            <a:gs pos="30000">
               <a:schemeClr val="phClr">
-                <a:shade val="93000"/>
-                <a:satMod val="130000"/>
+                <a:shade val="64000"/>
+                <a:satMod val="165000"/>
+              </a:schemeClr>
+            </a:gs>
+            <a:gs pos="46000">
+              <a:schemeClr val="phClr">
+                <a:shade val="74000"/>
+                <a:satMod val="165000"/>
+              </a:schemeClr>
+            </a:gs>
+            <a:gs pos="56000">
+              <a:schemeClr val="phClr">
+                <a:shade val="74000"/>
+                <a:satMod val="165000"/>
+              </a:schemeClr>
+            </a:gs>
+            <a:gs pos="70000">
+              <a:schemeClr val="phClr">
+                <a:shade val="64000"/>
+                <a:satMod val="165000"/>
               </a:schemeClr>
             </a:gs>
             <a:gs pos="100000">
               <a:schemeClr val="phClr">
-                <a:shade val="94000"/>
-                <a:satMod val="135000"/>
+                <a:shade val="35000"/>
+                <a:satMod val="190000"/>
               </a:schemeClr>
             </a:gs>
           </a:gsLst>
-          <a:lin ang="16200000" scaled="0"/>
+          <a:lin ang="5400000" scaled="0"/>
         </a:gradFill>
       </a:fillStyleLst>
       <a:lnStyleLst>
-        <a:ln w="9525" cap="flat" cmpd="sng" algn="ctr">
-          <a:solidFill>
-            <a:schemeClr val="phClr">
-              <a:shade val="95000"/>
-              <a:satMod val="105000"/>
-            </a:schemeClr>
-          </a:solidFill>
-          <a:prstDash val="solid"/>
-        </a:ln>
-        <a:ln w="25400" cap="flat" cmpd="sng" algn="ctr">
+        <a:ln w="5000">
           <a:solidFill>
             <a:schemeClr val="phClr"/>
           </a:solidFill>
           <a:prstDash val="solid"/>
         </a:ln>
-        <a:ln w="38100" cap="flat" cmpd="sng" algn="ctr">
+        <a:ln w="12700">
+          <a:solidFill>
+            <a:schemeClr val="phClr"/>
+          </a:solidFill>
+          <a:prstDash val="solid"/>
+        </a:ln>
+        <a:ln w="28100">
           <a:solidFill>
             <a:schemeClr val="phClr"/>
           </a:solidFill>
@@ -4274,17 +4657,8 @@
       <a:effectStyleLst>
         <a:effectStyle>
           <a:effectLst>
-            <a:outerShdw blurRad="40000" dist="20000" dir="5400000" rotWithShape="0">
-              <a:srgbClr val="000000">
-                <a:alpha val="38000"/>
-              </a:srgbClr>
-            </a:outerShdw>
-          </a:effectLst>
-        </a:effectStyle>
-        <a:effectStyle>
-          <a:effectLst>
-            <a:outerShdw blurRad="40000" dist="23000" dir="5400000" rotWithShape="0">
-              <a:srgbClr val="000000">
+            <a:outerShdw blurRad="39000" dist="25400" dir="5400000">
+              <a:srgbClr val="1A0000">
                 <a:alpha val="35000"/>
               </a:srgbClr>
             </a:outerShdw>
@@ -4292,9 +4666,18 @@
         </a:effectStyle>
         <a:effectStyle>
           <a:effectLst>
-            <a:outerShdw blurRad="40000" dist="23000" dir="5400000" rotWithShape="0">
+            <a:outerShdw blurRad="39000" dist="25000" dir="5400000">
+              <a:srgbClr val="1A0000">
+                <a:alpha val="40000"/>
+              </a:srgbClr>
+            </a:outerShdw>
+          </a:effectLst>
+        </a:effectStyle>
+        <a:effectStyle>
+          <a:effectLst>
+            <a:outerShdw blurRad="39000" dist="25000" dir="5400000">
               <a:srgbClr val="000000">
-                <a:alpha val="35000"/>
+                <a:alpha val="40000"/>
               </a:srgbClr>
             </a:outerShdw>
           </a:effectLst>
@@ -4302,64 +4685,77 @@
             <a:camera prst="orthographicFront">
               <a:rot lat="0" lon="0" rev="0"/>
             </a:camera>
-            <a:lightRig rig="threePt" dir="t">
-              <a:rot lat="0" lon="0" rev="1200000"/>
+            <a:lightRig rig="contrasting" dir="tr">
+              <a:rot lat="0" lon="0" rev="7000000"/>
             </a:lightRig>
           </a:scene3d>
-          <a:sp3d>
-            <a:bevelT w="63500" h="25400"/>
+          <a:sp3d prstMaterial="powder">
+            <a:bevelT w="110000" h="50000"/>
           </a:sp3d>
         </a:effectStyle>
       </a:effectStyleLst>
       <a:bgFillStyleLst>
         <a:solidFill>
-          <a:schemeClr val="phClr"/>
+          <a:schemeClr val="phClr">
+            <a:tint val="100000"/>
+          </a:schemeClr>
         </a:solidFill>
         <a:gradFill rotWithShape="1">
           <a:gsLst>
             <a:gs pos="0">
               <a:schemeClr val="phClr">
-                <a:tint val="40000"/>
-                <a:satMod val="350000"/>
+                <a:shade val="68000"/>
+                <a:satMod val="150000"/>
               </a:schemeClr>
             </a:gs>
             <a:gs pos="40000">
               <a:schemeClr val="phClr">
-                <a:tint val="45000"/>
-                <a:shade val="99000"/>
-                <a:satMod val="350000"/>
+                <a:tint val="90000"/>
+                <a:satMod val="220000"/>
+              </a:schemeClr>
+            </a:gs>
+            <a:gs pos="50000">
+              <a:schemeClr val="phClr">
+                <a:tint val="86500"/>
+                <a:satMod val="255000"/>
+              </a:schemeClr>
+            </a:gs>
+            <a:gs pos="53000">
+              <a:schemeClr val="phClr">
+                <a:tint val="86500"/>
+                <a:satMod val="255000"/>
+              </a:schemeClr>
+            </a:gs>
+            <a:gs pos="62000">
+              <a:schemeClr val="phClr">
+                <a:tint val="90000"/>
+                <a:satMod val="220000"/>
               </a:schemeClr>
             </a:gs>
             <a:gs pos="100000">
               <a:schemeClr val="phClr">
-                <a:shade val="20000"/>
-                <a:satMod val="255000"/>
+                <a:shade val="68000"/>
+                <a:satMod val="150000"/>
               </a:schemeClr>
             </a:gs>
           </a:gsLst>
-          <a:path path="circle">
-            <a:fillToRect l="50000" t="-80000" r="50000" b="180000"/>
-          </a:path>
+          <a:lin ang="5400000" scaled="0"/>
         </a:gradFill>
-        <a:gradFill rotWithShape="1">
-          <a:gsLst>
-            <a:gs pos="0">
+        <a:blipFill>
+          <a:blip xmlns:r="http://schemas.openxmlformats.org/officeDocument/2006/relationships" r:embed="rId1">
+            <a:duotone>
               <a:schemeClr val="phClr">
-                <a:tint val="80000"/>
-                <a:satMod val="300000"/>
+                <a:tint val="95000"/>
+                <a:satMod val="190000"/>
               </a:schemeClr>
-            </a:gs>
-            <a:gs pos="100000">
               <a:schemeClr val="phClr">
-                <a:shade val="30000"/>
-                <a:satMod val="200000"/>
+                <a:shade val="78000"/>
+                <a:satMod val="180000"/>
               </a:schemeClr>
-            </a:gs>
-          </a:gsLst>
-          <a:path path="circle">
-            <a:fillToRect l="50000" t="50000" r="50000" b="50000"/>
-          </a:path>
-        </a:gradFill>
+            </a:duotone>
+          </a:blip>
+          <a:tile tx="0" ty="0" sx="100000" sy="100000" flip="none" algn="tl"/>
+        </a:blipFill>
       </a:bgFillStyleLst>
     </a:fmtScheme>
   </a:themeElements>

--- a/trunk/J2_Forum.pptx
+++ b/trunk/J2_Forum.pptx
@@ -3450,10 +3450,10 @@
           <p:nvPr/>
         </p:nvPicPr>
         <p:blipFill>
-          <a:blip r:embed="rId2">
+          <a:blip r:embed="rId2" cstate="print">
             <a:extLst>
               <a:ext uri="{28A0092B-C50C-407E-A947-70E740481C1C}">
-                <a14:useLocalDpi xmlns:a14="http://schemas.microsoft.com/office/drawing/2010/main" val="0"/>
+                <a14:useLocalDpi xmlns:a14="http://schemas.microsoft.com/office/drawing/2010/main" xmlns="" val="0"/>
               </a:ext>
             </a:extLst>
           </a:blip>
@@ -3501,11 +3501,7 @@
           <a:p>
             <a:r>
               <a:rPr lang="en-US" sz="3200" dirty="0" smtClean="0"/>
-              <a:t>Jason </a:t>
-            </a:r>
-            <a:r>
-              <a:rPr lang="en-US" sz="3200" dirty="0" smtClean="0"/>
-              <a:t>Campbell</a:t>
+              <a:t>Jason Campbell</a:t>
             </a:r>
           </a:p>
           <a:p>
@@ -3595,45 +3591,104 @@
           <a:bodyPr/>
           <a:lstStyle/>
           <a:p>
+            <a:pPr>
+              <a:lnSpc>
+                <a:spcPct val="150000"/>
+              </a:lnSpc>
+            </a:pPr>
             <a:r>
               <a:rPr lang="en-US" dirty="0" smtClean="0"/>
               <a:t>Why we chose the project</a:t>
             </a:r>
           </a:p>
           <a:p>
-            <a:r>
-              <a:rPr lang="en-US" dirty="0" smtClean="0"/>
-              <a:t>Forum overview</a:t>
-            </a:r>
-          </a:p>
-          <a:p>
-            <a:r>
-              <a:rPr lang="en-US" dirty="0" smtClean="0"/>
-              <a:t>User interaction with the forum</a:t>
-            </a:r>
-          </a:p>
-          <a:p>
-            <a:r>
-              <a:rPr lang="en-US" dirty="0" smtClean="0"/>
-              <a:t>How we communicated during the design</a:t>
-            </a:r>
-          </a:p>
-          <a:p>
-            <a:r>
-              <a:rPr lang="en-US" dirty="0" smtClean="0"/>
-              <a:t>Problems encountered/solved</a:t>
-            </a:r>
-          </a:p>
-          <a:p>
-            <a:r>
-              <a:rPr lang="en-US" dirty="0" smtClean="0"/>
-              <a:t>Future expansion?</a:t>
-            </a:r>
-          </a:p>
-          <a:p>
-            <a:r>
-              <a:rPr lang="en-US" dirty="0" smtClean="0"/>
-              <a:t>Demo of the forum</a:t>
+            <a:pPr>
+              <a:lnSpc>
+                <a:spcPct val="150000"/>
+              </a:lnSpc>
+            </a:pPr>
+            <a:r>
+              <a:rPr lang="en-US" dirty="0" smtClean="0"/>
+              <a:t>Forum </a:t>
+            </a:r>
+            <a:r>
+              <a:rPr lang="en-US" dirty="0" smtClean="0"/>
+              <a:t>overview</a:t>
+            </a:r>
+          </a:p>
+          <a:p>
+            <a:pPr>
+              <a:lnSpc>
+                <a:spcPct val="150000"/>
+              </a:lnSpc>
+            </a:pPr>
+            <a:r>
+              <a:rPr lang="en-US" dirty="0" smtClean="0"/>
+              <a:t>User </a:t>
+            </a:r>
+            <a:r>
+              <a:rPr lang="en-US" dirty="0" smtClean="0"/>
+              <a:t>interaction with the forum</a:t>
+            </a:r>
+          </a:p>
+          <a:p>
+            <a:pPr>
+              <a:lnSpc>
+                <a:spcPct val="150000"/>
+              </a:lnSpc>
+            </a:pPr>
+            <a:r>
+              <a:rPr lang="en-US" dirty="0" smtClean="0"/>
+              <a:t>How </a:t>
+            </a:r>
+            <a:r>
+              <a:rPr lang="en-US" dirty="0" smtClean="0"/>
+              <a:t>we communicated during the design</a:t>
+            </a:r>
+          </a:p>
+          <a:p>
+            <a:pPr>
+              <a:lnSpc>
+                <a:spcPct val="150000"/>
+              </a:lnSpc>
+            </a:pPr>
+            <a:r>
+              <a:rPr lang="en-US" dirty="0" smtClean="0"/>
+              <a:t>Problems </a:t>
+            </a:r>
+            <a:r>
+              <a:rPr lang="en-US" dirty="0" smtClean="0"/>
+              <a:t>encountered/solved</a:t>
+            </a:r>
+          </a:p>
+          <a:p>
+            <a:pPr>
+              <a:lnSpc>
+                <a:spcPct val="150000"/>
+              </a:lnSpc>
+            </a:pPr>
+            <a:r>
+              <a:rPr lang="en-US" dirty="0" smtClean="0"/>
+              <a:t>Future </a:t>
+            </a:r>
+            <a:r>
+              <a:rPr lang="en-US" dirty="0" smtClean="0"/>
+              <a:t>expansion?</a:t>
+            </a:r>
+          </a:p>
+          <a:p>
+            <a:pPr>
+              <a:lnSpc>
+                <a:spcPct val="150000"/>
+              </a:lnSpc>
+            </a:pPr>
+            <a:r>
+              <a:rPr lang="en-US" dirty="0" smtClean="0"/>
+              <a:t>Demo </a:t>
+            </a:r>
+            <a:r>
+              <a:rPr lang="en-US" dirty="0" smtClean="0"/>
+              <a:t>of the forum</a:t>
             </a:r>
             <a:endParaRPr lang="en-US" dirty="0"/>
           </a:p>
@@ -3709,47 +3764,77 @@
           <a:bodyPr/>
           <a:lstStyle/>
           <a:p>
+            <a:pPr>
+              <a:lnSpc>
+                <a:spcPct val="150000"/>
+              </a:lnSpc>
+            </a:pPr>
             <a:r>
               <a:rPr lang="en-US" dirty="0" smtClean="0"/>
               <a:t>Project idea chosen by Jin</a:t>
             </a:r>
           </a:p>
           <a:p>
-            <a:pPr lvl="1"/>
+            <a:pPr lvl="1">
+              <a:lnSpc>
+                <a:spcPct val="150000"/>
+              </a:lnSpc>
+            </a:pPr>
             <a:r>
               <a:rPr lang="en-US" dirty="0" smtClean="0"/>
               <a:t>Web 2.0 – user created content is the trend</a:t>
             </a:r>
           </a:p>
           <a:p>
-            <a:pPr lvl="1"/>
+            <a:pPr lvl="1">
+              <a:lnSpc>
+                <a:spcPct val="150000"/>
+              </a:lnSpc>
+            </a:pPr>
             <a:r>
               <a:rPr lang="en-US" dirty="0" smtClean="0"/>
               <a:t>Liked idea of open discussion topics</a:t>
             </a:r>
           </a:p>
           <a:p>
+            <a:pPr>
+              <a:lnSpc>
+                <a:spcPct val="150000"/>
+              </a:lnSpc>
+            </a:pPr>
             <a:r>
               <a:rPr lang="en-US" dirty="0" smtClean="0"/>
               <a:t>Potential for business concept:</a:t>
             </a:r>
           </a:p>
           <a:p>
-            <a:pPr lvl="1"/>
+            <a:pPr lvl="1">
+              <a:lnSpc>
+                <a:spcPct val="150000"/>
+              </a:lnSpc>
+            </a:pPr>
             <a:r>
               <a:rPr lang="en-US" dirty="0" smtClean="0"/>
               <a:t>Advertising</a:t>
             </a:r>
           </a:p>
           <a:p>
-            <a:pPr lvl="1"/>
+            <a:pPr lvl="1">
+              <a:lnSpc>
+                <a:spcPct val="150000"/>
+              </a:lnSpc>
+            </a:pPr>
             <a:r>
               <a:rPr lang="en-US" dirty="0" smtClean="0"/>
               <a:t>Email subscriptions</a:t>
             </a:r>
           </a:p>
           <a:p>
-            <a:pPr lvl="1"/>
+            <a:pPr lvl="1">
+              <a:lnSpc>
+                <a:spcPct val="150000"/>
+              </a:lnSpc>
+            </a:pPr>
             <a:r>
               <a:rPr lang="en-US" dirty="0" smtClean="0"/>
               <a:t>Etc.</a:t>
@@ -3825,69 +3910,114 @@
         <p:spPr/>
         <p:txBody>
           <a:bodyPr>
-            <a:normAutofit/>
+            <a:normAutofit fontScale="85000" lnSpcReduction="20000"/>
           </a:bodyPr>
           <a:lstStyle/>
           <a:p>
+            <a:pPr>
+              <a:lnSpc>
+                <a:spcPct val="150000"/>
+              </a:lnSpc>
+            </a:pPr>
             <a:r>
               <a:rPr lang="en-US" dirty="0" smtClean="0"/>
               <a:t>Forum</a:t>
             </a:r>
           </a:p>
           <a:p>
-            <a:pPr lvl="1"/>
+            <a:pPr lvl="1">
+              <a:lnSpc>
+                <a:spcPct val="150000"/>
+              </a:lnSpc>
+            </a:pPr>
             <a:r>
               <a:rPr lang="en-US" dirty="0" smtClean="0"/>
               <a:t>User accounts – login/logout</a:t>
             </a:r>
           </a:p>
           <a:p>
-            <a:pPr lvl="1"/>
+            <a:pPr lvl="1">
+              <a:lnSpc>
+                <a:spcPct val="150000"/>
+              </a:lnSpc>
+            </a:pPr>
             <a:r>
               <a:rPr lang="en-US" dirty="0" smtClean="0"/>
               <a:t>View and reply to threads</a:t>
             </a:r>
           </a:p>
           <a:p>
-            <a:pPr lvl="1"/>
+            <a:pPr lvl="1">
+              <a:lnSpc>
+                <a:spcPct val="150000"/>
+              </a:lnSpc>
+            </a:pPr>
             <a:r>
               <a:rPr lang="en-US" dirty="0" smtClean="0"/>
               <a:t>Start new threads</a:t>
             </a:r>
           </a:p>
           <a:p>
+            <a:pPr>
+              <a:lnSpc>
+                <a:spcPct val="150000"/>
+              </a:lnSpc>
+            </a:pPr>
             <a:r>
               <a:rPr lang="en-US" dirty="0" smtClean="0"/>
               <a:t>First Time User Registration</a:t>
             </a:r>
           </a:p>
           <a:p>
+            <a:pPr>
+              <a:lnSpc>
+                <a:spcPct val="150000"/>
+              </a:lnSpc>
+            </a:pPr>
             <a:r>
               <a:rPr lang="en-US" dirty="0" smtClean="0"/>
               <a:t>User Control Panel</a:t>
             </a:r>
           </a:p>
           <a:p>
-            <a:pPr lvl="1"/>
+            <a:pPr lvl="1">
+              <a:lnSpc>
+                <a:spcPct val="150000"/>
+              </a:lnSpc>
+            </a:pPr>
             <a:r>
               <a:rPr lang="en-US" dirty="0" smtClean="0"/>
               <a:t>User info, email address, statistics</a:t>
             </a:r>
           </a:p>
           <a:p>
-            <a:pPr lvl="1"/>
+            <a:pPr lvl="1">
+              <a:lnSpc>
+                <a:spcPct val="150000"/>
+              </a:lnSpc>
+            </a:pPr>
             <a:r>
               <a:rPr lang="en-US" dirty="0" smtClean="0"/>
               <a:t>Change password and email address</a:t>
             </a:r>
           </a:p>
           <a:p>
+            <a:pPr>
+              <a:lnSpc>
+                <a:spcPct val="150000"/>
+              </a:lnSpc>
+            </a:pPr>
             <a:r>
               <a:rPr lang="en-US" dirty="0" smtClean="0"/>
               <a:t>About Us</a:t>
             </a:r>
           </a:p>
           <a:p>
+            <a:pPr>
+              <a:lnSpc>
+                <a:spcPct val="150000"/>
+              </a:lnSpc>
+            </a:pPr>
             <a:r>
               <a:rPr lang="en-US" dirty="0" smtClean="0"/>
               <a:t>Help</a:t>
@@ -3964,23 +4094,37 @@
         <p:spPr/>
         <p:txBody>
           <a:bodyPr>
-            <a:normAutofit/>
+            <a:normAutofit lnSpcReduction="10000"/>
           </a:bodyPr>
           <a:lstStyle/>
           <a:p>
+            <a:pPr>
+              <a:lnSpc>
+                <a:spcPct val="150000"/>
+              </a:lnSpc>
+            </a:pPr>
             <a:r>
               <a:rPr lang="en-US" dirty="0" smtClean="0"/>
               <a:t>Typical forum actions</a:t>
             </a:r>
           </a:p>
           <a:p>
-            <a:pPr lvl="1"/>
+            <a:pPr lvl="1">
+              <a:lnSpc>
+                <a:spcPct val="150000"/>
+              </a:lnSpc>
+            </a:pPr>
             <a:r>
               <a:rPr lang="en-US" dirty="0" smtClean="0"/>
               <a:t>Thread starting and replying</a:t>
             </a:r>
           </a:p>
           <a:p>
+            <a:pPr>
+              <a:lnSpc>
+                <a:spcPct val="150000"/>
+              </a:lnSpc>
+            </a:pPr>
             <a:r>
               <a:rPr lang="en-US" dirty="0"/>
               <a:t>G</a:t>
@@ -3991,27 +4135,44 @@
             </a:r>
           </a:p>
           <a:p>
-            <a:pPr lvl="1"/>
+            <a:pPr lvl="1">
+              <a:lnSpc>
+                <a:spcPct val="150000"/>
+              </a:lnSpc>
+            </a:pPr>
             <a:r>
               <a:rPr lang="en-US" dirty="0" smtClean="0"/>
               <a:t>Password mismatch error messages</a:t>
             </a:r>
           </a:p>
           <a:p>
-            <a:pPr lvl="1"/>
+            <a:pPr lvl="1">
+              <a:lnSpc>
+                <a:spcPct val="150000"/>
+              </a:lnSpc>
+            </a:pPr>
             <a:r>
               <a:rPr lang="en-US" dirty="0" smtClean="0"/>
               <a:t>Link to thread after replying</a:t>
             </a:r>
           </a:p>
           <a:p>
+            <a:pPr>
+              <a:lnSpc>
+                <a:spcPct val="150000"/>
+              </a:lnSpc>
+            </a:pPr>
             <a:r>
               <a:rPr lang="en-US" dirty="0" smtClean="0"/>
               <a:t>Easy to change password and email</a:t>
             </a:r>
           </a:p>
           <a:p>
-            <a:pPr lvl="1"/>
+            <a:pPr lvl="1">
+              <a:lnSpc>
+                <a:spcPct val="150000"/>
+              </a:lnSpc>
+            </a:pPr>
             <a:r>
               <a:rPr lang="en-US" dirty="0" smtClean="0"/>
               <a:t>Requires current password confirmation</a:t>
@@ -4165,7 +4326,7 @@
         <p:spPr/>
         <p:txBody>
           <a:bodyPr>
-            <a:normAutofit lnSpcReduction="10000"/>
+            <a:normAutofit fontScale="85000" lnSpcReduction="20000"/>
           </a:bodyPr>
           <a:lstStyle/>
           <a:p>
@@ -4178,8 +4339,15 @@
             <a:pPr lvl="1"/>
             <a:r>
               <a:rPr lang="en-US" dirty="0" smtClean="0"/>
-              <a:t>Reading online and talking to other coders to learn</a:t>
-            </a:r>
+              <a:t>Reading online and talking to other coders to </a:t>
+            </a:r>
+            <a:r>
+              <a:rPr lang="en-US" dirty="0" smtClean="0"/>
+              <a:t>learn</a:t>
+            </a:r>
+          </a:p>
+          <a:p>
+            <a:endParaRPr lang="en-US" dirty="0" smtClean="0"/>
           </a:p>
           <a:p>
             <a:r>
@@ -4195,9 +4363,16 @@
             </a:r>
           </a:p>
           <a:p>
-            <a:r>
-              <a:rPr lang="en-US" dirty="0" smtClean="0"/>
-              <a:t>Updating user info – code logic</a:t>
+            <a:endParaRPr lang="en-US" dirty="0" smtClean="0"/>
+          </a:p>
+          <a:p>
+            <a:r>
+              <a:rPr lang="en-US" dirty="0" smtClean="0"/>
+              <a:t>Updating </a:t>
+            </a:r>
+            <a:r>
+              <a:rPr lang="en-US" dirty="0" smtClean="0"/>
+              <a:t>user info – code logic</a:t>
             </a:r>
           </a:p>
           <a:p>
@@ -4208,9 +4383,16 @@
             </a:r>
           </a:p>
           <a:p>
-            <a:r>
-              <a:rPr lang="en-US" dirty="0" smtClean="0"/>
-              <a:t>Thread Ordering</a:t>
+            <a:endParaRPr lang="en-US" dirty="0" smtClean="0"/>
+          </a:p>
+          <a:p>
+            <a:r>
+              <a:rPr lang="en-US" dirty="0" smtClean="0"/>
+              <a:t>Thread </a:t>
+            </a:r>
+            <a:r>
+              <a:rPr lang="en-US" dirty="0" smtClean="0"/>
+              <a:t>Ordering</a:t>
             </a:r>
           </a:p>
           <a:p>
@@ -4221,9 +4403,16 @@
             </a:r>
           </a:p>
           <a:p>
-            <a:r>
-              <a:rPr lang="en-US" dirty="0" smtClean="0"/>
-              <a:t>Sticky Posts</a:t>
+            <a:endParaRPr lang="en-US" dirty="0" smtClean="0"/>
+          </a:p>
+          <a:p>
+            <a:r>
+              <a:rPr lang="en-US" dirty="0" smtClean="0"/>
+              <a:t>Sticky </a:t>
+            </a:r>
+            <a:r>
+              <a:rPr lang="en-US" dirty="0" smtClean="0"/>
+              <a:t>Posts</a:t>
             </a:r>
           </a:p>
           <a:p>
@@ -4310,18 +4499,75 @@
           <a:bodyPr/>
           <a:lstStyle/>
           <a:p>
+            <a:pPr>
+              <a:lnSpc>
+                <a:spcPct val="150000"/>
+              </a:lnSpc>
+            </a:pPr>
             <a:r>
               <a:rPr lang="en-US" dirty="0" smtClean="0"/>
               <a:t>Avatars</a:t>
             </a:r>
           </a:p>
           <a:p>
-            <a:r>
-              <a:rPr lang="en-US" dirty="0" smtClean="0"/>
-              <a:t>User choices for threads per page and thread ordering (newest first vs. oldest first)</a:t>
-            </a:r>
-          </a:p>
-          <a:p>
+            <a:pPr>
+              <a:lnSpc>
+                <a:spcPct val="150000"/>
+              </a:lnSpc>
+            </a:pPr>
+            <a:r>
+              <a:rPr lang="en-US" dirty="0" smtClean="0"/>
+              <a:t>User </a:t>
+            </a:r>
+            <a:r>
+              <a:rPr lang="en-US" dirty="0" smtClean="0"/>
+              <a:t>options</a:t>
+            </a:r>
+          </a:p>
+          <a:p>
+            <a:pPr lvl="1">
+              <a:lnSpc>
+                <a:spcPct val="150000"/>
+              </a:lnSpc>
+            </a:pPr>
+            <a:r>
+              <a:rPr lang="en-US" dirty="0" smtClean="0"/>
+              <a:t>Threads </a:t>
+            </a:r>
+            <a:r>
+              <a:rPr lang="en-US" dirty="0" smtClean="0"/>
+              <a:t>per </a:t>
+            </a:r>
+            <a:r>
+              <a:rPr lang="en-US" dirty="0" smtClean="0"/>
+              <a:t>page</a:t>
+            </a:r>
+          </a:p>
+          <a:p>
+            <a:pPr lvl="1">
+              <a:lnSpc>
+                <a:spcPct val="150000"/>
+              </a:lnSpc>
+            </a:pPr>
+            <a:r>
+              <a:rPr lang="en-US" dirty="0" smtClean="0"/>
+              <a:t>T</a:t>
+            </a:r>
+            <a:r>
+              <a:rPr lang="en-US" dirty="0" smtClean="0"/>
+              <a:t>hread </a:t>
+            </a:r>
+            <a:r>
+              <a:rPr lang="en-US" dirty="0" smtClean="0"/>
+              <a:t>ordering (newest first vs. oldest first)</a:t>
+            </a:r>
+          </a:p>
+          <a:p>
+            <a:pPr>
+              <a:lnSpc>
+                <a:spcPct val="150000"/>
+              </a:lnSpc>
+            </a:pPr>
             <a:r>
               <a:rPr lang="en-US" dirty="0" smtClean="0"/>
               <a:t>Editing and deleting own posts</a:t>
@@ -4329,12 +4575,22 @@
             <a:endParaRPr lang="en-US" dirty="0"/>
           </a:p>
           <a:p>
+            <a:pPr>
+              <a:lnSpc>
+                <a:spcPct val="150000"/>
+              </a:lnSpc>
+            </a:pPr>
             <a:r>
               <a:rPr lang="en-US" dirty="0" smtClean="0"/>
               <a:t>Administration system improvements</a:t>
             </a:r>
           </a:p>
           <a:p>
+            <a:pPr>
+              <a:lnSpc>
+                <a:spcPct val="150000"/>
+              </a:lnSpc>
+            </a:pPr>
             <a:r>
               <a:rPr lang="en-US" dirty="0" smtClean="0"/>
               <a:t>User forgot password</a:t>

--- a/trunk/J2_Forum.pptx
+++ b/trunk/J2_Forum.pptx
@@ -10,10 +10,12 @@
     <p:sldId id="258" r:id="rId4"/>
     <p:sldId id="259" r:id="rId5"/>
     <p:sldId id="260" r:id="rId6"/>
-    <p:sldId id="266" r:id="rId7"/>
-    <p:sldId id="261" r:id="rId8"/>
-    <p:sldId id="263" r:id="rId9"/>
-    <p:sldId id="264" r:id="rId10"/>
+    <p:sldId id="268" r:id="rId7"/>
+    <p:sldId id="266" r:id="rId8"/>
+    <p:sldId id="261" r:id="rId9"/>
+    <p:sldId id="263" r:id="rId10"/>
+    <p:sldId id="267" r:id="rId11"/>
+    <p:sldId id="264" r:id="rId12"/>
   </p:sldIdLst>
   <p:sldSz cx="9144000" cy="6858000" type="screen4x3"/>
   <p:notesSz cx="6858000" cy="9144000"/>
@@ -3536,6 +3538,239 @@
 </p:sld>
 </file>
 
+<file path=ppt/slides/slide10.xml><?xml version="1.0" encoding="utf-8"?>
+<p:sld xmlns:a="http://schemas.openxmlformats.org/drawingml/2006/main" xmlns:r="http://schemas.openxmlformats.org/officeDocument/2006/relationships" xmlns:p="http://schemas.openxmlformats.org/presentationml/2006/main">
+  <p:cSld>
+    <p:spTree>
+      <p:nvGrpSpPr>
+        <p:cNvPr id="1" name=""/>
+        <p:cNvGrpSpPr/>
+        <p:nvPr/>
+      </p:nvGrpSpPr>
+      <p:grpSpPr>
+        <a:xfrm>
+          <a:off x="0" y="0"/>
+          <a:ext cx="0" cy="0"/>
+          <a:chOff x="0" y="0"/>
+          <a:chExt cx="0" cy="0"/>
+        </a:xfrm>
+      </p:grpSpPr>
+      <p:sp>
+        <p:nvSpPr>
+          <p:cNvPr id="2" name="Title 1"/>
+          <p:cNvSpPr>
+            <a:spLocks noGrp="1"/>
+          </p:cNvSpPr>
+          <p:nvPr>
+            <p:ph type="title"/>
+          </p:nvPr>
+        </p:nvSpPr>
+        <p:spPr/>
+        <p:txBody>
+          <a:bodyPr/>
+          <a:lstStyle/>
+          <a:p>
+            <a:r>
+              <a:rPr lang="en-US" dirty="0" smtClean="0"/>
+              <a:t>Fun Facts</a:t>
+            </a:r>
+            <a:endParaRPr lang="en-US" dirty="0"/>
+          </a:p>
+        </p:txBody>
+      </p:sp>
+      <p:sp>
+        <p:nvSpPr>
+          <p:cNvPr id="3" name="Content Placeholder 2"/>
+          <p:cNvSpPr>
+            <a:spLocks noGrp="1"/>
+          </p:cNvSpPr>
+          <p:nvPr>
+            <p:ph idx="1"/>
+          </p:nvPr>
+        </p:nvSpPr>
+        <p:spPr/>
+        <p:txBody>
+          <a:bodyPr/>
+          <a:lstStyle/>
+          <a:p>
+            <a:pPr>
+              <a:lnSpc>
+                <a:spcPct val="150000"/>
+              </a:lnSpc>
+            </a:pPr>
+            <a:r>
+              <a:rPr lang="en-US" dirty="0" smtClean="0"/>
+              <a:t>File count:  26 files</a:t>
+            </a:r>
+          </a:p>
+          <a:p>
+            <a:pPr>
+              <a:lnSpc>
+                <a:spcPct val="150000"/>
+              </a:lnSpc>
+            </a:pPr>
+            <a:r>
+              <a:rPr lang="en-US" dirty="0" smtClean="0"/>
+              <a:t>Lines of code:</a:t>
+            </a:r>
+            <a:endParaRPr lang="en-US" dirty="0" smtClean="0"/>
+          </a:p>
+          <a:p>
+            <a:pPr lvl="1"/>
+            <a:r>
+              <a:rPr lang="en-US" dirty="0" smtClean="0"/>
+              <a:t>Comment lines:  58</a:t>
+            </a:r>
+          </a:p>
+          <a:p>
+            <a:pPr lvl="1"/>
+            <a:r>
+              <a:rPr lang="en-US" dirty="0" smtClean="0"/>
+              <a:t>Blank lines:  184</a:t>
+            </a:r>
+          </a:p>
+          <a:p>
+            <a:pPr lvl="1"/>
+            <a:r>
+              <a:rPr lang="en-US" dirty="0" smtClean="0"/>
+              <a:t>CSS:  142</a:t>
+            </a:r>
+          </a:p>
+          <a:p>
+            <a:pPr lvl="1"/>
+            <a:r>
+              <a:rPr lang="en-US" dirty="0" smtClean="0"/>
+              <a:t>PHP:  1237</a:t>
+            </a:r>
+          </a:p>
+          <a:p>
+            <a:pPr lvl="1"/>
+            <a:r>
+              <a:rPr lang="en-US" dirty="0" smtClean="0"/>
+              <a:t>Total:  1621</a:t>
+            </a:r>
+          </a:p>
+          <a:p>
+            <a:pPr>
+              <a:lnSpc>
+                <a:spcPct val="150000"/>
+              </a:lnSpc>
+            </a:pPr>
+            <a:r>
+              <a:rPr lang="en-US" dirty="0" smtClean="0"/>
+              <a:t>Code revisions:  TBD</a:t>
+            </a:r>
+            <a:endParaRPr lang="en-US" dirty="0" smtClean="0"/>
+          </a:p>
+        </p:txBody>
+      </p:sp>
+    </p:spTree>
+  </p:cSld>
+  <p:clrMapOvr>
+    <a:masterClrMapping/>
+  </p:clrMapOvr>
+  <p:timing>
+    <p:tnLst>
+      <p:par>
+        <p:cTn id="1" dur="indefinite" restart="never" nodeType="tmRoot"/>
+      </p:par>
+    </p:tnLst>
+  </p:timing>
+</p:sld>
+</file>
+
+<file path=ppt/slides/slide11.xml><?xml version="1.0" encoding="utf-8"?>
+<p:sld xmlns:a="http://schemas.openxmlformats.org/drawingml/2006/main" xmlns:r="http://schemas.openxmlformats.org/officeDocument/2006/relationships" xmlns:p="http://schemas.openxmlformats.org/presentationml/2006/main">
+  <p:cSld>
+    <p:spTree>
+      <p:nvGrpSpPr>
+        <p:cNvPr id="1" name=""/>
+        <p:cNvGrpSpPr/>
+        <p:nvPr/>
+      </p:nvGrpSpPr>
+      <p:grpSpPr>
+        <a:xfrm>
+          <a:off x="0" y="0"/>
+          <a:ext cx="0" cy="0"/>
+          <a:chOff x="0" y="0"/>
+          <a:chExt cx="0" cy="0"/>
+        </a:xfrm>
+      </p:grpSpPr>
+      <p:sp>
+        <p:nvSpPr>
+          <p:cNvPr id="2" name="Title 1"/>
+          <p:cNvSpPr>
+            <a:spLocks noGrp="1"/>
+          </p:cNvSpPr>
+          <p:nvPr>
+            <p:ph type="title"/>
+          </p:nvPr>
+        </p:nvSpPr>
+        <p:spPr/>
+        <p:txBody>
+          <a:bodyPr/>
+          <a:lstStyle/>
+          <a:p>
+            <a:r>
+              <a:rPr lang="en-US" dirty="0" smtClean="0"/>
+              <a:t>Demonstration</a:t>
+            </a:r>
+            <a:endParaRPr lang="en-US" dirty="0"/>
+          </a:p>
+        </p:txBody>
+      </p:sp>
+      <p:sp>
+        <p:nvSpPr>
+          <p:cNvPr id="3" name="Content Placeholder 2"/>
+          <p:cNvSpPr>
+            <a:spLocks noGrp="1"/>
+          </p:cNvSpPr>
+          <p:nvPr>
+            <p:ph idx="1"/>
+          </p:nvPr>
+        </p:nvSpPr>
+        <p:spPr/>
+        <p:txBody>
+          <a:bodyPr/>
+          <a:lstStyle/>
+          <a:p>
+            <a:r>
+              <a:rPr lang="en-US" dirty="0" smtClean="0">
+                <a:hlinkClick r:id="rId2"/>
+              </a:rPr>
+              <a:t>Welcome to the J</a:t>
+            </a:r>
+            <a:r>
+              <a:rPr lang="en-US" baseline="30000" dirty="0" smtClean="0">
+                <a:hlinkClick r:id="rId2"/>
+              </a:rPr>
+              <a:t>2</a:t>
+            </a:r>
+            <a:r>
+              <a:rPr lang="en-US" dirty="0" smtClean="0">
+                <a:hlinkClick r:id="rId2"/>
+              </a:rPr>
+              <a:t> Forum!</a:t>
+            </a:r>
+            <a:endParaRPr lang="en-US" dirty="0"/>
+          </a:p>
+        </p:txBody>
+      </p:sp>
+    </p:spTree>
+  </p:cSld>
+  <p:clrMapOvr>
+    <a:masterClrMapping/>
+  </p:clrMapOvr>
+  <p:timing>
+    <p:tnLst>
+      <p:par>
+        <p:cTn id="1" dur="indefinite" restart="never" nodeType="tmRoot"/>
+      </p:par>
+    </p:tnLst>
+  </p:timing>
+</p:sld>
+</file>
+
 <file path=ppt/slides/slide2.xml><?xml version="1.0" encoding="utf-8"?>
 <p:sld xmlns:a="http://schemas.openxmlformats.org/drawingml/2006/main" xmlns:r="http://schemas.openxmlformats.org/officeDocument/2006/relationships" xmlns:p="http://schemas.openxmlformats.org/presentationml/2006/main">
   <p:cSld>
@@ -3588,7 +3823,9 @@
         </p:nvSpPr>
         <p:spPr/>
         <p:txBody>
-          <a:bodyPr/>
+          <a:bodyPr>
+            <a:normAutofit lnSpcReduction="10000"/>
+          </a:bodyPr>
           <a:lstStyle/>
           <a:p>
             <a:pPr>
@@ -3598,8 +3835,9 @@
             </a:pPr>
             <a:r>
               <a:rPr lang="en-US" dirty="0" smtClean="0"/>
-              <a:t>Why we chose the project</a:t>
-            </a:r>
+              <a:t>Project conception</a:t>
+            </a:r>
+            <a:endParaRPr lang="en-US" dirty="0" smtClean="0"/>
           </a:p>
           <a:p>
             <a:pPr>
@@ -3639,12 +3877,9 @@
             </a:pPr>
             <a:r>
               <a:rPr lang="en-US" dirty="0" smtClean="0"/>
-              <a:t>How </a:t>
-            </a:r>
-            <a:r>
-              <a:rPr lang="en-US" dirty="0" smtClean="0"/>
-              <a:t>we communicated during the design</a:t>
-            </a:r>
+              <a:t>Design communication</a:t>
+            </a:r>
+            <a:endParaRPr lang="en-US" dirty="0" smtClean="0"/>
           </a:p>
           <a:p>
             <a:pPr>
@@ -4230,7 +4465,7 @@
           <a:p>
             <a:r>
               <a:rPr lang="en-US" dirty="0" smtClean="0"/>
-              <a:t>Problems</a:t>
+              <a:t>Design Communication</a:t>
             </a:r>
             <a:endParaRPr lang="en-US" dirty="0"/>
           </a:p>
@@ -4253,8 +4488,68 @@
           <a:p>
             <a:r>
               <a:rPr lang="en-US" dirty="0" smtClean="0"/>
-              <a:t>Most problems solved by our group meetings, talking through the issues, and testing for bugs</a:t>
-            </a:r>
+              <a:t>Exclusive use of Google Code and Subversion (SVN)</a:t>
+            </a:r>
+          </a:p>
+          <a:p>
+            <a:pPr lvl="1">
+              <a:lnSpc>
+                <a:spcPct val="150000"/>
+              </a:lnSpc>
+            </a:pPr>
+            <a:r>
+              <a:rPr lang="en-US" dirty="0" smtClean="0"/>
+              <a:t>Multiple code revisions handled</a:t>
+            </a:r>
+          </a:p>
+          <a:p>
+            <a:pPr>
+              <a:lnSpc>
+                <a:spcPct val="150000"/>
+              </a:lnSpc>
+            </a:pPr>
+            <a:r>
+              <a:rPr lang="en-US" dirty="0" smtClean="0"/>
+              <a:t>Email and phone</a:t>
+            </a:r>
+          </a:p>
+          <a:p>
+            <a:pPr lvl="1">
+              <a:lnSpc>
+                <a:spcPct val="150000"/>
+              </a:lnSpc>
+            </a:pPr>
+            <a:r>
+              <a:rPr lang="en-US" dirty="0" smtClean="0"/>
+              <a:t>To discuss meeting times and answer questions</a:t>
+            </a:r>
+          </a:p>
+          <a:p>
+            <a:pPr>
+              <a:lnSpc>
+                <a:spcPct val="150000"/>
+              </a:lnSpc>
+            </a:pPr>
+            <a:r>
+              <a:rPr lang="en-US" dirty="0" smtClean="0"/>
+              <a:t>Team </a:t>
+            </a:r>
+            <a:r>
+              <a:rPr lang="en-US" dirty="0" smtClean="0"/>
+              <a:t>meetings</a:t>
+            </a:r>
+          </a:p>
+          <a:p>
+            <a:pPr lvl="1">
+              <a:lnSpc>
+                <a:spcPct val="150000"/>
+              </a:lnSpc>
+            </a:pPr>
+            <a:r>
+              <a:rPr lang="en-US" dirty="0" smtClean="0"/>
+              <a:t>Bulk of coding and design were handled</a:t>
+            </a:r>
+            <a:endParaRPr lang="en-US" dirty="0" smtClean="0"/>
           </a:p>
         </p:txBody>
       </p:sp>
@@ -4307,7 +4602,7 @@
           <a:p>
             <a:r>
               <a:rPr lang="en-US" dirty="0" smtClean="0"/>
-              <a:t>Problems and Solutions</a:t>
+              <a:t>Problems</a:t>
             </a:r>
             <a:endParaRPr lang="en-US" dirty="0"/>
           </a:p>
@@ -4325,105 +4620,13 @@
         </p:nvSpPr>
         <p:spPr/>
         <p:txBody>
-          <a:bodyPr>
-            <a:normAutofit fontScale="85000" lnSpcReduction="20000"/>
-          </a:bodyPr>
-          <a:lstStyle/>
-          <a:p>
-            <a:r>
-              <a:rPr lang="en-US" dirty="0" smtClean="0"/>
-              <a:t>Understanding POST and SESSION</a:t>
-            </a:r>
-          </a:p>
-          <a:p>
-            <a:pPr lvl="1"/>
-            <a:r>
-              <a:rPr lang="en-US" dirty="0" smtClean="0"/>
-              <a:t>Reading online and talking to other coders to </a:t>
-            </a:r>
-            <a:r>
-              <a:rPr lang="en-US" dirty="0" smtClean="0"/>
-              <a:t>learn</a:t>
-            </a:r>
-          </a:p>
-          <a:p>
-            <a:endParaRPr lang="en-US" dirty="0" smtClean="0"/>
-          </a:p>
-          <a:p>
-            <a:r>
-              <a:rPr lang="en-US" dirty="0" smtClean="0"/>
-              <a:t>Using Google Code and SVN</a:t>
-            </a:r>
-          </a:p>
-          <a:p>
-            <a:pPr lvl="1"/>
-            <a:r>
-              <a:rPr lang="en-US" dirty="0" smtClean="0"/>
-              <a:t>Jin had experience and explained how to use it</a:t>
-            </a:r>
-          </a:p>
-          <a:p>
-            <a:endParaRPr lang="en-US" dirty="0" smtClean="0"/>
-          </a:p>
-          <a:p>
-            <a:r>
-              <a:rPr lang="en-US" dirty="0" smtClean="0"/>
-              <a:t>Updating </a:t>
-            </a:r>
-            <a:r>
-              <a:rPr lang="en-US" dirty="0" smtClean="0"/>
-              <a:t>user info – code logic</a:t>
-            </a:r>
-          </a:p>
-          <a:p>
-            <a:pPr lvl="1"/>
-            <a:r>
-              <a:rPr lang="en-US" dirty="0" smtClean="0"/>
-              <a:t>Learned some by trial and error and some by looking up code syntax online</a:t>
-            </a:r>
-          </a:p>
-          <a:p>
-            <a:endParaRPr lang="en-US" dirty="0" smtClean="0"/>
-          </a:p>
-          <a:p>
-            <a:r>
-              <a:rPr lang="en-US" dirty="0" smtClean="0"/>
-              <a:t>Thread </a:t>
-            </a:r>
-            <a:r>
-              <a:rPr lang="en-US" dirty="0" smtClean="0"/>
-              <a:t>Ordering</a:t>
-            </a:r>
-          </a:p>
-          <a:p>
-            <a:pPr lvl="1"/>
-            <a:r>
-              <a:rPr lang="en-US" dirty="0" smtClean="0"/>
-              <a:t>Organized the logic of the code to help solve</a:t>
-            </a:r>
-          </a:p>
-          <a:p>
-            <a:endParaRPr lang="en-US" dirty="0" smtClean="0"/>
-          </a:p>
-          <a:p>
-            <a:r>
-              <a:rPr lang="en-US" dirty="0" smtClean="0"/>
-              <a:t>Sticky </a:t>
-            </a:r>
-            <a:r>
-              <a:rPr lang="en-US" dirty="0" smtClean="0"/>
-              <a:t>Posts</a:t>
-            </a:r>
-          </a:p>
-          <a:p>
-            <a:pPr lvl="1"/>
-            <a:r>
-              <a:rPr lang="en-US" dirty="0" smtClean="0"/>
-              <a:t>Checking database for sticky bit field and ordering the sticky posts at the top of all other threads</a:t>
-            </a:r>
-          </a:p>
-          <a:p>
-            <a:endParaRPr lang="en-US" dirty="0"/>
+          <a:bodyPr/>
+          <a:lstStyle/>
+          <a:p>
+            <a:r>
+              <a:rPr lang="en-US" dirty="0" smtClean="0"/>
+              <a:t>Most problems solved by our group meetings, talking through the issues, and testing for bugs</a:t>
+            </a:r>
           </a:p>
         </p:txBody>
       </p:sp>
@@ -4471,130 +4674,128 @@
         </p:nvSpPr>
         <p:spPr/>
         <p:txBody>
+          <a:bodyPr/>
+          <a:lstStyle/>
+          <a:p>
+            <a:r>
+              <a:rPr lang="en-US" dirty="0" smtClean="0"/>
+              <a:t>Problems and Solutions</a:t>
+            </a:r>
+            <a:endParaRPr lang="en-US" dirty="0"/>
+          </a:p>
+        </p:txBody>
+      </p:sp>
+      <p:sp>
+        <p:nvSpPr>
+          <p:cNvPr id="3" name="Content Placeholder 2"/>
+          <p:cNvSpPr>
+            <a:spLocks noGrp="1"/>
+          </p:cNvSpPr>
+          <p:nvPr>
+            <p:ph idx="1"/>
+          </p:nvPr>
+        </p:nvSpPr>
+        <p:spPr/>
+        <p:txBody>
           <a:bodyPr>
-            <a:normAutofit/>
+            <a:normAutofit fontScale="85000" lnSpcReduction="20000"/>
           </a:bodyPr>
           <a:lstStyle/>
           <a:p>
             <a:r>
               <a:rPr lang="en-US" dirty="0" smtClean="0"/>
-              <a:t>Future Expansion</a:t>
-            </a:r>
+              <a:t>Understanding POST and SESSION</a:t>
+            </a:r>
+          </a:p>
+          <a:p>
+            <a:pPr lvl="1"/>
+            <a:r>
+              <a:rPr lang="en-US" dirty="0" smtClean="0"/>
+              <a:t>Reading online and talking to other coders to </a:t>
+            </a:r>
+            <a:r>
+              <a:rPr lang="en-US" dirty="0" smtClean="0"/>
+              <a:t>learn</a:t>
+            </a:r>
+          </a:p>
+          <a:p>
+            <a:endParaRPr lang="en-US" dirty="0" smtClean="0"/>
+          </a:p>
+          <a:p>
+            <a:r>
+              <a:rPr lang="en-US" dirty="0" smtClean="0"/>
+              <a:t>Using Google Code and SVN</a:t>
+            </a:r>
+          </a:p>
+          <a:p>
+            <a:pPr lvl="1"/>
+            <a:r>
+              <a:rPr lang="en-US" dirty="0" smtClean="0"/>
+              <a:t>Jin had experience and explained how to use it</a:t>
+            </a:r>
+          </a:p>
+          <a:p>
+            <a:endParaRPr lang="en-US" dirty="0" smtClean="0"/>
+          </a:p>
+          <a:p>
+            <a:r>
+              <a:rPr lang="en-US" dirty="0" smtClean="0"/>
+              <a:t>Updating </a:t>
+            </a:r>
+            <a:r>
+              <a:rPr lang="en-US" dirty="0" smtClean="0"/>
+              <a:t>user info – code logic</a:t>
+            </a:r>
+          </a:p>
+          <a:p>
+            <a:pPr lvl="1"/>
+            <a:r>
+              <a:rPr lang="en-US" dirty="0" smtClean="0"/>
+              <a:t>Learned some by trial and error and some by looking up code syntax online</a:t>
+            </a:r>
+          </a:p>
+          <a:p>
+            <a:endParaRPr lang="en-US" dirty="0" smtClean="0"/>
+          </a:p>
+          <a:p>
+            <a:r>
+              <a:rPr lang="en-US" dirty="0" smtClean="0"/>
+              <a:t>Thread </a:t>
+            </a:r>
+            <a:r>
+              <a:rPr lang="en-US" dirty="0" smtClean="0"/>
+              <a:t>Ordering</a:t>
+            </a:r>
+          </a:p>
+          <a:p>
+            <a:pPr lvl="1"/>
+            <a:r>
+              <a:rPr lang="en-US" dirty="0" smtClean="0"/>
+              <a:t>Organized the logic of the code to help solve</a:t>
+            </a:r>
+          </a:p>
+          <a:p>
+            <a:endParaRPr lang="en-US" dirty="0" smtClean="0"/>
+          </a:p>
+          <a:p>
+            <a:r>
+              <a:rPr lang="en-US" dirty="0" smtClean="0"/>
+              <a:t>Sticky </a:t>
+            </a:r>
+            <a:r>
+              <a:rPr lang="en-US" dirty="0" smtClean="0"/>
+              <a:t>Posts</a:t>
+            </a:r>
+          </a:p>
+          <a:p>
+            <a:pPr lvl="1"/>
+            <a:r>
+              <a:rPr lang="en-US" dirty="0" smtClean="0"/>
+              <a:t>Checking database for sticky bit field and ordering the sticky posts at the top of all other threads</a:t>
+            </a:r>
+          </a:p>
+          <a:p>
             <a:endParaRPr lang="en-US" dirty="0"/>
-          </a:p>
-        </p:txBody>
-      </p:sp>
-      <p:sp>
-        <p:nvSpPr>
-          <p:cNvPr id="3" name="Content Placeholder 2"/>
-          <p:cNvSpPr>
-            <a:spLocks noGrp="1"/>
-          </p:cNvSpPr>
-          <p:nvPr>
-            <p:ph idx="1"/>
-          </p:nvPr>
-        </p:nvSpPr>
-        <p:spPr/>
-        <p:txBody>
-          <a:bodyPr/>
-          <a:lstStyle/>
-          <a:p>
-            <a:pPr>
-              <a:lnSpc>
-                <a:spcPct val="150000"/>
-              </a:lnSpc>
-            </a:pPr>
-            <a:r>
-              <a:rPr lang="en-US" dirty="0" smtClean="0"/>
-              <a:t>Avatars</a:t>
-            </a:r>
-          </a:p>
-          <a:p>
-            <a:pPr>
-              <a:lnSpc>
-                <a:spcPct val="150000"/>
-              </a:lnSpc>
-            </a:pPr>
-            <a:r>
-              <a:rPr lang="en-US" dirty="0" smtClean="0"/>
-              <a:t>User </a:t>
-            </a:r>
-            <a:r>
-              <a:rPr lang="en-US" dirty="0" smtClean="0"/>
-              <a:t>options</a:t>
-            </a:r>
-          </a:p>
-          <a:p>
-            <a:pPr lvl="1">
-              <a:lnSpc>
-                <a:spcPct val="150000"/>
-              </a:lnSpc>
-            </a:pPr>
-            <a:r>
-              <a:rPr lang="en-US" dirty="0" smtClean="0"/>
-              <a:t>Threads </a:t>
-            </a:r>
-            <a:r>
-              <a:rPr lang="en-US" dirty="0" smtClean="0"/>
-              <a:t>per </a:t>
-            </a:r>
-            <a:r>
-              <a:rPr lang="en-US" dirty="0" smtClean="0"/>
-              <a:t>page</a:t>
-            </a:r>
-          </a:p>
-          <a:p>
-            <a:pPr lvl="1">
-              <a:lnSpc>
-                <a:spcPct val="150000"/>
-              </a:lnSpc>
-            </a:pPr>
-            <a:r>
-              <a:rPr lang="en-US" dirty="0" smtClean="0"/>
-              <a:t>T</a:t>
-            </a:r>
-            <a:r>
-              <a:rPr lang="en-US" dirty="0" smtClean="0"/>
-              <a:t>hread </a:t>
-            </a:r>
-            <a:r>
-              <a:rPr lang="en-US" dirty="0" smtClean="0"/>
-              <a:t>ordering (newest first vs. oldest first)</a:t>
-            </a:r>
-          </a:p>
-          <a:p>
-            <a:pPr>
-              <a:lnSpc>
-                <a:spcPct val="150000"/>
-              </a:lnSpc>
-            </a:pPr>
-            <a:r>
-              <a:rPr lang="en-US" dirty="0" smtClean="0"/>
-              <a:t>Editing and deleting own posts</a:t>
-            </a:r>
-            <a:endParaRPr lang="en-US" dirty="0"/>
-          </a:p>
-          <a:p>
-            <a:pPr>
-              <a:lnSpc>
-                <a:spcPct val="150000"/>
-              </a:lnSpc>
-            </a:pPr>
-            <a:r>
-              <a:rPr lang="en-US" dirty="0" smtClean="0"/>
-              <a:t>Administration system improvements</a:t>
-            </a:r>
-          </a:p>
-          <a:p>
-            <a:pPr>
-              <a:lnSpc>
-                <a:spcPct val="150000"/>
-              </a:lnSpc>
-            </a:pPr>
-            <a:r>
-              <a:rPr lang="en-US" dirty="0" smtClean="0"/>
-              <a:t>User forgot password</a:t>
-            </a:r>
           </a:p>
         </p:txBody>
       </p:sp>
@@ -4642,12 +4843,14 @@
         </p:nvSpPr>
         <p:spPr/>
         <p:txBody>
-          <a:bodyPr/>
-          <a:lstStyle/>
-          <a:p>
-            <a:r>
-              <a:rPr lang="en-US" dirty="0" smtClean="0"/>
-              <a:t>Demonstration</a:t>
+          <a:bodyPr>
+            <a:normAutofit/>
+          </a:bodyPr>
+          <a:lstStyle/>
+          <a:p>
+            <a:r>
+              <a:rPr lang="en-US" dirty="0" smtClean="0"/>
+              <a:t>Future Expansion</a:t>
             </a:r>
             <a:endParaRPr lang="en-US" dirty="0"/>
           </a:p>
@@ -4668,13 +4871,102 @@
           <a:bodyPr/>
           <a:lstStyle/>
           <a:p>
-            <a:r>
-              <a:rPr lang="en-US" dirty="0" smtClean="0">
-                <a:hlinkClick r:id="rId2"/>
-              </a:rPr>
-              <a:t>Welcome to the J2 Forum!</a:t>
+            <a:pPr>
+              <a:lnSpc>
+                <a:spcPct val="150000"/>
+              </a:lnSpc>
+            </a:pPr>
+            <a:r>
+              <a:rPr lang="en-US" dirty="0" smtClean="0"/>
+              <a:t>Avatars</a:t>
+            </a:r>
+          </a:p>
+          <a:p>
+            <a:pPr>
+              <a:lnSpc>
+                <a:spcPct val="150000"/>
+              </a:lnSpc>
+            </a:pPr>
+            <a:r>
+              <a:rPr lang="en-US" dirty="0" smtClean="0"/>
+              <a:t>User </a:t>
+            </a:r>
+            <a:r>
+              <a:rPr lang="en-US" dirty="0" smtClean="0"/>
+              <a:t>options</a:t>
+            </a:r>
+          </a:p>
+          <a:p>
+            <a:pPr lvl="1">
+              <a:lnSpc>
+                <a:spcPct val="150000"/>
+              </a:lnSpc>
+            </a:pPr>
+            <a:r>
+              <a:rPr lang="en-US" dirty="0" smtClean="0"/>
+              <a:t>Threads </a:t>
+            </a:r>
+            <a:r>
+              <a:rPr lang="en-US" dirty="0" smtClean="0"/>
+              <a:t>per </a:t>
+            </a:r>
+            <a:r>
+              <a:rPr lang="en-US" dirty="0" smtClean="0"/>
+              <a:t>page</a:t>
+            </a:r>
+          </a:p>
+          <a:p>
+            <a:pPr lvl="1">
+              <a:lnSpc>
+                <a:spcPct val="150000"/>
+              </a:lnSpc>
+            </a:pPr>
+            <a:r>
+              <a:rPr lang="en-US" dirty="0" smtClean="0"/>
+              <a:t>T</a:t>
+            </a:r>
+            <a:r>
+              <a:rPr lang="en-US" dirty="0" smtClean="0"/>
+              <a:t>hread </a:t>
+            </a:r>
+            <a:r>
+              <a:rPr lang="en-US" dirty="0" smtClean="0"/>
+              <a:t>ordering (newest first vs. oldest first)</a:t>
+            </a:r>
+          </a:p>
+          <a:p>
+            <a:pPr>
+              <a:lnSpc>
+                <a:spcPct val="150000"/>
+              </a:lnSpc>
+            </a:pPr>
+            <a:r>
+              <a:rPr lang="en-US" dirty="0" smtClean="0"/>
+              <a:t>Editing and deleting own posts</a:t>
             </a:r>
             <a:endParaRPr lang="en-US" dirty="0"/>
+          </a:p>
+          <a:p>
+            <a:pPr>
+              <a:lnSpc>
+                <a:spcPct val="150000"/>
+              </a:lnSpc>
+            </a:pPr>
+            <a:r>
+              <a:rPr lang="en-US" dirty="0" smtClean="0"/>
+              <a:t>Administration system improvements</a:t>
+            </a:r>
+          </a:p>
+          <a:p>
+            <a:pPr>
+              <a:lnSpc>
+                <a:spcPct val="150000"/>
+              </a:lnSpc>
+            </a:pPr>
+            <a:r>
+              <a:rPr lang="en-US" dirty="0" smtClean="0"/>
+              <a:t>User forgot password</a:t>
+            </a:r>
           </a:p>
         </p:txBody>
       </p:sp>

--- a/trunk/J2_Forum.pptx
+++ b/trunk/J2_Forum.pptx
@@ -3455,7 +3455,7 @@
           <a:blip r:embed="rId2" cstate="print">
             <a:extLst>
               <a:ext uri="{28A0092B-C50C-407E-A947-70E740481C1C}">
-                <a14:useLocalDpi xmlns:a14="http://schemas.microsoft.com/office/drawing/2010/main" xmlns="" val="0"/>
+                <a14:useLocalDpi xmlns:a14="http://schemas.microsoft.com/office/drawing/2010/main" val="0"/>
               </a:ext>
             </a:extLst>
           </a:blip>
@@ -3600,7 +3600,15 @@
             </a:pPr>
             <a:r>
               <a:rPr lang="en-US" dirty="0" smtClean="0"/>
-              <a:t>File count:  26 files</a:t>
+              <a:t>File count:  </a:t>
+            </a:r>
+            <a:r>
+              <a:rPr lang="en-US" dirty="0" smtClean="0"/>
+              <a:t>27 </a:t>
+            </a:r>
+            <a:r>
+              <a:rPr lang="en-US" dirty="0" smtClean="0"/>
+              <a:t>files</a:t>
             </a:r>
           </a:p>
           <a:p>
@@ -3613,42 +3621,61 @@
               <a:rPr lang="en-US" dirty="0" smtClean="0"/>
               <a:t>Lines of code:</a:t>
             </a:r>
+          </a:p>
+          <a:p>
+            <a:pPr lvl="1"/>
+            <a:r>
+              <a:rPr lang="en-US" dirty="0" smtClean="0"/>
+              <a:t>Comment lines:  </a:t>
+            </a:r>
+            <a:r>
+              <a:rPr lang="en-US" dirty="0" smtClean="0"/>
+              <a:t>60</a:t>
+            </a:r>
             <a:endParaRPr lang="en-US" dirty="0" smtClean="0"/>
           </a:p>
           <a:p>
             <a:pPr lvl="1"/>
             <a:r>
               <a:rPr lang="en-US" dirty="0" smtClean="0"/>
-              <a:t>Comment lines:  58</a:t>
+              <a:t>Blank lines:  184</a:t>
             </a:r>
           </a:p>
           <a:p>
             <a:pPr lvl="1"/>
             <a:r>
               <a:rPr lang="en-US" dirty="0" smtClean="0"/>
-              <a:t>Blank lines:  184</a:t>
-            </a:r>
+              <a:t>CSS:  </a:t>
+            </a:r>
+            <a:r>
+              <a:rPr lang="en-US" dirty="0" smtClean="0"/>
+              <a:t>146</a:t>
+            </a:r>
+            <a:endParaRPr lang="en-US" dirty="0" smtClean="0"/>
           </a:p>
           <a:p>
             <a:pPr lvl="1"/>
             <a:r>
               <a:rPr lang="en-US" dirty="0" smtClean="0"/>
-              <a:t>CSS:  142</a:t>
-            </a:r>
+              <a:t>PHP:  </a:t>
+            </a:r>
+            <a:r>
+              <a:rPr lang="en-US" dirty="0" smtClean="0"/>
+              <a:t>1255</a:t>
+            </a:r>
+            <a:endParaRPr lang="en-US" dirty="0" smtClean="0"/>
           </a:p>
           <a:p>
             <a:pPr lvl="1"/>
             <a:r>
               <a:rPr lang="en-US" dirty="0" smtClean="0"/>
-              <a:t>PHP:  1237</a:t>
-            </a:r>
-          </a:p>
-          <a:p>
-            <a:pPr lvl="1"/>
-            <a:r>
-              <a:rPr lang="en-US" dirty="0" smtClean="0"/>
-              <a:t>Total:  1621</a:t>
-            </a:r>
+              <a:t>Total:  </a:t>
+            </a:r>
+            <a:r>
+              <a:rPr lang="en-US" dirty="0" smtClean="0"/>
+              <a:t>1645</a:t>
+            </a:r>
+            <a:endParaRPr lang="en-US" dirty="0" smtClean="0"/>
           </a:p>
           <a:p>
             <a:pPr>
@@ -3660,7 +3687,6 @@
               <a:rPr lang="en-US" dirty="0" smtClean="0"/>
               <a:t>Code revisions:  TBD</a:t>
             </a:r>
-            <a:endParaRPr lang="en-US" dirty="0" smtClean="0"/>
           </a:p>
         </p:txBody>
       </p:sp>
@@ -3837,7 +3863,6 @@
               <a:rPr lang="en-US" dirty="0" smtClean="0"/>
               <a:t>Project conception</a:t>
             </a:r>
-            <a:endParaRPr lang="en-US" dirty="0" smtClean="0"/>
           </a:p>
           <a:p>
             <a:pPr>
@@ -3847,11 +3872,7 @@
             </a:pPr>
             <a:r>
               <a:rPr lang="en-US" dirty="0" smtClean="0"/>
-              <a:t>Forum </a:t>
-            </a:r>
-            <a:r>
-              <a:rPr lang="en-US" dirty="0" smtClean="0"/>
-              <a:t>overview</a:t>
+              <a:t>Forum overview</a:t>
             </a:r>
           </a:p>
           <a:p>
@@ -3862,11 +3883,7 @@
             </a:pPr>
             <a:r>
               <a:rPr lang="en-US" dirty="0" smtClean="0"/>
-              <a:t>User </a:t>
-            </a:r>
-            <a:r>
-              <a:rPr lang="en-US" dirty="0" smtClean="0"/>
-              <a:t>interaction with the forum</a:t>
+              <a:t>User interaction with the forum</a:t>
             </a:r>
           </a:p>
           <a:p>
@@ -3879,7 +3896,6 @@
               <a:rPr lang="en-US" dirty="0" smtClean="0"/>
               <a:t>Design communication</a:t>
             </a:r>
-            <a:endParaRPr lang="en-US" dirty="0" smtClean="0"/>
           </a:p>
           <a:p>
             <a:pPr>
@@ -3889,11 +3905,7 @@
             </a:pPr>
             <a:r>
               <a:rPr lang="en-US" dirty="0" smtClean="0"/>
-              <a:t>Problems </a:t>
-            </a:r>
-            <a:r>
-              <a:rPr lang="en-US" dirty="0" smtClean="0"/>
-              <a:t>encountered/solved</a:t>
+              <a:t>Problems encountered/solved</a:t>
             </a:r>
           </a:p>
           <a:p>
@@ -3904,11 +3916,7 @@
             </a:pPr>
             <a:r>
               <a:rPr lang="en-US" dirty="0" smtClean="0"/>
-              <a:t>Future </a:t>
-            </a:r>
-            <a:r>
-              <a:rPr lang="en-US" dirty="0" smtClean="0"/>
-              <a:t>expansion?</a:t>
+              <a:t>Future expansion?</a:t>
             </a:r>
           </a:p>
           <a:p>
@@ -3919,11 +3927,7 @@
             </a:pPr>
             <a:r>
               <a:rPr lang="en-US" dirty="0" smtClean="0"/>
-              <a:t>Demo </a:t>
-            </a:r>
-            <a:r>
-              <a:rPr lang="en-US" dirty="0" smtClean="0"/>
-              <a:t>of the forum</a:t>
+              <a:t>Demo of the forum</a:t>
             </a:r>
             <a:endParaRPr lang="en-US" dirty="0"/>
           </a:p>
@@ -4532,11 +4536,7 @@
             </a:pPr>
             <a:r>
               <a:rPr lang="en-US" dirty="0" smtClean="0"/>
-              <a:t>Team </a:t>
-            </a:r>
-            <a:r>
-              <a:rPr lang="en-US" dirty="0" smtClean="0"/>
-              <a:t>meetings</a:t>
+              <a:t>Team meetings</a:t>
             </a:r>
           </a:p>
           <a:p>
@@ -4549,7 +4549,6 @@
               <a:rPr lang="en-US" dirty="0" smtClean="0"/>
               <a:t>Bulk of coding and design were handled</a:t>
             </a:r>
-            <a:endParaRPr lang="en-US" dirty="0" smtClean="0"/>
           </a:p>
         </p:txBody>
       </p:sp>
@@ -4711,11 +4710,7 @@
             <a:pPr lvl="1"/>
             <a:r>
               <a:rPr lang="en-US" dirty="0" smtClean="0"/>
-              <a:t>Reading online and talking to other coders to </a:t>
-            </a:r>
-            <a:r>
-              <a:rPr lang="en-US" dirty="0" smtClean="0"/>
-              <a:t>learn</a:t>
+              <a:t>Reading online and talking to other coders to learn</a:t>
             </a:r>
           </a:p>
           <a:p>
@@ -4740,11 +4735,7 @@
           <a:p>
             <a:r>
               <a:rPr lang="en-US" dirty="0" smtClean="0"/>
-              <a:t>Updating </a:t>
-            </a:r>
-            <a:r>
-              <a:rPr lang="en-US" dirty="0" smtClean="0"/>
-              <a:t>user info – code logic</a:t>
+              <a:t>Updating user info – code logic</a:t>
             </a:r>
           </a:p>
           <a:p>
@@ -4760,11 +4751,7 @@
           <a:p>
             <a:r>
               <a:rPr lang="en-US" dirty="0" smtClean="0"/>
-              <a:t>Thread </a:t>
-            </a:r>
-            <a:r>
-              <a:rPr lang="en-US" dirty="0" smtClean="0"/>
-              <a:t>Ordering</a:t>
+              <a:t>Thread Ordering</a:t>
             </a:r>
           </a:p>
           <a:p>
@@ -4780,11 +4767,7 @@
           <a:p>
             <a:r>
               <a:rPr lang="en-US" dirty="0" smtClean="0"/>
-              <a:t>Sticky </a:t>
-            </a:r>
-            <a:r>
-              <a:rPr lang="en-US" dirty="0" smtClean="0"/>
-              <a:t>Posts</a:t>
+              <a:t>Sticky Posts</a:t>
             </a:r>
           </a:p>
           <a:p>
@@ -4889,11 +4872,7 @@
             </a:pPr>
             <a:r>
               <a:rPr lang="en-US" dirty="0" smtClean="0"/>
-              <a:t>User </a:t>
-            </a:r>
-            <a:r>
-              <a:rPr lang="en-US" dirty="0" smtClean="0"/>
-              <a:t>options</a:t>
+              <a:t>User options</a:t>
             </a:r>
           </a:p>
           <a:p>
@@ -4904,15 +4883,7 @@
             </a:pPr>
             <a:r>
               <a:rPr lang="en-US" dirty="0" smtClean="0"/>
-              <a:t>Threads </a:t>
-            </a:r>
-            <a:r>
-              <a:rPr lang="en-US" dirty="0" smtClean="0"/>
-              <a:t>per </a:t>
-            </a:r>
-            <a:r>
-              <a:rPr lang="en-US" dirty="0" smtClean="0"/>
-              <a:t>page</a:t>
+              <a:t>Threads per page</a:t>
             </a:r>
           </a:p>
           <a:p>
@@ -4923,15 +4894,7 @@
             </a:pPr>
             <a:r>
               <a:rPr lang="en-US" dirty="0" smtClean="0"/>
-              <a:t>T</a:t>
-            </a:r>
-            <a:r>
-              <a:rPr lang="en-US" dirty="0" smtClean="0"/>
-              <a:t>hread </a:t>
-            </a:r>
-            <a:r>
-              <a:rPr lang="en-US" dirty="0" smtClean="0"/>
-              <a:t>ordering (newest first vs. oldest first)</a:t>
+              <a:t>Thread ordering (newest first vs. oldest first)</a:t>
             </a:r>
           </a:p>
           <a:p>

--- a/trunk/J2_Forum.pptx
+++ b/trunk/J2_Forum.pptx
@@ -288,7 +288,7 @@
             <a:fld id="{65147187-FD92-4E97-8F7C-BDE6B023CBF3}" type="datetimeFigureOut">
               <a:rPr lang="en-US" smtClean="0"/>
               <a:pPr/>
-              <a:t>4/21/2011</a:t>
+              <a:t>4/25/2011</a:t>
             </a:fld>
             <a:endParaRPr lang="en-US"/>
           </a:p>
@@ -463,7 +463,7 @@
             <a:fld id="{65147187-FD92-4E97-8F7C-BDE6B023CBF3}" type="datetimeFigureOut">
               <a:rPr lang="en-US" smtClean="0"/>
               <a:pPr/>
-              <a:t>4/21/2011</a:t>
+              <a:t>4/25/2011</a:t>
             </a:fld>
             <a:endParaRPr lang="en-US"/>
           </a:p>
@@ -640,7 +640,7 @@
             <a:fld id="{65147187-FD92-4E97-8F7C-BDE6B023CBF3}" type="datetimeFigureOut">
               <a:rPr lang="en-US" smtClean="0"/>
               <a:pPr/>
-              <a:t>4/21/2011</a:t>
+              <a:t>4/25/2011</a:t>
             </a:fld>
             <a:endParaRPr lang="en-US"/>
           </a:p>
@@ -807,7 +807,7 @@
             <a:fld id="{65147187-FD92-4E97-8F7C-BDE6B023CBF3}" type="datetimeFigureOut">
               <a:rPr lang="en-US" smtClean="0"/>
               <a:pPr/>
-              <a:t>4/21/2011</a:t>
+              <a:t>4/25/2011</a:t>
             </a:fld>
             <a:endParaRPr lang="en-US"/>
           </a:p>
@@ -1174,7 +1174,7 @@
             <a:fld id="{65147187-FD92-4E97-8F7C-BDE6B023CBF3}" type="datetimeFigureOut">
               <a:rPr lang="en-US" smtClean="0"/>
               <a:pPr/>
-              <a:t>4/21/2011</a:t>
+              <a:t>4/25/2011</a:t>
             </a:fld>
             <a:endParaRPr lang="en-US"/>
           </a:p>
@@ -1469,7 +1469,7 @@
             <a:fld id="{65147187-FD92-4E97-8F7C-BDE6B023CBF3}" type="datetimeFigureOut">
               <a:rPr lang="en-US" smtClean="0"/>
               <a:pPr/>
-              <a:t>4/21/2011</a:t>
+              <a:t>4/25/2011</a:t>
             </a:fld>
             <a:endParaRPr lang="en-US"/>
           </a:p>
@@ -1937,7 +1937,7 @@
             <a:fld id="{65147187-FD92-4E97-8F7C-BDE6B023CBF3}" type="datetimeFigureOut">
               <a:rPr lang="en-US" smtClean="0"/>
               <a:pPr/>
-              <a:t>4/21/2011</a:t>
+              <a:t>4/25/2011</a:t>
             </a:fld>
             <a:endParaRPr lang="en-US"/>
           </a:p>
@@ -2061,7 +2061,7 @@
             <a:fld id="{65147187-FD92-4E97-8F7C-BDE6B023CBF3}" type="datetimeFigureOut">
               <a:rPr lang="en-US" smtClean="0"/>
               <a:pPr/>
-              <a:t>4/21/2011</a:t>
+              <a:t>4/25/2011</a:t>
             </a:fld>
             <a:endParaRPr lang="en-US"/>
           </a:p>
@@ -2153,7 +2153,7 @@
             <a:fld id="{65147187-FD92-4E97-8F7C-BDE6B023CBF3}" type="datetimeFigureOut">
               <a:rPr lang="en-US" smtClean="0"/>
               <a:pPr/>
-              <a:t>4/21/2011</a:t>
+              <a:t>4/25/2011</a:t>
             </a:fld>
             <a:endParaRPr lang="en-US"/>
           </a:p>
@@ -2445,7 +2445,7 @@
             <a:fld id="{65147187-FD92-4E97-8F7C-BDE6B023CBF3}" type="datetimeFigureOut">
               <a:rPr lang="en-US" smtClean="0"/>
               <a:pPr/>
-              <a:t>4/21/2011</a:t>
+              <a:t>4/25/2011</a:t>
             </a:fld>
             <a:endParaRPr lang="en-US"/>
           </a:p>
@@ -2793,7 +2793,7 @@
             <a:fld id="{65147187-FD92-4E97-8F7C-BDE6B023CBF3}" type="datetimeFigureOut">
               <a:rPr lang="en-US" smtClean="0"/>
               <a:pPr/>
-              <a:t>4/21/2011</a:t>
+              <a:t>4/25/2011</a:t>
             </a:fld>
             <a:endParaRPr lang="en-US"/>
           </a:p>
@@ -3133,7 +3133,7 @@
             <a:fld id="{65147187-FD92-4E97-8F7C-BDE6B023CBF3}" type="datetimeFigureOut">
               <a:rPr lang="en-US" smtClean="0"/>
               <a:pPr/>
-              <a:t>4/21/2011</a:t>
+              <a:t>4/25/2011</a:t>
             </a:fld>
             <a:endParaRPr lang="en-US"/>
           </a:p>
@@ -3600,15 +3600,7 @@
             </a:pPr>
             <a:r>
               <a:rPr lang="en-US" dirty="0" smtClean="0"/>
-              <a:t>File count:  </a:t>
-            </a:r>
-            <a:r>
-              <a:rPr lang="en-US" dirty="0" smtClean="0"/>
-              <a:t>27 </a:t>
-            </a:r>
-            <a:r>
-              <a:rPr lang="en-US" dirty="0" smtClean="0"/>
-              <a:t>files</a:t>
+              <a:t>File count:  27 files</a:t>
             </a:r>
           </a:p>
           <a:p>
@@ -3630,7 +3622,7 @@
             </a:r>
             <a:r>
               <a:rPr lang="en-US" dirty="0" smtClean="0"/>
-              <a:t>60</a:t>
+              <a:t>87</a:t>
             </a:r>
             <a:endParaRPr lang="en-US" dirty="0" smtClean="0"/>
           </a:p>
@@ -3638,8 +3630,13 @@
             <a:pPr lvl="1"/>
             <a:r>
               <a:rPr lang="en-US" dirty="0" smtClean="0"/>
-              <a:t>Blank lines:  184</a:t>
-            </a:r>
+              <a:t>Blank lines:  </a:t>
+            </a:r>
+            <a:r>
+              <a:rPr lang="en-US" dirty="0" smtClean="0"/>
+              <a:t>185</a:t>
+            </a:r>
+            <a:endParaRPr lang="en-US" dirty="0" smtClean="0"/>
           </a:p>
           <a:p>
             <a:pPr lvl="1"/>
@@ -3649,7 +3646,7 @@
             </a:r>
             <a:r>
               <a:rPr lang="en-US" dirty="0" smtClean="0"/>
-              <a:t>146</a:t>
+              <a:t>147</a:t>
             </a:r>
             <a:endParaRPr lang="en-US" dirty="0" smtClean="0"/>
           </a:p>
@@ -3661,7 +3658,7 @@
             </a:r>
             <a:r>
               <a:rPr lang="en-US" dirty="0" smtClean="0"/>
-              <a:t>1255</a:t>
+              <a:t>1248</a:t>
             </a:r>
             <a:endParaRPr lang="en-US" dirty="0" smtClean="0"/>
           </a:p>
@@ -3673,7 +3670,7 @@
             </a:r>
             <a:r>
               <a:rPr lang="en-US" dirty="0" smtClean="0"/>
-              <a:t>1645</a:t>
+              <a:t>1667</a:t>
             </a:r>
             <a:endParaRPr lang="en-US" dirty="0" smtClean="0"/>
           </a:p>

--- a/trunk/J2_Forum.pptx
+++ b/trunk/J2_Forum.pptx
@@ -288,7 +288,7 @@
             <a:fld id="{65147187-FD92-4E97-8F7C-BDE6B023CBF3}" type="datetimeFigureOut">
               <a:rPr lang="en-US" smtClean="0"/>
               <a:pPr/>
-              <a:t>4/25/2011</a:t>
+              <a:t>5/1/2011</a:t>
             </a:fld>
             <a:endParaRPr lang="en-US"/>
           </a:p>
@@ -463,7 +463,7 @@
             <a:fld id="{65147187-FD92-4E97-8F7C-BDE6B023CBF3}" type="datetimeFigureOut">
               <a:rPr lang="en-US" smtClean="0"/>
               <a:pPr/>
-              <a:t>4/25/2011</a:t>
+              <a:t>5/1/2011</a:t>
             </a:fld>
             <a:endParaRPr lang="en-US"/>
           </a:p>
@@ -640,7 +640,7 @@
             <a:fld id="{65147187-FD92-4E97-8F7C-BDE6B023CBF3}" type="datetimeFigureOut">
               <a:rPr lang="en-US" smtClean="0"/>
               <a:pPr/>
-              <a:t>4/25/2011</a:t>
+              <a:t>5/1/2011</a:t>
             </a:fld>
             <a:endParaRPr lang="en-US"/>
           </a:p>
@@ -807,7 +807,7 @@
             <a:fld id="{65147187-FD92-4E97-8F7C-BDE6B023CBF3}" type="datetimeFigureOut">
               <a:rPr lang="en-US" smtClean="0"/>
               <a:pPr/>
-              <a:t>4/25/2011</a:t>
+              <a:t>5/1/2011</a:t>
             </a:fld>
             <a:endParaRPr lang="en-US"/>
           </a:p>
@@ -1174,7 +1174,7 @@
             <a:fld id="{65147187-FD92-4E97-8F7C-BDE6B023CBF3}" type="datetimeFigureOut">
               <a:rPr lang="en-US" smtClean="0"/>
               <a:pPr/>
-              <a:t>4/25/2011</a:t>
+              <a:t>5/1/2011</a:t>
             </a:fld>
             <a:endParaRPr lang="en-US"/>
           </a:p>
@@ -1469,7 +1469,7 @@
             <a:fld id="{65147187-FD92-4E97-8F7C-BDE6B023CBF3}" type="datetimeFigureOut">
               <a:rPr lang="en-US" smtClean="0"/>
               <a:pPr/>
-              <a:t>4/25/2011</a:t>
+              <a:t>5/1/2011</a:t>
             </a:fld>
             <a:endParaRPr lang="en-US"/>
           </a:p>
@@ -1937,7 +1937,7 @@
             <a:fld id="{65147187-FD92-4E97-8F7C-BDE6B023CBF3}" type="datetimeFigureOut">
               <a:rPr lang="en-US" smtClean="0"/>
               <a:pPr/>
-              <a:t>4/25/2011</a:t>
+              <a:t>5/1/2011</a:t>
             </a:fld>
             <a:endParaRPr lang="en-US"/>
           </a:p>
@@ -2061,7 +2061,7 @@
             <a:fld id="{65147187-FD92-4E97-8F7C-BDE6B023CBF3}" type="datetimeFigureOut">
               <a:rPr lang="en-US" smtClean="0"/>
               <a:pPr/>
-              <a:t>4/25/2011</a:t>
+              <a:t>5/1/2011</a:t>
             </a:fld>
             <a:endParaRPr lang="en-US"/>
           </a:p>
@@ -2153,7 +2153,7 @@
             <a:fld id="{65147187-FD92-4E97-8F7C-BDE6B023CBF3}" type="datetimeFigureOut">
               <a:rPr lang="en-US" smtClean="0"/>
               <a:pPr/>
-              <a:t>4/25/2011</a:t>
+              <a:t>5/1/2011</a:t>
             </a:fld>
             <a:endParaRPr lang="en-US"/>
           </a:p>
@@ -2445,7 +2445,7 @@
             <a:fld id="{65147187-FD92-4E97-8F7C-BDE6B023CBF3}" type="datetimeFigureOut">
               <a:rPr lang="en-US" smtClean="0"/>
               <a:pPr/>
-              <a:t>4/25/2011</a:t>
+              <a:t>5/1/2011</a:t>
             </a:fld>
             <a:endParaRPr lang="en-US"/>
           </a:p>
@@ -2793,7 +2793,7 @@
             <a:fld id="{65147187-FD92-4E97-8F7C-BDE6B023CBF3}" type="datetimeFigureOut">
               <a:rPr lang="en-US" smtClean="0"/>
               <a:pPr/>
-              <a:t>4/25/2011</a:t>
+              <a:t>5/1/2011</a:t>
             </a:fld>
             <a:endParaRPr lang="en-US"/>
           </a:p>
@@ -3133,7 +3133,7 @@
             <a:fld id="{65147187-FD92-4E97-8F7C-BDE6B023CBF3}" type="datetimeFigureOut">
               <a:rPr lang="en-US" smtClean="0"/>
               <a:pPr/>
-              <a:t>4/25/2011</a:t>
+              <a:t>5/1/2011</a:t>
             </a:fld>
             <a:endParaRPr lang="en-US"/>
           </a:p>
@@ -3618,61 +3618,36 @@
             <a:pPr lvl="1"/>
             <a:r>
               <a:rPr lang="en-US" dirty="0" smtClean="0"/>
-              <a:t>Comment lines:  </a:t>
-            </a:r>
-            <a:r>
-              <a:rPr lang="en-US" dirty="0" smtClean="0"/>
-              <a:t>87</a:t>
-            </a:r>
-            <a:endParaRPr lang="en-US" dirty="0" smtClean="0"/>
+              <a:t>Comment lines:  87</a:t>
+            </a:r>
           </a:p>
           <a:p>
             <a:pPr lvl="1"/>
             <a:r>
               <a:rPr lang="en-US" dirty="0" smtClean="0"/>
-              <a:t>Blank lines:  </a:t>
-            </a:r>
-            <a:r>
-              <a:rPr lang="en-US" dirty="0" smtClean="0"/>
-              <a:t>185</a:t>
-            </a:r>
-            <a:endParaRPr lang="en-US" dirty="0" smtClean="0"/>
+              <a:t>Blank lines:  185</a:t>
+            </a:r>
           </a:p>
           <a:p>
             <a:pPr lvl="1"/>
             <a:r>
               <a:rPr lang="en-US" dirty="0" smtClean="0"/>
-              <a:t>CSS:  </a:t>
-            </a:r>
-            <a:r>
-              <a:rPr lang="en-US" dirty="0" smtClean="0"/>
-              <a:t>147</a:t>
-            </a:r>
-            <a:endParaRPr lang="en-US" dirty="0" smtClean="0"/>
+              <a:t>CSS:  147</a:t>
+            </a:r>
           </a:p>
           <a:p>
             <a:pPr lvl="1"/>
             <a:r>
               <a:rPr lang="en-US" dirty="0" smtClean="0"/>
-              <a:t>PHP:  </a:t>
-            </a:r>
-            <a:r>
-              <a:rPr lang="en-US" dirty="0" smtClean="0"/>
-              <a:t>1248</a:t>
-            </a:r>
-            <a:endParaRPr lang="en-US" dirty="0" smtClean="0"/>
+              <a:t>PHP:  1248</a:t>
+            </a:r>
           </a:p>
           <a:p>
             <a:pPr lvl="1"/>
             <a:r>
               <a:rPr lang="en-US" dirty="0" smtClean="0"/>
-              <a:t>Total:  </a:t>
-            </a:r>
-            <a:r>
-              <a:rPr lang="en-US" dirty="0" smtClean="0"/>
-              <a:t>1667</a:t>
-            </a:r>
-            <a:endParaRPr lang="en-US" dirty="0" smtClean="0"/>
+              <a:t>Total:  1667</a:t>
+            </a:r>
           </a:p>
           <a:p>
             <a:pPr>
@@ -3682,8 +3657,13 @@
             </a:pPr>
             <a:r>
               <a:rPr lang="en-US" dirty="0" smtClean="0"/>
-              <a:t>Code revisions:  TBD</a:t>
-            </a:r>
+              <a:t>Code revisions:  </a:t>
+            </a:r>
+            <a:r>
+              <a:rPr lang="en-US" dirty="0" smtClean="0"/>
+              <a:t>143</a:t>
+            </a:r>
+            <a:endParaRPr lang="en-US" dirty="0" smtClean="0"/>
           </a:p>
         </p:txBody>
       </p:sp>
